--- a/Documento/Defensa TEG.pptx
+++ b/Documento/Defensa TEG.pptx
@@ -4,9 +4,29 @@
   <p:sldMasterIdLst>
     <p:sldMasterId id="2147483648" r:id="rId1"/>
   </p:sldMasterIdLst>
+  <p:notesMasterIdLst>
+    <p:notesMasterId r:id="rId21"/>
+  </p:notesMasterIdLst>
   <p:sldIdLst>
     <p:sldId id="256" r:id="rId2"/>
     <p:sldId id="257" r:id="rId3"/>
+    <p:sldId id="258" r:id="rId4"/>
+    <p:sldId id="259" r:id="rId5"/>
+    <p:sldId id="260" r:id="rId6"/>
+    <p:sldId id="261" r:id="rId7"/>
+    <p:sldId id="262" r:id="rId8"/>
+    <p:sldId id="263" r:id="rId9"/>
+    <p:sldId id="264" r:id="rId10"/>
+    <p:sldId id="265" r:id="rId11"/>
+    <p:sldId id="266" r:id="rId12"/>
+    <p:sldId id="267" r:id="rId13"/>
+    <p:sldId id="268" r:id="rId14"/>
+    <p:sldId id="269" r:id="rId15"/>
+    <p:sldId id="270" r:id="rId16"/>
+    <p:sldId id="271" r:id="rId17"/>
+    <p:sldId id="272" r:id="rId18"/>
+    <p:sldId id="273" r:id="rId19"/>
+    <p:sldId id="274" r:id="rId20"/>
   </p:sldIdLst>
   <p:sldSz cx="9144000" cy="6858000" type="screen4x3"/>
   <p:notesSz cx="6858000" cy="9144000"/>
@@ -108,6 +128,551 @@
 </p:presentation>
 </file>
 
+<file path=ppt/notesMasters/notesMaster1.xml><?xml version="1.0" encoding="utf-8"?>
+<p:notesMaster xmlns:a="http://schemas.openxmlformats.org/drawingml/2006/main" xmlns:r="http://schemas.openxmlformats.org/officeDocument/2006/relationships" xmlns:p="http://schemas.openxmlformats.org/presentationml/2006/main">
+  <p:cSld>
+    <p:bg>
+      <p:bgRef idx="1001">
+        <a:schemeClr val="bg1"/>
+      </p:bgRef>
+    </p:bg>
+    <p:spTree>
+      <p:nvGrpSpPr>
+        <p:cNvPr id="1" name=""/>
+        <p:cNvGrpSpPr/>
+        <p:nvPr/>
+      </p:nvGrpSpPr>
+      <p:grpSpPr>
+        <a:xfrm>
+          <a:off x="0" y="0"/>
+          <a:ext cx="0" cy="0"/>
+          <a:chOff x="0" y="0"/>
+          <a:chExt cx="0" cy="0"/>
+        </a:xfrm>
+      </p:grpSpPr>
+      <p:sp>
+        <p:nvSpPr>
+          <p:cNvPr id="2" name="1 Marcador de encabezado"/>
+          <p:cNvSpPr>
+            <a:spLocks noGrp="1"/>
+          </p:cNvSpPr>
+          <p:nvPr>
+            <p:ph type="hdr" sz="quarter"/>
+          </p:nvPr>
+        </p:nvSpPr>
+        <p:spPr>
+          <a:xfrm>
+            <a:off x="0" y="0"/>
+            <a:ext cx="2971800" cy="457200"/>
+          </a:xfrm>
+          <a:prstGeom prst="rect">
+            <a:avLst/>
+          </a:prstGeom>
+        </p:spPr>
+        <p:txBody>
+          <a:bodyPr vert="horz" lIns="91440" tIns="45720" rIns="91440" bIns="45720" rtlCol="0"/>
+          <a:lstStyle>
+            <a:lvl1pPr algn="l">
+              <a:defRPr sz="1200"/>
+            </a:lvl1pPr>
+          </a:lstStyle>
+          <a:p>
+            <a:endParaRPr lang="es-VE"/>
+          </a:p>
+        </p:txBody>
+      </p:sp>
+      <p:sp>
+        <p:nvSpPr>
+          <p:cNvPr id="3" name="2 Marcador de fecha"/>
+          <p:cNvSpPr>
+            <a:spLocks noGrp="1"/>
+          </p:cNvSpPr>
+          <p:nvPr>
+            <p:ph type="dt" idx="1"/>
+          </p:nvPr>
+        </p:nvSpPr>
+        <p:spPr>
+          <a:xfrm>
+            <a:off x="3884613" y="0"/>
+            <a:ext cx="2971800" cy="457200"/>
+          </a:xfrm>
+          <a:prstGeom prst="rect">
+            <a:avLst/>
+          </a:prstGeom>
+        </p:spPr>
+        <p:txBody>
+          <a:bodyPr vert="horz" lIns="91440" tIns="45720" rIns="91440" bIns="45720" rtlCol="0"/>
+          <a:lstStyle>
+            <a:lvl1pPr algn="r">
+              <a:defRPr sz="1200"/>
+            </a:lvl1pPr>
+          </a:lstStyle>
+          <a:p>
+            <a:fld id="{A17EFB24-B8E6-47B6-AF1C-3FF6B5A16A31}" type="datetimeFigureOut">
+              <a:rPr lang="es-VE" smtClean="0"/>
+              <a:t>08-12-2014</a:t>
+            </a:fld>
+            <a:endParaRPr lang="es-VE"/>
+          </a:p>
+        </p:txBody>
+      </p:sp>
+      <p:sp>
+        <p:nvSpPr>
+          <p:cNvPr id="4" name="3 Marcador de imagen de diapositiva"/>
+          <p:cNvSpPr>
+            <a:spLocks noGrp="1" noRot="1" noChangeAspect="1"/>
+          </p:cNvSpPr>
+          <p:nvPr>
+            <p:ph type="sldImg" idx="2"/>
+          </p:nvPr>
+        </p:nvSpPr>
+        <p:spPr>
+          <a:xfrm>
+            <a:off x="1143000" y="685800"/>
+            <a:ext cx="4572000" cy="3429000"/>
+          </a:xfrm>
+          <a:prstGeom prst="rect">
+            <a:avLst/>
+          </a:prstGeom>
+          <a:noFill/>
+          <a:ln w="12700">
+            <a:solidFill>
+              <a:prstClr val="black"/>
+            </a:solidFill>
+          </a:ln>
+        </p:spPr>
+        <p:txBody>
+          <a:bodyPr vert="horz" lIns="91440" tIns="45720" rIns="91440" bIns="45720" rtlCol="0" anchor="ctr"/>
+          <a:lstStyle/>
+          <a:p>
+            <a:endParaRPr lang="es-VE"/>
+          </a:p>
+        </p:txBody>
+      </p:sp>
+      <p:sp>
+        <p:nvSpPr>
+          <p:cNvPr id="5" name="4 Marcador de notas"/>
+          <p:cNvSpPr>
+            <a:spLocks noGrp="1"/>
+          </p:cNvSpPr>
+          <p:nvPr>
+            <p:ph type="body" sz="quarter" idx="3"/>
+          </p:nvPr>
+        </p:nvSpPr>
+        <p:spPr>
+          <a:xfrm>
+            <a:off x="685800" y="4343400"/>
+            <a:ext cx="5486400" cy="4114800"/>
+          </a:xfrm>
+          <a:prstGeom prst="rect">
+            <a:avLst/>
+          </a:prstGeom>
+        </p:spPr>
+        <p:txBody>
+          <a:bodyPr vert="horz" lIns="91440" tIns="45720" rIns="91440" bIns="45720" rtlCol="0">
+            <a:normAutofit/>
+          </a:bodyPr>
+          <a:lstStyle/>
+          <a:p>
+            <a:pPr lvl="0"/>
+            <a:r>
+              <a:rPr lang="es-ES" smtClean="0"/>
+              <a:t>Haga clic para modificar el estilo de texto del patrón</a:t>
+            </a:r>
+          </a:p>
+          <a:p>
+            <a:pPr lvl="1"/>
+            <a:r>
+              <a:rPr lang="es-ES" smtClean="0"/>
+              <a:t>Segundo nivel</a:t>
+            </a:r>
+          </a:p>
+          <a:p>
+            <a:pPr lvl="2"/>
+            <a:r>
+              <a:rPr lang="es-ES" smtClean="0"/>
+              <a:t>Tercer nivel</a:t>
+            </a:r>
+          </a:p>
+          <a:p>
+            <a:pPr lvl="3"/>
+            <a:r>
+              <a:rPr lang="es-ES" smtClean="0"/>
+              <a:t>Cuarto nivel</a:t>
+            </a:r>
+          </a:p>
+          <a:p>
+            <a:pPr lvl="4"/>
+            <a:r>
+              <a:rPr lang="es-ES" smtClean="0"/>
+              <a:t>Quinto nivel</a:t>
+            </a:r>
+            <a:endParaRPr lang="es-VE"/>
+          </a:p>
+        </p:txBody>
+      </p:sp>
+      <p:sp>
+        <p:nvSpPr>
+          <p:cNvPr id="6" name="5 Marcador de pie de página"/>
+          <p:cNvSpPr>
+            <a:spLocks noGrp="1"/>
+          </p:cNvSpPr>
+          <p:nvPr>
+            <p:ph type="ftr" sz="quarter" idx="4"/>
+          </p:nvPr>
+        </p:nvSpPr>
+        <p:spPr>
+          <a:xfrm>
+            <a:off x="0" y="8685213"/>
+            <a:ext cx="2971800" cy="457200"/>
+          </a:xfrm>
+          <a:prstGeom prst="rect">
+            <a:avLst/>
+          </a:prstGeom>
+        </p:spPr>
+        <p:txBody>
+          <a:bodyPr vert="horz" lIns="91440" tIns="45720" rIns="91440" bIns="45720" rtlCol="0" anchor="b"/>
+          <a:lstStyle>
+            <a:lvl1pPr algn="l">
+              <a:defRPr sz="1200"/>
+            </a:lvl1pPr>
+          </a:lstStyle>
+          <a:p>
+            <a:endParaRPr lang="es-VE"/>
+          </a:p>
+        </p:txBody>
+      </p:sp>
+      <p:sp>
+        <p:nvSpPr>
+          <p:cNvPr id="7" name="6 Marcador de número de diapositiva"/>
+          <p:cNvSpPr>
+            <a:spLocks noGrp="1"/>
+          </p:cNvSpPr>
+          <p:nvPr>
+            <p:ph type="sldNum" sz="quarter" idx="5"/>
+          </p:nvPr>
+        </p:nvSpPr>
+        <p:spPr>
+          <a:xfrm>
+            <a:off x="3884613" y="8685213"/>
+            <a:ext cx="2971800" cy="457200"/>
+          </a:xfrm>
+          <a:prstGeom prst="rect">
+            <a:avLst/>
+          </a:prstGeom>
+        </p:spPr>
+        <p:txBody>
+          <a:bodyPr vert="horz" lIns="91440" tIns="45720" rIns="91440" bIns="45720" rtlCol="0" anchor="b"/>
+          <a:lstStyle>
+            <a:lvl1pPr algn="r">
+              <a:defRPr sz="1200"/>
+            </a:lvl1pPr>
+          </a:lstStyle>
+          <a:p>
+            <a:fld id="{DCEE5624-6160-4A0D-AE52-1E2D26756CBF}" type="slidenum">
+              <a:rPr lang="es-VE" smtClean="0"/>
+              <a:t>‹Nº›</a:t>
+            </a:fld>
+            <a:endParaRPr lang="es-VE"/>
+          </a:p>
+        </p:txBody>
+      </p:sp>
+    </p:spTree>
+  </p:cSld>
+  <p:clrMap bg1="lt1" tx1="dk1" bg2="lt2" tx2="dk2" accent1="accent1" accent2="accent2" accent3="accent3" accent4="accent4" accent5="accent5" accent6="accent6" hlink="hlink" folHlink="folHlink"/>
+  <p:notesStyle>
+    <a:lvl1pPr marL="0" algn="l" defTabSz="914400" rtl="0" eaLnBrk="1" latinLnBrk="0" hangingPunct="1">
+      <a:defRPr sz="1200" kern="1200">
+        <a:solidFill>
+          <a:schemeClr val="tx1"/>
+        </a:solidFill>
+        <a:latin typeface="+mn-lt"/>
+        <a:ea typeface="+mn-ea"/>
+        <a:cs typeface="+mn-cs"/>
+      </a:defRPr>
+    </a:lvl1pPr>
+    <a:lvl2pPr marL="457200" algn="l" defTabSz="914400" rtl="0" eaLnBrk="1" latinLnBrk="0" hangingPunct="1">
+      <a:defRPr sz="1200" kern="1200">
+        <a:solidFill>
+          <a:schemeClr val="tx1"/>
+        </a:solidFill>
+        <a:latin typeface="+mn-lt"/>
+        <a:ea typeface="+mn-ea"/>
+        <a:cs typeface="+mn-cs"/>
+      </a:defRPr>
+    </a:lvl2pPr>
+    <a:lvl3pPr marL="914400" algn="l" defTabSz="914400" rtl="0" eaLnBrk="1" latinLnBrk="0" hangingPunct="1">
+      <a:defRPr sz="1200" kern="1200">
+        <a:solidFill>
+          <a:schemeClr val="tx1"/>
+        </a:solidFill>
+        <a:latin typeface="+mn-lt"/>
+        <a:ea typeface="+mn-ea"/>
+        <a:cs typeface="+mn-cs"/>
+      </a:defRPr>
+    </a:lvl3pPr>
+    <a:lvl4pPr marL="1371600" algn="l" defTabSz="914400" rtl="0" eaLnBrk="1" latinLnBrk="0" hangingPunct="1">
+      <a:defRPr sz="1200" kern="1200">
+        <a:solidFill>
+          <a:schemeClr val="tx1"/>
+        </a:solidFill>
+        <a:latin typeface="+mn-lt"/>
+        <a:ea typeface="+mn-ea"/>
+        <a:cs typeface="+mn-cs"/>
+      </a:defRPr>
+    </a:lvl4pPr>
+    <a:lvl5pPr marL="1828800" algn="l" defTabSz="914400" rtl="0" eaLnBrk="1" latinLnBrk="0" hangingPunct="1">
+      <a:defRPr sz="1200" kern="1200">
+        <a:solidFill>
+          <a:schemeClr val="tx1"/>
+        </a:solidFill>
+        <a:latin typeface="+mn-lt"/>
+        <a:ea typeface="+mn-ea"/>
+        <a:cs typeface="+mn-cs"/>
+      </a:defRPr>
+    </a:lvl5pPr>
+    <a:lvl6pPr marL="2286000" algn="l" defTabSz="914400" rtl="0" eaLnBrk="1" latinLnBrk="0" hangingPunct="1">
+      <a:defRPr sz="1200" kern="1200">
+        <a:solidFill>
+          <a:schemeClr val="tx1"/>
+        </a:solidFill>
+        <a:latin typeface="+mn-lt"/>
+        <a:ea typeface="+mn-ea"/>
+        <a:cs typeface="+mn-cs"/>
+      </a:defRPr>
+    </a:lvl6pPr>
+    <a:lvl7pPr marL="2743200" algn="l" defTabSz="914400" rtl="0" eaLnBrk="1" latinLnBrk="0" hangingPunct="1">
+      <a:defRPr sz="1200" kern="1200">
+        <a:solidFill>
+          <a:schemeClr val="tx1"/>
+        </a:solidFill>
+        <a:latin typeface="+mn-lt"/>
+        <a:ea typeface="+mn-ea"/>
+        <a:cs typeface="+mn-cs"/>
+      </a:defRPr>
+    </a:lvl7pPr>
+    <a:lvl8pPr marL="3200400" algn="l" defTabSz="914400" rtl="0" eaLnBrk="1" latinLnBrk="0" hangingPunct="1">
+      <a:defRPr sz="1200" kern="1200">
+        <a:solidFill>
+          <a:schemeClr val="tx1"/>
+        </a:solidFill>
+        <a:latin typeface="+mn-lt"/>
+        <a:ea typeface="+mn-ea"/>
+        <a:cs typeface="+mn-cs"/>
+      </a:defRPr>
+    </a:lvl8pPr>
+    <a:lvl9pPr marL="3657600" algn="l" defTabSz="914400" rtl="0" eaLnBrk="1" latinLnBrk="0" hangingPunct="1">
+      <a:defRPr sz="1200" kern="1200">
+        <a:solidFill>
+          <a:schemeClr val="tx1"/>
+        </a:solidFill>
+        <a:latin typeface="+mn-lt"/>
+        <a:ea typeface="+mn-ea"/>
+        <a:cs typeface="+mn-cs"/>
+      </a:defRPr>
+    </a:lvl9pPr>
+  </p:notesStyle>
+</p:notesMaster>
+</file>
+
+<file path=ppt/notesSlides/notesSlide1.xml><?xml version="1.0" encoding="utf-8"?>
+<p:notes xmlns:a="http://schemas.openxmlformats.org/drawingml/2006/main" xmlns:r="http://schemas.openxmlformats.org/officeDocument/2006/relationships" xmlns:p="http://schemas.openxmlformats.org/presentationml/2006/main">
+  <p:cSld>
+    <p:spTree>
+      <p:nvGrpSpPr>
+        <p:cNvPr id="1" name=""/>
+        <p:cNvGrpSpPr/>
+        <p:nvPr/>
+      </p:nvGrpSpPr>
+      <p:grpSpPr>
+        <a:xfrm>
+          <a:off x="0" y="0"/>
+          <a:ext cx="0" cy="0"/>
+          <a:chOff x="0" y="0"/>
+          <a:chExt cx="0" cy="0"/>
+        </a:xfrm>
+      </p:grpSpPr>
+      <p:sp>
+        <p:nvSpPr>
+          <p:cNvPr id="2" name="1 Marcador de imagen de diapositiva"/>
+          <p:cNvSpPr>
+            <a:spLocks noGrp="1" noRot="1" noChangeAspect="1"/>
+          </p:cNvSpPr>
+          <p:nvPr>
+            <p:ph type="sldImg"/>
+          </p:nvPr>
+        </p:nvSpPr>
+        <p:spPr/>
+      </p:sp>
+      <p:sp>
+        <p:nvSpPr>
+          <p:cNvPr id="3" name="2 Marcador de notas"/>
+          <p:cNvSpPr>
+            <a:spLocks noGrp="1"/>
+          </p:cNvSpPr>
+          <p:nvPr>
+            <p:ph type="body" idx="1"/>
+          </p:nvPr>
+        </p:nvSpPr>
+        <p:spPr/>
+        <p:txBody>
+          <a:bodyPr>
+            <a:normAutofit/>
+          </a:bodyPr>
+          <a:lstStyle/>
+          <a:p>
+            <a:r>
+              <a:rPr lang="es-VE" dirty="0" err="1" smtClean="0"/>
+              <a:t>Presentacion</a:t>
+            </a:r>
+            <a:endParaRPr lang="es-VE" dirty="0"/>
+          </a:p>
+        </p:txBody>
+      </p:sp>
+      <p:sp>
+        <p:nvSpPr>
+          <p:cNvPr id="4" name="3 Marcador de número de diapositiva"/>
+          <p:cNvSpPr>
+            <a:spLocks noGrp="1"/>
+          </p:cNvSpPr>
+          <p:nvPr>
+            <p:ph type="sldNum" sz="quarter" idx="10"/>
+          </p:nvPr>
+        </p:nvSpPr>
+        <p:spPr/>
+        <p:txBody>
+          <a:bodyPr/>
+          <a:lstStyle/>
+          <a:p>
+            <a:fld id="{DCEE5624-6160-4A0D-AE52-1E2D26756CBF}" type="slidenum">
+              <a:rPr lang="es-VE" smtClean="0"/>
+              <a:t>1</a:t>
+            </a:fld>
+            <a:endParaRPr lang="es-VE"/>
+          </a:p>
+        </p:txBody>
+      </p:sp>
+    </p:spTree>
+  </p:cSld>
+  <p:clrMapOvr>
+    <a:masterClrMapping/>
+  </p:clrMapOvr>
+</p:notes>
+</file>
+
+<file path=ppt/notesSlides/notesSlide2.xml><?xml version="1.0" encoding="utf-8"?>
+<p:notes xmlns:a="http://schemas.openxmlformats.org/drawingml/2006/main" xmlns:r="http://schemas.openxmlformats.org/officeDocument/2006/relationships" xmlns:p="http://schemas.openxmlformats.org/presentationml/2006/main">
+  <p:cSld>
+    <p:spTree>
+      <p:nvGrpSpPr>
+        <p:cNvPr id="1" name=""/>
+        <p:cNvGrpSpPr/>
+        <p:nvPr/>
+      </p:nvGrpSpPr>
+      <p:grpSpPr>
+        <a:xfrm>
+          <a:off x="0" y="0"/>
+          <a:ext cx="0" cy="0"/>
+          <a:chOff x="0" y="0"/>
+          <a:chExt cx="0" cy="0"/>
+        </a:xfrm>
+      </p:grpSpPr>
+      <p:sp>
+        <p:nvSpPr>
+          <p:cNvPr id="2" name="1 Marcador de imagen de diapositiva"/>
+          <p:cNvSpPr>
+            <a:spLocks noGrp="1" noRot="1" noChangeAspect="1"/>
+          </p:cNvSpPr>
+          <p:nvPr>
+            <p:ph type="sldImg"/>
+          </p:nvPr>
+        </p:nvSpPr>
+        <p:spPr/>
+      </p:sp>
+      <p:sp>
+        <p:nvSpPr>
+          <p:cNvPr id="3" name="2 Marcador de notas"/>
+          <p:cNvSpPr>
+            <a:spLocks noGrp="1"/>
+          </p:cNvSpPr>
+          <p:nvPr>
+            <p:ph type="body" idx="1"/>
+          </p:nvPr>
+        </p:nvSpPr>
+        <p:spPr/>
+        <p:txBody>
+          <a:bodyPr>
+            <a:normAutofit/>
+          </a:bodyPr>
+          <a:lstStyle/>
+          <a:p>
+            <a:r>
+              <a:rPr lang="es-VE" dirty="0" smtClean="0"/>
+              <a:t>Cambie eje</a:t>
+            </a:r>
+            <a:r>
+              <a:rPr lang="es-VE" baseline="0" dirty="0" smtClean="0"/>
+              <a:t> Z por altura por que eje Z creo que </a:t>
+            </a:r>
+            <a:r>
+              <a:rPr lang="es-VE" baseline="0" dirty="0" err="1" smtClean="0"/>
+              <a:t>podria</a:t>
+            </a:r>
+            <a:r>
+              <a:rPr lang="es-VE" baseline="0" dirty="0" smtClean="0"/>
+              <a:t> ser algo </a:t>
+            </a:r>
+            <a:r>
+              <a:rPr lang="es-VE" baseline="0" dirty="0" err="1" smtClean="0"/>
+              <a:t>generico</a:t>
+            </a:r>
+            <a:r>
+              <a:rPr lang="es-VE" baseline="0" dirty="0" smtClean="0"/>
+              <a:t> (capaz mientras el modelo del </a:t>
+            </a:r>
+            <a:r>
+              <a:rPr lang="es-VE" baseline="0" dirty="0" err="1" smtClean="0"/>
+              <a:t>cuadricoptero</a:t>
+            </a:r>
+            <a:r>
+              <a:rPr lang="es-VE" baseline="0" dirty="0" smtClean="0"/>
+              <a:t> no esta definido)</a:t>
+            </a:r>
+            <a:endParaRPr lang="es-VE" dirty="0"/>
+          </a:p>
+        </p:txBody>
+      </p:sp>
+      <p:sp>
+        <p:nvSpPr>
+          <p:cNvPr id="4" name="3 Marcador de número de diapositiva"/>
+          <p:cNvSpPr>
+            <a:spLocks noGrp="1"/>
+          </p:cNvSpPr>
+          <p:nvPr>
+            <p:ph type="sldNum" sz="quarter" idx="10"/>
+          </p:nvPr>
+        </p:nvSpPr>
+        <p:spPr/>
+        <p:txBody>
+          <a:bodyPr/>
+          <a:lstStyle/>
+          <a:p>
+            <a:fld id="{DCEE5624-6160-4A0D-AE52-1E2D26756CBF}" type="slidenum">
+              <a:rPr lang="es-VE" smtClean="0"/>
+              <a:t>11</a:t>
+            </a:fld>
+            <a:endParaRPr lang="es-VE"/>
+          </a:p>
+        </p:txBody>
+      </p:sp>
+    </p:spTree>
+  </p:cSld>
+  <p:clrMapOvr>
+    <a:masterClrMapping/>
+  </p:clrMapOvr>
+</p:notes>
+</file>
+
 <file path=ppt/slideLayouts/slideLayout1.xml><?xml version="1.0" encoding="utf-8"?>
 <p:sldLayout xmlns:a="http://schemas.openxmlformats.org/drawingml/2006/main" xmlns:r="http://schemas.openxmlformats.org/officeDocument/2006/relationships" xmlns:p="http://schemas.openxmlformats.org/presentationml/2006/main" type="title" preserve="1">
   <p:cSld name="Diapositiva de título">
@@ -289,6 +854,7 @@
           <a:p>
             <a:fld id="{A66858EE-E19B-45C5-A85F-82E756D7CD03}" type="datetimeFigureOut">
               <a:rPr lang="es-ES" smtClean="0"/>
+              <a:pPr/>
               <a:t>08/12/2014</a:t>
             </a:fld>
             <a:endParaRPr lang="es-ES"/>
@@ -331,6 +897,7 @@
           <a:p>
             <a:fld id="{CB315E90-48A1-450A-9464-03C990911FB5}" type="slidenum">
               <a:rPr lang="es-ES" smtClean="0"/>
+              <a:pPr/>
               <a:t>‹Nº›</a:t>
             </a:fld>
             <a:endParaRPr lang="es-ES"/>
@@ -454,6 +1021,7 @@
           <a:p>
             <a:fld id="{A66858EE-E19B-45C5-A85F-82E756D7CD03}" type="datetimeFigureOut">
               <a:rPr lang="es-ES" smtClean="0"/>
+              <a:pPr/>
               <a:t>08/12/2014</a:t>
             </a:fld>
             <a:endParaRPr lang="es-ES"/>
@@ -496,6 +1064,7 @@
           <a:p>
             <a:fld id="{CB315E90-48A1-450A-9464-03C990911FB5}" type="slidenum">
               <a:rPr lang="es-ES" smtClean="0"/>
+              <a:pPr/>
               <a:t>‹Nº›</a:t>
             </a:fld>
             <a:endParaRPr lang="es-ES"/>
@@ -629,6 +1198,7 @@
           <a:p>
             <a:fld id="{A66858EE-E19B-45C5-A85F-82E756D7CD03}" type="datetimeFigureOut">
               <a:rPr lang="es-ES" smtClean="0"/>
+              <a:pPr/>
               <a:t>08/12/2014</a:t>
             </a:fld>
             <a:endParaRPr lang="es-ES"/>
@@ -671,6 +1241,7 @@
           <a:p>
             <a:fld id="{CB315E90-48A1-450A-9464-03C990911FB5}" type="slidenum">
               <a:rPr lang="es-ES" smtClean="0"/>
+              <a:pPr/>
               <a:t>‹Nº›</a:t>
             </a:fld>
             <a:endParaRPr lang="es-ES"/>
@@ -794,6 +1365,7 @@
           <a:p>
             <a:fld id="{A66858EE-E19B-45C5-A85F-82E756D7CD03}" type="datetimeFigureOut">
               <a:rPr lang="es-ES" smtClean="0"/>
+              <a:pPr/>
               <a:t>08/12/2014</a:t>
             </a:fld>
             <a:endParaRPr lang="es-ES"/>
@@ -836,6 +1408,7 @@
           <a:p>
             <a:fld id="{CB315E90-48A1-450A-9464-03C990911FB5}" type="slidenum">
               <a:rPr lang="es-ES" smtClean="0"/>
+              <a:pPr/>
               <a:t>‹Nº›</a:t>
             </a:fld>
             <a:endParaRPr lang="es-ES"/>
@@ -1035,6 +1608,7 @@
           <a:p>
             <a:fld id="{A66858EE-E19B-45C5-A85F-82E756D7CD03}" type="datetimeFigureOut">
               <a:rPr lang="es-ES" smtClean="0"/>
+              <a:pPr/>
               <a:t>08/12/2014</a:t>
             </a:fld>
             <a:endParaRPr lang="es-ES"/>
@@ -1077,6 +1651,7 @@
           <a:p>
             <a:fld id="{CB315E90-48A1-450A-9464-03C990911FB5}" type="slidenum">
               <a:rPr lang="es-ES" smtClean="0"/>
+              <a:pPr/>
               <a:t>‹Nº›</a:t>
             </a:fld>
             <a:endParaRPr lang="es-ES"/>
@@ -1318,6 +1893,7 @@
           <a:p>
             <a:fld id="{A66858EE-E19B-45C5-A85F-82E756D7CD03}" type="datetimeFigureOut">
               <a:rPr lang="es-ES" smtClean="0"/>
+              <a:pPr/>
               <a:t>08/12/2014</a:t>
             </a:fld>
             <a:endParaRPr lang="es-ES"/>
@@ -1360,6 +1936,7 @@
           <a:p>
             <a:fld id="{CB315E90-48A1-450A-9464-03C990911FB5}" type="slidenum">
               <a:rPr lang="es-ES" smtClean="0"/>
+              <a:pPr/>
               <a:t>‹Nº›</a:t>
             </a:fld>
             <a:endParaRPr lang="es-ES"/>
@@ -1735,6 +2312,7 @@
           <a:p>
             <a:fld id="{A66858EE-E19B-45C5-A85F-82E756D7CD03}" type="datetimeFigureOut">
               <a:rPr lang="es-ES" smtClean="0"/>
+              <a:pPr/>
               <a:t>08/12/2014</a:t>
             </a:fld>
             <a:endParaRPr lang="es-ES"/>
@@ -1777,6 +2355,7 @@
           <a:p>
             <a:fld id="{CB315E90-48A1-450A-9464-03C990911FB5}" type="slidenum">
               <a:rPr lang="es-ES" smtClean="0"/>
+              <a:pPr/>
               <a:t>‹Nº›</a:t>
             </a:fld>
             <a:endParaRPr lang="es-ES"/>
@@ -1848,6 +2427,7 @@
           <a:p>
             <a:fld id="{A66858EE-E19B-45C5-A85F-82E756D7CD03}" type="datetimeFigureOut">
               <a:rPr lang="es-ES" smtClean="0"/>
+              <a:pPr/>
               <a:t>08/12/2014</a:t>
             </a:fld>
             <a:endParaRPr lang="es-ES"/>
@@ -1890,6 +2470,7 @@
           <a:p>
             <a:fld id="{CB315E90-48A1-450A-9464-03C990911FB5}" type="slidenum">
               <a:rPr lang="es-ES" smtClean="0"/>
+              <a:pPr/>
               <a:t>‹Nº›</a:t>
             </a:fld>
             <a:endParaRPr lang="es-ES"/>
@@ -1938,6 +2519,7 @@
           <a:p>
             <a:fld id="{A66858EE-E19B-45C5-A85F-82E756D7CD03}" type="datetimeFigureOut">
               <a:rPr lang="es-ES" smtClean="0"/>
+              <a:pPr/>
               <a:t>08/12/2014</a:t>
             </a:fld>
             <a:endParaRPr lang="es-ES"/>
@@ -1980,6 +2562,7 @@
           <a:p>
             <a:fld id="{CB315E90-48A1-450A-9464-03C990911FB5}" type="slidenum">
               <a:rPr lang="es-ES" smtClean="0"/>
+              <a:pPr/>
               <a:t>‹Nº›</a:t>
             </a:fld>
             <a:endParaRPr lang="es-ES"/>
@@ -2210,6 +2793,7 @@
           <a:p>
             <a:fld id="{A66858EE-E19B-45C5-A85F-82E756D7CD03}" type="datetimeFigureOut">
               <a:rPr lang="es-ES" smtClean="0"/>
+              <a:pPr/>
               <a:t>08/12/2014</a:t>
             </a:fld>
             <a:endParaRPr lang="es-ES"/>
@@ -2252,6 +2836,7 @@
           <a:p>
             <a:fld id="{CB315E90-48A1-450A-9464-03C990911FB5}" type="slidenum">
               <a:rPr lang="es-ES" smtClean="0"/>
+              <a:pPr/>
               <a:t>‹Nº›</a:t>
             </a:fld>
             <a:endParaRPr lang="es-ES"/>
@@ -2458,6 +3043,7 @@
           <a:p>
             <a:fld id="{A66858EE-E19B-45C5-A85F-82E756D7CD03}" type="datetimeFigureOut">
               <a:rPr lang="es-ES" smtClean="0"/>
+              <a:pPr/>
               <a:t>08/12/2014</a:t>
             </a:fld>
             <a:endParaRPr lang="es-ES"/>
@@ -2500,6 +3086,7 @@
           <a:p>
             <a:fld id="{CB315E90-48A1-450A-9464-03C990911FB5}" type="slidenum">
               <a:rPr lang="es-ES" smtClean="0"/>
+              <a:pPr/>
               <a:t>‹Nº›</a:t>
             </a:fld>
             <a:endParaRPr lang="es-ES"/>
@@ -2666,6 +3253,7 @@
           <a:p>
             <a:fld id="{A66858EE-E19B-45C5-A85F-82E756D7CD03}" type="datetimeFigureOut">
               <a:rPr lang="es-ES" smtClean="0"/>
+              <a:pPr/>
               <a:t>08/12/2014</a:t>
             </a:fld>
             <a:endParaRPr lang="es-ES"/>
@@ -2744,6 +3332,7 @@
           <a:p>
             <a:fld id="{CB315E90-48A1-450A-9464-03C990911FB5}" type="slidenum">
               <a:rPr lang="es-ES" smtClean="0"/>
+              <a:pPr/>
               <a:t>‹Nº›</a:t>
             </a:fld>
             <a:endParaRPr lang="es-ES"/>
@@ -3103,6 +3692,327 @@
           <p:nvPr/>
         </p:nvPicPr>
         <p:blipFill>
+          <a:blip r:embed="rId3" cstate="print"/>
+          <a:srcRect/>
+          <a:stretch>
+            <a:fillRect/>
+          </a:stretch>
+        </p:blipFill>
+        <p:spPr bwMode="auto">
+          <a:xfrm>
+            <a:off x="228600" y="228600"/>
+            <a:ext cx="3265715" cy="676036"/>
+          </a:xfrm>
+          <a:prstGeom prst="rect">
+            <a:avLst/>
+          </a:prstGeom>
+          <a:noFill/>
+        </p:spPr>
+      </p:pic>
+      <p:sp>
+        <p:nvSpPr>
+          <p:cNvPr id="6" name="5 CuadroTexto"/>
+          <p:cNvSpPr txBox="1"/>
+          <p:nvPr/>
+        </p:nvSpPr>
+        <p:spPr>
+          <a:xfrm>
+            <a:off x="152400" y="838200"/>
+            <a:ext cx="4213333" cy="646331"/>
+          </a:xfrm>
+          <a:prstGeom prst="rect">
+            <a:avLst/>
+          </a:prstGeom>
+          <a:noFill/>
+        </p:spPr>
+        <p:txBody>
+          <a:bodyPr wrap="none" rtlCol="0">
+            <a:spAutoFit/>
+          </a:bodyPr>
+          <a:lstStyle/>
+          <a:p>
+            <a:r>
+              <a:rPr lang="es-VE" dirty="0" smtClean="0"/>
+              <a:t>Escuela de ingeniería informática</a:t>
+            </a:r>
+          </a:p>
+          <a:p>
+            <a:r>
+              <a:rPr lang="es-VE" dirty="0" smtClean="0"/>
+              <a:t>Presentación del Trabajo Especial de Grado</a:t>
+            </a:r>
+            <a:endParaRPr lang="es-VE" dirty="0"/>
+          </a:p>
+        </p:txBody>
+      </p:sp>
+      <p:sp>
+        <p:nvSpPr>
+          <p:cNvPr id="7" name="6 Rectángulo"/>
+          <p:cNvSpPr/>
+          <p:nvPr/>
+        </p:nvSpPr>
+        <p:spPr>
+          <a:xfrm>
+            <a:off x="228600" y="2971801"/>
+            <a:ext cx="8534400" cy="954107"/>
+          </a:xfrm>
+          <a:prstGeom prst="rect">
+            <a:avLst/>
+          </a:prstGeom>
+        </p:spPr>
+        <p:txBody>
+          <a:bodyPr wrap="square">
+            <a:spAutoFit/>
+          </a:bodyPr>
+          <a:lstStyle/>
+          <a:p>
+            <a:pPr algn="ctr"/>
+            <a:r>
+              <a:rPr lang="es-VE" sz="2800" dirty="0"/>
+              <a:t>Estabilización de un </a:t>
+            </a:r>
+            <a:r>
+              <a:rPr lang="es-VE" sz="2800" dirty="0" smtClean="0"/>
+              <a:t>cuadricóptero </a:t>
+            </a:r>
+            <a:r>
+              <a:rPr lang="es-VE" sz="2800" dirty="0"/>
+              <a:t>mediante un algoritmo Proporcional-Integral-Derivativo</a:t>
+            </a:r>
+          </a:p>
+        </p:txBody>
+      </p:sp>
+      <p:sp>
+        <p:nvSpPr>
+          <p:cNvPr id="8" name="7 CuadroTexto"/>
+          <p:cNvSpPr txBox="1"/>
+          <p:nvPr/>
+        </p:nvSpPr>
+        <p:spPr>
+          <a:xfrm>
+            <a:off x="0" y="6211669"/>
+            <a:ext cx="2949077" cy="646331"/>
+          </a:xfrm>
+          <a:prstGeom prst="rect">
+            <a:avLst/>
+          </a:prstGeom>
+          <a:noFill/>
+        </p:spPr>
+        <p:txBody>
+          <a:bodyPr wrap="none" rtlCol="0">
+            <a:spAutoFit/>
+          </a:bodyPr>
+          <a:lstStyle/>
+          <a:p>
+            <a:r>
+              <a:rPr lang="es-VE" dirty="0" smtClean="0"/>
+              <a:t>Luis Felipe </a:t>
+            </a:r>
+            <a:r>
+              <a:rPr lang="es-VE" dirty="0" err="1" smtClean="0"/>
+              <a:t>Vicens</a:t>
+            </a:r>
+            <a:r>
+              <a:rPr lang="es-VE" dirty="0" smtClean="0"/>
+              <a:t> </a:t>
+            </a:r>
+            <a:r>
+              <a:rPr lang="es-VE" dirty="0" err="1" smtClean="0"/>
+              <a:t>Gonzalez</a:t>
+            </a:r>
+            <a:endParaRPr lang="es-VE" dirty="0" smtClean="0"/>
+          </a:p>
+          <a:p>
+            <a:r>
+              <a:rPr lang="es-VE" dirty="0" err="1" smtClean="0"/>
+              <a:t>Yoshua</a:t>
+            </a:r>
+            <a:r>
+              <a:rPr lang="es-VE" dirty="0" smtClean="0"/>
+              <a:t> Alfredo Nava </a:t>
+            </a:r>
+            <a:r>
+              <a:rPr lang="es-VE" dirty="0" err="1" smtClean="0"/>
+              <a:t>Chocrón</a:t>
+            </a:r>
+            <a:endParaRPr lang="es-VE" dirty="0"/>
+          </a:p>
+        </p:txBody>
+      </p:sp>
+      <p:sp>
+        <p:nvSpPr>
+          <p:cNvPr id="9" name="8 CuadroTexto"/>
+          <p:cNvSpPr txBox="1"/>
+          <p:nvPr/>
+        </p:nvSpPr>
+        <p:spPr>
+          <a:xfrm>
+            <a:off x="7890644" y="6488668"/>
+            <a:ext cx="1253356" cy="369332"/>
+          </a:xfrm>
+          <a:prstGeom prst="rect">
+            <a:avLst/>
+          </a:prstGeom>
+          <a:noFill/>
+        </p:spPr>
+        <p:txBody>
+          <a:bodyPr wrap="none" rtlCol="0">
+            <a:spAutoFit/>
+          </a:bodyPr>
+          <a:lstStyle/>
+          <a:p>
+            <a:r>
+              <a:rPr lang="es-VE" dirty="0" smtClean="0"/>
+              <a:t>Enero 2015</a:t>
+            </a:r>
+            <a:endParaRPr lang="es-VE" dirty="0"/>
+          </a:p>
+        </p:txBody>
+      </p:sp>
+    </p:spTree>
+  </p:cSld>
+  <p:clrMapOvr>
+    <a:masterClrMapping/>
+  </p:clrMapOvr>
+</p:sld>
+</file>
+
+<file path=ppt/slides/slide10.xml><?xml version="1.0" encoding="utf-8"?>
+<p:sld xmlns:a="http://schemas.openxmlformats.org/drawingml/2006/main" xmlns:r="http://schemas.openxmlformats.org/officeDocument/2006/relationships" xmlns:p="http://schemas.openxmlformats.org/presentationml/2006/main">
+  <p:cSld>
+    <p:spTree>
+      <p:nvGrpSpPr>
+        <p:cNvPr id="1" name=""/>
+        <p:cNvGrpSpPr/>
+        <p:nvPr/>
+      </p:nvGrpSpPr>
+      <p:grpSpPr>
+        <a:xfrm>
+          <a:off x="0" y="0"/>
+          <a:ext cx="0" cy="0"/>
+          <a:chOff x="0" y="0"/>
+          <a:chExt cx="0" cy="0"/>
+        </a:xfrm>
+      </p:grpSpPr>
+      <p:sp>
+        <p:nvSpPr>
+          <p:cNvPr id="6" name="5 Rectángulo"/>
+          <p:cNvSpPr/>
+          <p:nvPr/>
+        </p:nvSpPr>
+        <p:spPr>
+          <a:xfrm>
+            <a:off x="0" y="228600"/>
+            <a:ext cx="9144000" cy="1219200"/>
+          </a:xfrm>
+          <a:prstGeom prst="rect">
+            <a:avLst/>
+          </a:prstGeom>
+          <a:solidFill>
+            <a:schemeClr val="tx2">
+              <a:lumMod val="40000"/>
+              <a:lumOff val="60000"/>
+              <a:alpha val="68000"/>
+            </a:schemeClr>
+          </a:solidFill>
+          <a:ln w="0">
+            <a:noFill/>
+          </a:ln>
+        </p:spPr>
+        <p:style>
+          <a:lnRef idx="2">
+            <a:schemeClr val="accent1">
+              <a:shade val="50000"/>
+            </a:schemeClr>
+          </a:lnRef>
+          <a:fillRef idx="1">
+            <a:schemeClr val="accent1"/>
+          </a:fillRef>
+          <a:effectRef idx="0">
+            <a:schemeClr val="accent1"/>
+          </a:effectRef>
+          <a:fontRef idx="minor">
+            <a:schemeClr val="lt1"/>
+          </a:fontRef>
+        </p:style>
+        <p:txBody>
+          <a:bodyPr rtlCol="0" anchor="ctr"/>
+          <a:lstStyle/>
+          <a:p>
+            <a:pPr algn="ctr"/>
+            <a:endParaRPr lang="es-VE"/>
+          </a:p>
+        </p:txBody>
+      </p:sp>
+      <p:sp>
+        <p:nvSpPr>
+          <p:cNvPr id="2" name="1 Título"/>
+          <p:cNvSpPr>
+            <a:spLocks noGrp="1"/>
+          </p:cNvSpPr>
+          <p:nvPr>
+            <p:ph type="title"/>
+          </p:nvPr>
+        </p:nvSpPr>
+        <p:spPr/>
+        <p:txBody>
+          <a:bodyPr>
+            <a:normAutofit fontScale="90000"/>
+          </a:bodyPr>
+          <a:lstStyle/>
+          <a:p>
+            <a:r>
+              <a:rPr lang="es-VE" dirty="0" smtClean="0"/>
+              <a:t>Algoritmos de estimación de posición angular y velocidad angular.</a:t>
+            </a:r>
+            <a:endParaRPr lang="es-VE" dirty="0"/>
+          </a:p>
+        </p:txBody>
+      </p:sp>
+      <p:sp>
+        <p:nvSpPr>
+          <p:cNvPr id="3" name="2 Marcador de contenido"/>
+          <p:cNvSpPr>
+            <a:spLocks noGrp="1"/>
+          </p:cNvSpPr>
+          <p:nvPr>
+            <p:ph idx="1"/>
+          </p:nvPr>
+        </p:nvSpPr>
+        <p:spPr>
+          <a:xfrm>
+            <a:off x="457200" y="1600201"/>
+            <a:ext cx="8229600" cy="4419600"/>
+          </a:xfrm>
+        </p:spPr>
+        <p:txBody>
+          <a:bodyPr/>
+          <a:lstStyle/>
+          <a:p>
+            <a:r>
+              <a:rPr lang="es-VE" dirty="0" err="1" smtClean="0"/>
+              <a:t>Descripcion</a:t>
+            </a:r>
+            <a:endParaRPr lang="es-VE" dirty="0" smtClean="0"/>
+          </a:p>
+          <a:p>
+            <a:r>
+              <a:rPr lang="es-VE" dirty="0" smtClean="0"/>
+              <a:t>Respuesta en frecuencia</a:t>
+            </a:r>
+            <a:endParaRPr lang="es-VE" dirty="0"/>
+          </a:p>
+        </p:txBody>
+      </p:sp>
+      <p:pic>
+        <p:nvPicPr>
+          <p:cNvPr id="4" name="Picture 2" descr="http://runrun.es/wp-content/uploads/2013/03/logo-ucab.jpg"/>
+          <p:cNvPicPr>
+            <a:picLocks noChangeAspect="1" noChangeArrowheads="1"/>
+          </p:cNvPicPr>
+          <p:nvPr/>
+        </p:nvPicPr>
+        <p:blipFill>
           <a:blip r:embed="rId2" cstate="print"/>
           <a:srcRect/>
           <a:stretch>
@@ -3111,8 +4021,8 @@
         </p:blipFill>
         <p:spPr bwMode="auto">
           <a:xfrm>
-            <a:off x="228600" y="228600"/>
-            <a:ext cx="3265715" cy="676036"/>
+            <a:off x="7249885" y="6481673"/>
+            <a:ext cx="1817915" cy="376327"/>
           </a:xfrm>
           <a:prstGeom prst="rect">
             <a:avLst/>
@@ -3122,14 +4032,14 @@
       </p:pic>
       <p:sp>
         <p:nvSpPr>
-          <p:cNvPr id="6" name="5 CuadroTexto"/>
+          <p:cNvPr id="5" name="4 CuadroTexto"/>
           <p:cNvSpPr txBox="1"/>
           <p:nvPr/>
         </p:nvSpPr>
         <p:spPr>
           <a:xfrm>
-            <a:off x="152400" y="838200"/>
-            <a:ext cx="4213333" cy="646331"/>
+            <a:off x="0" y="6488668"/>
+            <a:ext cx="1577676" cy="369332"/>
           </a:xfrm>
           <a:prstGeom prst="rect">
             <a:avLst/>
@@ -3143,66 +4053,278 @@
           <a:lstStyle/>
           <a:p>
             <a:r>
-              <a:rPr lang="es-VE" dirty="0" smtClean="0"/>
-              <a:t>Escuela de ingeniería informática</a:t>
-            </a:r>
-          </a:p>
-          <a:p>
-            <a:r>
-              <a:rPr lang="es-VE" dirty="0" smtClean="0"/>
-              <a:t>Presentación del Trabajo Especial de Grado</a:t>
-            </a:r>
-            <a:endParaRPr lang="es-VE" dirty="0"/>
-          </a:p>
-        </p:txBody>
-      </p:sp>
-      <p:sp>
-        <p:nvSpPr>
-          <p:cNvPr id="7" name="6 Rectángulo"/>
+              <a:rPr lang="es-VE" sz="900" dirty="0" smtClean="0"/>
+              <a:t>Luis Felipe </a:t>
+            </a:r>
+            <a:r>
+              <a:rPr lang="es-VE" sz="900" dirty="0" err="1" smtClean="0"/>
+              <a:t>Vicens</a:t>
+            </a:r>
+            <a:r>
+              <a:rPr lang="es-VE" sz="900" dirty="0" smtClean="0"/>
+              <a:t> </a:t>
+            </a:r>
+            <a:r>
+              <a:rPr lang="es-VE" sz="900" dirty="0" err="1" smtClean="0"/>
+              <a:t>Gonzalez</a:t>
+            </a:r>
+            <a:endParaRPr lang="es-VE" sz="900" dirty="0" smtClean="0"/>
+          </a:p>
+          <a:p>
+            <a:r>
+              <a:rPr lang="es-VE" sz="900" dirty="0" err="1" smtClean="0"/>
+              <a:t>Yoshua</a:t>
+            </a:r>
+            <a:r>
+              <a:rPr lang="es-VE" sz="900" dirty="0" smtClean="0"/>
+              <a:t> Alfredo Nava </a:t>
+            </a:r>
+            <a:r>
+              <a:rPr lang="es-VE" sz="900" dirty="0" err="1" smtClean="0"/>
+              <a:t>Chocrón</a:t>
+            </a:r>
+            <a:endParaRPr lang="es-VE" sz="900" dirty="0"/>
+          </a:p>
+        </p:txBody>
+      </p:sp>
+      <p:pic>
+        <p:nvPicPr>
+          <p:cNvPr id="4098" name="Picture 2"/>
+          <p:cNvPicPr>
+            <a:picLocks noChangeAspect="1" noChangeArrowheads="1"/>
+          </p:cNvPicPr>
+          <p:nvPr/>
+        </p:nvPicPr>
+        <p:blipFill>
+          <a:blip r:embed="rId3" cstate="print"/>
+          <a:srcRect l="28865" t="58609" r="29345" b="40202"/>
+          <a:stretch>
+            <a:fillRect/>
+          </a:stretch>
+        </p:blipFill>
+        <p:spPr bwMode="auto">
+          <a:xfrm>
+            <a:off x="1" y="6248400"/>
+            <a:ext cx="9144000" cy="146304"/>
+          </a:xfrm>
+          <a:prstGeom prst="rect">
+            <a:avLst/>
+          </a:prstGeom>
+          <a:noFill/>
+          <a:ln w="9525">
+            <a:noFill/>
+            <a:miter lim="800000"/>
+            <a:headEnd/>
+            <a:tailEnd/>
+          </a:ln>
+        </p:spPr>
+      </p:pic>
+      <p:sp>
+        <p:nvSpPr>
+          <p:cNvPr id="9" name="8 Rectángulo"/>
           <p:cNvSpPr/>
           <p:nvPr/>
         </p:nvSpPr>
         <p:spPr>
           <a:xfrm>
-            <a:off x="228600" y="2971801"/>
-            <a:ext cx="8534400" cy="954107"/>
-          </a:xfrm>
-          <a:prstGeom prst="rect">
-            <a:avLst/>
-          </a:prstGeom>
-        </p:spPr>
-        <p:txBody>
-          <a:bodyPr wrap="square">
+            <a:off x="1981200" y="6627168"/>
+            <a:ext cx="4572000" cy="230832"/>
+          </a:xfrm>
+          <a:prstGeom prst="rect">
+            <a:avLst/>
+          </a:prstGeom>
+        </p:spPr>
+        <p:txBody>
+          <a:bodyPr anchor="b" anchorCtr="1">
             <a:spAutoFit/>
           </a:bodyPr>
           <a:lstStyle/>
           <a:p>
             <a:pPr algn="ctr"/>
             <a:r>
-              <a:rPr lang="es-VE" sz="2800" dirty="0"/>
-              <a:t>Estabilización de un </a:t>
-            </a:r>
-            <a:r>
-              <a:rPr lang="es-VE" sz="2800" dirty="0" smtClean="0"/>
-              <a:t>cuadricóptero </a:t>
-            </a:r>
-            <a:r>
-              <a:rPr lang="es-VE" sz="2800" dirty="0"/>
-              <a:t>mediante un algoritmo Proporcional-Integral-Derivativo</a:t>
-            </a:r>
-          </a:p>
-        </p:txBody>
-      </p:sp>
-      <p:sp>
-        <p:nvSpPr>
-          <p:cNvPr id="8" name="7 CuadroTexto"/>
+              <a:rPr lang="es-VE" sz="900" dirty="0" smtClean="0"/>
+              <a:t>Estabilización de un cuadricóptero mediante un algoritmo Proporcional-Integral-Derivativo</a:t>
+            </a:r>
+            <a:endParaRPr lang="es-VE" sz="900" dirty="0"/>
+          </a:p>
+        </p:txBody>
+      </p:sp>
+    </p:spTree>
+  </p:cSld>
+  <p:clrMapOvr>
+    <a:masterClrMapping/>
+  </p:clrMapOvr>
+</p:sld>
+</file>
+
+<file path=ppt/slides/slide11.xml><?xml version="1.0" encoding="utf-8"?>
+<p:sld xmlns:a="http://schemas.openxmlformats.org/drawingml/2006/main" xmlns:r="http://schemas.openxmlformats.org/officeDocument/2006/relationships" xmlns:p="http://schemas.openxmlformats.org/presentationml/2006/main">
+  <p:cSld>
+    <p:spTree>
+      <p:nvGrpSpPr>
+        <p:cNvPr id="1" name=""/>
+        <p:cNvGrpSpPr/>
+        <p:nvPr/>
+      </p:nvGrpSpPr>
+      <p:grpSpPr>
+        <a:xfrm>
+          <a:off x="0" y="0"/>
+          <a:ext cx="0" cy="0"/>
+          <a:chOff x="0" y="0"/>
+          <a:chExt cx="0" cy="0"/>
+        </a:xfrm>
+      </p:grpSpPr>
+      <p:sp>
+        <p:nvSpPr>
+          <p:cNvPr id="6" name="5 Rectángulo"/>
+          <p:cNvSpPr/>
+          <p:nvPr/>
+        </p:nvSpPr>
+        <p:spPr>
+          <a:xfrm>
+            <a:off x="0" y="228600"/>
+            <a:ext cx="9144000" cy="1219200"/>
+          </a:xfrm>
+          <a:prstGeom prst="rect">
+            <a:avLst/>
+          </a:prstGeom>
+          <a:solidFill>
+            <a:schemeClr val="tx2">
+              <a:lumMod val="40000"/>
+              <a:lumOff val="60000"/>
+              <a:alpha val="68000"/>
+            </a:schemeClr>
+          </a:solidFill>
+          <a:ln w="0">
+            <a:noFill/>
+          </a:ln>
+        </p:spPr>
+        <p:style>
+          <a:lnRef idx="2">
+            <a:schemeClr val="accent1">
+              <a:shade val="50000"/>
+            </a:schemeClr>
+          </a:lnRef>
+          <a:fillRef idx="1">
+            <a:schemeClr val="accent1"/>
+          </a:fillRef>
+          <a:effectRef idx="0">
+            <a:schemeClr val="accent1"/>
+          </a:effectRef>
+          <a:fontRef idx="minor">
+            <a:schemeClr val="lt1"/>
+          </a:fontRef>
+        </p:style>
+        <p:txBody>
+          <a:bodyPr rtlCol="0" anchor="ctr"/>
+          <a:lstStyle/>
+          <a:p>
+            <a:pPr algn="ctr"/>
+            <a:endParaRPr lang="es-VE"/>
+          </a:p>
+        </p:txBody>
+      </p:sp>
+      <p:sp>
+        <p:nvSpPr>
+          <p:cNvPr id="2" name="1 Título"/>
+          <p:cNvSpPr>
+            <a:spLocks noGrp="1"/>
+          </p:cNvSpPr>
+          <p:nvPr>
+            <p:ph type="title"/>
+          </p:nvPr>
+        </p:nvSpPr>
+        <p:spPr/>
+        <p:txBody>
+          <a:bodyPr>
+            <a:normAutofit fontScale="90000"/>
+          </a:bodyPr>
+          <a:lstStyle/>
+          <a:p>
+            <a:r>
+              <a:rPr lang="es-VE" dirty="0" smtClean="0"/>
+              <a:t>Algoritmos de estimación de posición y velocidad </a:t>
+            </a:r>
+            <a:r>
+              <a:rPr lang="es-VE" dirty="0" smtClean="0"/>
+              <a:t>de altura</a:t>
+            </a:r>
+            <a:endParaRPr lang="es-VE" dirty="0"/>
+          </a:p>
+        </p:txBody>
+      </p:sp>
+      <p:sp>
+        <p:nvSpPr>
+          <p:cNvPr id="3" name="2 Marcador de contenido"/>
+          <p:cNvSpPr>
+            <a:spLocks noGrp="1"/>
+          </p:cNvSpPr>
+          <p:nvPr>
+            <p:ph idx="1"/>
+          </p:nvPr>
+        </p:nvSpPr>
+        <p:spPr>
+          <a:xfrm>
+            <a:off x="457200" y="1600201"/>
+            <a:ext cx="8229600" cy="4419600"/>
+          </a:xfrm>
+        </p:spPr>
+        <p:txBody>
+          <a:bodyPr/>
+          <a:lstStyle/>
+          <a:p>
+            <a:r>
+              <a:rPr lang="es-VE" dirty="0" smtClean="0"/>
+              <a:t>Descripción</a:t>
+            </a:r>
+          </a:p>
+          <a:p>
+            <a:r>
+              <a:rPr lang="es-VE" dirty="0" smtClean="0"/>
+              <a:t>Respuesta en frecuencia</a:t>
+            </a:r>
+          </a:p>
+          <a:p>
+            <a:endParaRPr lang="es-VE" dirty="0"/>
+          </a:p>
+        </p:txBody>
+      </p:sp>
+      <p:pic>
+        <p:nvPicPr>
+          <p:cNvPr id="4" name="Picture 2" descr="http://runrun.es/wp-content/uploads/2013/03/logo-ucab.jpg"/>
+          <p:cNvPicPr>
+            <a:picLocks noChangeAspect="1" noChangeArrowheads="1"/>
+          </p:cNvPicPr>
+          <p:nvPr/>
+        </p:nvPicPr>
+        <p:blipFill>
+          <a:blip r:embed="rId3" cstate="print"/>
+          <a:srcRect/>
+          <a:stretch>
+            <a:fillRect/>
+          </a:stretch>
+        </p:blipFill>
+        <p:spPr bwMode="auto">
+          <a:xfrm>
+            <a:off x="7249885" y="6481673"/>
+            <a:ext cx="1817915" cy="376327"/>
+          </a:xfrm>
+          <a:prstGeom prst="rect">
+            <a:avLst/>
+          </a:prstGeom>
+          <a:noFill/>
+        </p:spPr>
+      </p:pic>
+      <p:sp>
+        <p:nvSpPr>
+          <p:cNvPr id="5" name="4 CuadroTexto"/>
           <p:cNvSpPr txBox="1"/>
           <p:nvPr/>
         </p:nvSpPr>
         <p:spPr>
           <a:xfrm>
-            <a:off x="0" y="6211669"/>
-            <a:ext cx="2949077" cy="646331"/>
+            <a:off x="0" y="6488668"/>
+            <a:ext cx="1577676" cy="369332"/>
           </a:xfrm>
           <a:prstGeom prst="rect">
             <a:avLst/>
@@ -3216,35 +4338,205 @@
           <a:lstStyle/>
           <a:p>
             <a:r>
+              <a:rPr lang="es-VE" sz="900" dirty="0" smtClean="0"/>
+              <a:t>Luis Felipe </a:t>
+            </a:r>
+            <a:r>
+              <a:rPr lang="es-VE" sz="900" dirty="0" err="1" smtClean="0"/>
+              <a:t>Vicens</a:t>
+            </a:r>
+            <a:r>
+              <a:rPr lang="es-VE" sz="900" dirty="0" smtClean="0"/>
+              <a:t> </a:t>
+            </a:r>
+            <a:r>
+              <a:rPr lang="es-VE" sz="900" dirty="0" err="1" smtClean="0"/>
+              <a:t>Gonzalez</a:t>
+            </a:r>
+            <a:endParaRPr lang="es-VE" sz="900" dirty="0" smtClean="0"/>
+          </a:p>
+          <a:p>
+            <a:r>
+              <a:rPr lang="es-VE" sz="900" dirty="0" err="1" smtClean="0"/>
+              <a:t>Yoshua</a:t>
+            </a:r>
+            <a:r>
+              <a:rPr lang="es-VE" sz="900" dirty="0" smtClean="0"/>
+              <a:t> Alfredo Nava </a:t>
+            </a:r>
+            <a:r>
+              <a:rPr lang="es-VE" sz="900" dirty="0" err="1" smtClean="0"/>
+              <a:t>Chocrón</a:t>
+            </a:r>
+            <a:endParaRPr lang="es-VE" sz="900" dirty="0"/>
+          </a:p>
+        </p:txBody>
+      </p:sp>
+      <p:pic>
+        <p:nvPicPr>
+          <p:cNvPr id="4098" name="Picture 2"/>
+          <p:cNvPicPr>
+            <a:picLocks noChangeAspect="1" noChangeArrowheads="1"/>
+          </p:cNvPicPr>
+          <p:nvPr/>
+        </p:nvPicPr>
+        <p:blipFill>
+          <a:blip r:embed="rId4" cstate="print"/>
+          <a:srcRect l="28865" t="58609" r="29345" b="40202"/>
+          <a:stretch>
+            <a:fillRect/>
+          </a:stretch>
+        </p:blipFill>
+        <p:spPr bwMode="auto">
+          <a:xfrm>
+            <a:off x="1" y="6248400"/>
+            <a:ext cx="9144000" cy="146304"/>
+          </a:xfrm>
+          <a:prstGeom prst="rect">
+            <a:avLst/>
+          </a:prstGeom>
+          <a:noFill/>
+          <a:ln w="9525">
+            <a:noFill/>
+            <a:miter lim="800000"/>
+            <a:headEnd/>
+            <a:tailEnd/>
+          </a:ln>
+        </p:spPr>
+      </p:pic>
+      <p:sp>
+        <p:nvSpPr>
+          <p:cNvPr id="9" name="8 Rectángulo"/>
+          <p:cNvSpPr/>
+          <p:nvPr/>
+        </p:nvSpPr>
+        <p:spPr>
+          <a:xfrm>
+            <a:off x="1981200" y="6627168"/>
+            <a:ext cx="4572000" cy="230832"/>
+          </a:xfrm>
+          <a:prstGeom prst="rect">
+            <a:avLst/>
+          </a:prstGeom>
+        </p:spPr>
+        <p:txBody>
+          <a:bodyPr anchor="b" anchorCtr="1">
+            <a:spAutoFit/>
+          </a:bodyPr>
+          <a:lstStyle/>
+          <a:p>
+            <a:pPr algn="ctr"/>
+            <a:r>
+              <a:rPr lang="es-VE" sz="900" dirty="0" smtClean="0"/>
+              <a:t>Estabilización de un cuadricóptero mediante un algoritmo Proporcional-Integral-Derivativo</a:t>
+            </a:r>
+            <a:endParaRPr lang="es-VE" sz="900" dirty="0"/>
+          </a:p>
+        </p:txBody>
+      </p:sp>
+    </p:spTree>
+  </p:cSld>
+  <p:clrMapOvr>
+    <a:masterClrMapping/>
+  </p:clrMapOvr>
+</p:sld>
+</file>
+
+<file path=ppt/slides/slide12.xml><?xml version="1.0" encoding="utf-8"?>
+<p:sld xmlns:a="http://schemas.openxmlformats.org/drawingml/2006/main" xmlns:r="http://schemas.openxmlformats.org/officeDocument/2006/relationships" xmlns:p="http://schemas.openxmlformats.org/presentationml/2006/main">
+  <p:cSld>
+    <p:spTree>
+      <p:nvGrpSpPr>
+        <p:cNvPr id="1" name=""/>
+        <p:cNvGrpSpPr/>
+        <p:nvPr/>
+      </p:nvGrpSpPr>
+      <p:grpSpPr>
+        <a:xfrm>
+          <a:off x="0" y="0"/>
+          <a:ext cx="0" cy="0"/>
+          <a:chOff x="0" y="0"/>
+          <a:chExt cx="0" cy="0"/>
+        </a:xfrm>
+      </p:grpSpPr>
+      <p:sp>
+        <p:nvSpPr>
+          <p:cNvPr id="6" name="5 Rectángulo"/>
+          <p:cNvSpPr/>
+          <p:nvPr/>
+        </p:nvSpPr>
+        <p:spPr>
+          <a:xfrm>
+            <a:off x="0" y="228600"/>
+            <a:ext cx="9144000" cy="1219200"/>
+          </a:xfrm>
+          <a:prstGeom prst="rect">
+            <a:avLst/>
+          </a:prstGeom>
+          <a:solidFill>
+            <a:schemeClr val="tx2">
+              <a:lumMod val="40000"/>
+              <a:lumOff val="60000"/>
+              <a:alpha val="68000"/>
+            </a:schemeClr>
+          </a:solidFill>
+          <a:ln w="0">
+            <a:noFill/>
+          </a:ln>
+        </p:spPr>
+        <p:style>
+          <a:lnRef idx="2">
+            <a:schemeClr val="accent1">
+              <a:shade val="50000"/>
+            </a:schemeClr>
+          </a:lnRef>
+          <a:fillRef idx="1">
+            <a:schemeClr val="accent1"/>
+          </a:fillRef>
+          <a:effectRef idx="0">
+            <a:schemeClr val="accent1"/>
+          </a:effectRef>
+          <a:fontRef idx="minor">
+            <a:schemeClr val="lt1"/>
+          </a:fontRef>
+        </p:style>
+        <p:txBody>
+          <a:bodyPr rtlCol="0" anchor="ctr"/>
+          <a:lstStyle/>
+          <a:p>
+            <a:pPr algn="ctr"/>
+            <a:endParaRPr lang="es-VE"/>
+          </a:p>
+        </p:txBody>
+      </p:sp>
+      <p:sp>
+        <p:nvSpPr>
+          <p:cNvPr id="2" name="1 Título"/>
+          <p:cNvSpPr>
+            <a:spLocks noGrp="1"/>
+          </p:cNvSpPr>
+          <p:nvPr>
+            <p:ph type="title"/>
+          </p:nvPr>
+        </p:nvSpPr>
+        <p:spPr/>
+        <p:txBody>
+          <a:bodyPr>
+            <a:normAutofit fontScale="90000"/>
+          </a:bodyPr>
+          <a:lstStyle/>
+          <a:p>
+            <a:r>
               <a:rPr lang="es-VE" dirty="0" smtClean="0"/>
-              <a:t>Luis Felipe </a:t>
-            </a:r>
-            <a:r>
-              <a:rPr lang="es-VE" dirty="0" err="1" smtClean="0"/>
-              <a:t>Vicens</a:t>
+              <a:t>Interfaces </a:t>
             </a:r>
             <a:r>
               <a:rPr lang="es-VE" dirty="0" smtClean="0"/>
-              <a:t> </a:t>
-            </a:r>
-            <a:r>
-              <a:rPr lang="es-VE" dirty="0" err="1" smtClean="0"/>
-              <a:t>Gonzalez</a:t>
-            </a:r>
-            <a:endParaRPr lang="es-VE" dirty="0" smtClean="0"/>
-          </a:p>
-          <a:p>
-            <a:r>
-              <a:rPr lang="es-VE" dirty="0" err="1" smtClean="0"/>
-              <a:t>Yoshua</a:t>
+              <a:t>de comunicación para comando remoto y </a:t>
             </a:r>
             <a:r>
               <a:rPr lang="es-VE" dirty="0" smtClean="0"/>
-              <a:t> Alfredo Nava </a:t>
-            </a:r>
-            <a:r>
-              <a:rPr lang="es-VE" dirty="0" err="1" smtClean="0"/>
-              <a:t>Chocrón</a:t>
+              <a:t>telemetría</a:t>
             </a:r>
             <a:endParaRPr lang="es-VE" dirty="0"/>
           </a:p>
@@ -3252,14 +4544,64 @@
       </p:sp>
       <p:sp>
         <p:nvSpPr>
-          <p:cNvPr id="9" name="8 CuadroTexto"/>
+          <p:cNvPr id="3" name="2 Marcador de contenido"/>
+          <p:cNvSpPr>
+            <a:spLocks noGrp="1"/>
+          </p:cNvSpPr>
+          <p:nvPr>
+            <p:ph idx="1"/>
+          </p:nvPr>
+        </p:nvSpPr>
+        <p:spPr>
+          <a:xfrm>
+            <a:off x="457200" y="1600201"/>
+            <a:ext cx="8229600" cy="4419600"/>
+          </a:xfrm>
+        </p:spPr>
+        <p:txBody>
+          <a:bodyPr/>
+          <a:lstStyle/>
+          <a:p>
+            <a:endParaRPr lang="es-VE" dirty="0"/>
+          </a:p>
+        </p:txBody>
+      </p:sp>
+      <p:pic>
+        <p:nvPicPr>
+          <p:cNvPr id="4" name="Picture 2" descr="http://runrun.es/wp-content/uploads/2013/03/logo-ucab.jpg"/>
+          <p:cNvPicPr>
+            <a:picLocks noChangeAspect="1" noChangeArrowheads="1"/>
+          </p:cNvPicPr>
+          <p:nvPr/>
+        </p:nvPicPr>
+        <p:blipFill>
+          <a:blip r:embed="rId2" cstate="print"/>
+          <a:srcRect/>
+          <a:stretch>
+            <a:fillRect/>
+          </a:stretch>
+        </p:blipFill>
+        <p:spPr bwMode="auto">
+          <a:xfrm>
+            <a:off x="7249885" y="6481673"/>
+            <a:ext cx="1817915" cy="376327"/>
+          </a:xfrm>
+          <a:prstGeom prst="rect">
+            <a:avLst/>
+          </a:prstGeom>
+          <a:noFill/>
+        </p:spPr>
+      </p:pic>
+      <p:sp>
+        <p:nvSpPr>
+          <p:cNvPr id="5" name="4 CuadroTexto"/>
           <p:cNvSpPr txBox="1"/>
           <p:nvPr/>
         </p:nvSpPr>
         <p:spPr>
           <a:xfrm>
-            <a:off x="7890644" y="6488668"/>
-            <a:ext cx="1253356" cy="369332"/>
+            <a:off x="0" y="6488668"/>
+            <a:ext cx="1577676" cy="369332"/>
           </a:xfrm>
           <a:prstGeom prst="rect">
             <a:avLst/>
@@ -3273,10 +4615,1998 @@
           <a:lstStyle/>
           <a:p>
             <a:r>
+              <a:rPr lang="es-VE" sz="900" dirty="0" smtClean="0"/>
+              <a:t>Luis Felipe </a:t>
+            </a:r>
+            <a:r>
+              <a:rPr lang="es-VE" sz="900" dirty="0" err="1" smtClean="0"/>
+              <a:t>Vicens</a:t>
+            </a:r>
+            <a:r>
+              <a:rPr lang="es-VE" sz="900" dirty="0" smtClean="0"/>
+              <a:t> </a:t>
+            </a:r>
+            <a:r>
+              <a:rPr lang="es-VE" sz="900" dirty="0" err="1" smtClean="0"/>
+              <a:t>Gonzalez</a:t>
+            </a:r>
+            <a:endParaRPr lang="es-VE" sz="900" dirty="0" smtClean="0"/>
+          </a:p>
+          <a:p>
+            <a:r>
+              <a:rPr lang="es-VE" sz="900" dirty="0" err="1" smtClean="0"/>
+              <a:t>Yoshua</a:t>
+            </a:r>
+            <a:r>
+              <a:rPr lang="es-VE" sz="900" dirty="0" smtClean="0"/>
+              <a:t> Alfredo Nava </a:t>
+            </a:r>
+            <a:r>
+              <a:rPr lang="es-VE" sz="900" dirty="0" err="1" smtClean="0"/>
+              <a:t>Chocrón</a:t>
+            </a:r>
+            <a:endParaRPr lang="es-VE" sz="900" dirty="0"/>
+          </a:p>
+        </p:txBody>
+      </p:sp>
+      <p:pic>
+        <p:nvPicPr>
+          <p:cNvPr id="4098" name="Picture 2"/>
+          <p:cNvPicPr>
+            <a:picLocks noChangeAspect="1" noChangeArrowheads="1"/>
+          </p:cNvPicPr>
+          <p:nvPr/>
+        </p:nvPicPr>
+        <p:blipFill>
+          <a:blip r:embed="rId3" cstate="print"/>
+          <a:srcRect l="28865" t="58609" r="29345" b="40202"/>
+          <a:stretch>
+            <a:fillRect/>
+          </a:stretch>
+        </p:blipFill>
+        <p:spPr bwMode="auto">
+          <a:xfrm>
+            <a:off x="1" y="6248400"/>
+            <a:ext cx="9144000" cy="146304"/>
+          </a:xfrm>
+          <a:prstGeom prst="rect">
+            <a:avLst/>
+          </a:prstGeom>
+          <a:noFill/>
+          <a:ln w="9525">
+            <a:noFill/>
+            <a:miter lim="800000"/>
+            <a:headEnd/>
+            <a:tailEnd/>
+          </a:ln>
+        </p:spPr>
+      </p:pic>
+      <p:sp>
+        <p:nvSpPr>
+          <p:cNvPr id="9" name="8 Rectángulo"/>
+          <p:cNvSpPr/>
+          <p:nvPr/>
+        </p:nvSpPr>
+        <p:spPr>
+          <a:xfrm>
+            <a:off x="1981200" y="6627168"/>
+            <a:ext cx="4572000" cy="230832"/>
+          </a:xfrm>
+          <a:prstGeom prst="rect">
+            <a:avLst/>
+          </a:prstGeom>
+        </p:spPr>
+        <p:txBody>
+          <a:bodyPr anchor="b" anchorCtr="1">
+            <a:spAutoFit/>
+          </a:bodyPr>
+          <a:lstStyle/>
+          <a:p>
+            <a:pPr algn="ctr"/>
+            <a:r>
+              <a:rPr lang="es-VE" sz="900" dirty="0" smtClean="0"/>
+              <a:t>Estabilización de un cuadricóptero mediante un algoritmo Proporcional-Integral-Derivativo</a:t>
+            </a:r>
+            <a:endParaRPr lang="es-VE" sz="900" dirty="0"/>
+          </a:p>
+        </p:txBody>
+      </p:sp>
+    </p:spTree>
+  </p:cSld>
+  <p:clrMapOvr>
+    <a:masterClrMapping/>
+  </p:clrMapOvr>
+</p:sld>
+</file>
+
+<file path=ppt/slides/slide13.xml><?xml version="1.0" encoding="utf-8"?>
+<p:sld xmlns:a="http://schemas.openxmlformats.org/drawingml/2006/main" xmlns:r="http://schemas.openxmlformats.org/officeDocument/2006/relationships" xmlns:p="http://schemas.openxmlformats.org/presentationml/2006/main">
+  <p:cSld>
+    <p:spTree>
+      <p:nvGrpSpPr>
+        <p:cNvPr id="1" name=""/>
+        <p:cNvGrpSpPr/>
+        <p:nvPr/>
+      </p:nvGrpSpPr>
+      <p:grpSpPr>
+        <a:xfrm>
+          <a:off x="0" y="0"/>
+          <a:ext cx="0" cy="0"/>
+          <a:chOff x="0" y="0"/>
+          <a:chExt cx="0" cy="0"/>
+        </a:xfrm>
+      </p:grpSpPr>
+      <p:sp>
+        <p:nvSpPr>
+          <p:cNvPr id="6" name="5 Rectángulo"/>
+          <p:cNvSpPr/>
+          <p:nvPr/>
+        </p:nvSpPr>
+        <p:spPr>
+          <a:xfrm>
+            <a:off x="0" y="228600"/>
+            <a:ext cx="9144000" cy="1219200"/>
+          </a:xfrm>
+          <a:prstGeom prst="rect">
+            <a:avLst/>
+          </a:prstGeom>
+          <a:solidFill>
+            <a:schemeClr val="tx2">
+              <a:lumMod val="40000"/>
+              <a:lumOff val="60000"/>
+              <a:alpha val="68000"/>
+            </a:schemeClr>
+          </a:solidFill>
+          <a:ln w="0">
+            <a:noFill/>
+          </a:ln>
+        </p:spPr>
+        <p:style>
+          <a:lnRef idx="2">
+            <a:schemeClr val="accent1">
+              <a:shade val="50000"/>
+            </a:schemeClr>
+          </a:lnRef>
+          <a:fillRef idx="1">
+            <a:schemeClr val="accent1"/>
+          </a:fillRef>
+          <a:effectRef idx="0">
+            <a:schemeClr val="accent1"/>
+          </a:effectRef>
+          <a:fontRef idx="minor">
+            <a:schemeClr val="lt1"/>
+          </a:fontRef>
+        </p:style>
+        <p:txBody>
+          <a:bodyPr rtlCol="0" anchor="ctr"/>
+          <a:lstStyle/>
+          <a:p>
+            <a:pPr algn="ctr"/>
+            <a:endParaRPr lang="es-VE"/>
+          </a:p>
+        </p:txBody>
+      </p:sp>
+      <p:sp>
+        <p:nvSpPr>
+          <p:cNvPr id="2" name="1 Título"/>
+          <p:cNvSpPr>
+            <a:spLocks noGrp="1"/>
+          </p:cNvSpPr>
+          <p:nvPr>
+            <p:ph type="title"/>
+          </p:nvPr>
+        </p:nvSpPr>
+        <p:spPr/>
+        <p:txBody>
+          <a:bodyPr>
+            <a:normAutofit/>
+          </a:bodyPr>
+          <a:lstStyle/>
+          <a:p>
+            <a:r>
               <a:rPr lang="es-VE" dirty="0" smtClean="0"/>
-              <a:t>Enero 2015</a:t>
+              <a:t>Plataforma de pruebas</a:t>
             </a:r>
             <a:endParaRPr lang="es-VE" dirty="0"/>
+          </a:p>
+        </p:txBody>
+      </p:sp>
+      <p:sp>
+        <p:nvSpPr>
+          <p:cNvPr id="3" name="2 Marcador de contenido"/>
+          <p:cNvSpPr>
+            <a:spLocks noGrp="1"/>
+          </p:cNvSpPr>
+          <p:nvPr>
+            <p:ph idx="1"/>
+          </p:nvPr>
+        </p:nvSpPr>
+        <p:spPr>
+          <a:xfrm>
+            <a:off x="457200" y="1600201"/>
+            <a:ext cx="8229600" cy="4419600"/>
+          </a:xfrm>
+        </p:spPr>
+        <p:txBody>
+          <a:bodyPr/>
+          <a:lstStyle/>
+          <a:p>
+            <a:r>
+              <a:rPr lang="es-VE" dirty="0" smtClean="0"/>
+              <a:t>Estación </a:t>
+            </a:r>
+            <a:r>
+              <a:rPr lang="es-VE" dirty="0" smtClean="0"/>
+              <a:t>de control en ROS.</a:t>
+            </a:r>
+            <a:endParaRPr lang="es-VE" dirty="0"/>
+          </a:p>
+        </p:txBody>
+      </p:sp>
+      <p:pic>
+        <p:nvPicPr>
+          <p:cNvPr id="4" name="Picture 2" descr="http://runrun.es/wp-content/uploads/2013/03/logo-ucab.jpg"/>
+          <p:cNvPicPr>
+            <a:picLocks noChangeAspect="1" noChangeArrowheads="1"/>
+          </p:cNvPicPr>
+          <p:nvPr/>
+        </p:nvPicPr>
+        <p:blipFill>
+          <a:blip r:embed="rId2" cstate="print"/>
+          <a:srcRect/>
+          <a:stretch>
+            <a:fillRect/>
+          </a:stretch>
+        </p:blipFill>
+        <p:spPr bwMode="auto">
+          <a:xfrm>
+            <a:off x="7249885" y="6481673"/>
+            <a:ext cx="1817915" cy="376327"/>
+          </a:xfrm>
+          <a:prstGeom prst="rect">
+            <a:avLst/>
+          </a:prstGeom>
+          <a:noFill/>
+        </p:spPr>
+      </p:pic>
+      <p:sp>
+        <p:nvSpPr>
+          <p:cNvPr id="5" name="4 CuadroTexto"/>
+          <p:cNvSpPr txBox="1"/>
+          <p:nvPr/>
+        </p:nvSpPr>
+        <p:spPr>
+          <a:xfrm>
+            <a:off x="0" y="6488668"/>
+            <a:ext cx="1577676" cy="369332"/>
+          </a:xfrm>
+          <a:prstGeom prst="rect">
+            <a:avLst/>
+          </a:prstGeom>
+          <a:noFill/>
+        </p:spPr>
+        <p:txBody>
+          <a:bodyPr wrap="none" rtlCol="0">
+            <a:spAutoFit/>
+          </a:bodyPr>
+          <a:lstStyle/>
+          <a:p>
+            <a:r>
+              <a:rPr lang="es-VE" sz="900" dirty="0" smtClean="0"/>
+              <a:t>Luis Felipe </a:t>
+            </a:r>
+            <a:r>
+              <a:rPr lang="es-VE" sz="900" dirty="0" err="1" smtClean="0"/>
+              <a:t>Vicens</a:t>
+            </a:r>
+            <a:r>
+              <a:rPr lang="es-VE" sz="900" dirty="0" smtClean="0"/>
+              <a:t> </a:t>
+            </a:r>
+            <a:r>
+              <a:rPr lang="es-VE" sz="900" dirty="0" err="1" smtClean="0"/>
+              <a:t>Gonzalez</a:t>
+            </a:r>
+            <a:endParaRPr lang="es-VE" sz="900" dirty="0" smtClean="0"/>
+          </a:p>
+          <a:p>
+            <a:r>
+              <a:rPr lang="es-VE" sz="900" dirty="0" err="1" smtClean="0"/>
+              <a:t>Yoshua</a:t>
+            </a:r>
+            <a:r>
+              <a:rPr lang="es-VE" sz="900" dirty="0" smtClean="0"/>
+              <a:t> Alfredo Nava </a:t>
+            </a:r>
+            <a:r>
+              <a:rPr lang="es-VE" sz="900" dirty="0" err="1" smtClean="0"/>
+              <a:t>Chocrón</a:t>
+            </a:r>
+            <a:endParaRPr lang="es-VE" sz="900" dirty="0"/>
+          </a:p>
+        </p:txBody>
+      </p:sp>
+      <p:pic>
+        <p:nvPicPr>
+          <p:cNvPr id="4098" name="Picture 2"/>
+          <p:cNvPicPr>
+            <a:picLocks noChangeAspect="1" noChangeArrowheads="1"/>
+          </p:cNvPicPr>
+          <p:nvPr/>
+        </p:nvPicPr>
+        <p:blipFill>
+          <a:blip r:embed="rId3" cstate="print"/>
+          <a:srcRect l="28865" t="58609" r="29345" b="40202"/>
+          <a:stretch>
+            <a:fillRect/>
+          </a:stretch>
+        </p:blipFill>
+        <p:spPr bwMode="auto">
+          <a:xfrm>
+            <a:off x="1" y="6248400"/>
+            <a:ext cx="9144000" cy="146304"/>
+          </a:xfrm>
+          <a:prstGeom prst="rect">
+            <a:avLst/>
+          </a:prstGeom>
+          <a:noFill/>
+          <a:ln w="9525">
+            <a:noFill/>
+            <a:miter lim="800000"/>
+            <a:headEnd/>
+            <a:tailEnd/>
+          </a:ln>
+        </p:spPr>
+      </p:pic>
+      <p:sp>
+        <p:nvSpPr>
+          <p:cNvPr id="9" name="8 Rectángulo"/>
+          <p:cNvSpPr/>
+          <p:nvPr/>
+        </p:nvSpPr>
+        <p:spPr>
+          <a:xfrm>
+            <a:off x="1981200" y="6627168"/>
+            <a:ext cx="4572000" cy="230832"/>
+          </a:xfrm>
+          <a:prstGeom prst="rect">
+            <a:avLst/>
+          </a:prstGeom>
+        </p:spPr>
+        <p:txBody>
+          <a:bodyPr anchor="b" anchorCtr="1">
+            <a:spAutoFit/>
+          </a:bodyPr>
+          <a:lstStyle/>
+          <a:p>
+            <a:pPr algn="ctr"/>
+            <a:r>
+              <a:rPr lang="es-VE" sz="900" dirty="0" smtClean="0"/>
+              <a:t>Estabilización de un cuadricóptero mediante un algoritmo Proporcional-Integral-Derivativo</a:t>
+            </a:r>
+            <a:endParaRPr lang="es-VE" sz="900" dirty="0"/>
+          </a:p>
+        </p:txBody>
+      </p:sp>
+    </p:spTree>
+  </p:cSld>
+  <p:clrMapOvr>
+    <a:masterClrMapping/>
+  </p:clrMapOvr>
+</p:sld>
+</file>
+
+<file path=ppt/slides/slide14.xml><?xml version="1.0" encoding="utf-8"?>
+<p:sld xmlns:a="http://schemas.openxmlformats.org/drawingml/2006/main" xmlns:r="http://schemas.openxmlformats.org/officeDocument/2006/relationships" xmlns:p="http://schemas.openxmlformats.org/presentationml/2006/main">
+  <p:cSld>
+    <p:spTree>
+      <p:nvGrpSpPr>
+        <p:cNvPr id="1" name=""/>
+        <p:cNvGrpSpPr/>
+        <p:nvPr/>
+      </p:nvGrpSpPr>
+      <p:grpSpPr>
+        <a:xfrm>
+          <a:off x="0" y="0"/>
+          <a:ext cx="0" cy="0"/>
+          <a:chOff x="0" y="0"/>
+          <a:chExt cx="0" cy="0"/>
+        </a:xfrm>
+      </p:grpSpPr>
+      <p:sp>
+        <p:nvSpPr>
+          <p:cNvPr id="6" name="5 Rectángulo"/>
+          <p:cNvSpPr/>
+          <p:nvPr/>
+        </p:nvSpPr>
+        <p:spPr>
+          <a:xfrm>
+            <a:off x="0" y="228600"/>
+            <a:ext cx="9144000" cy="1219200"/>
+          </a:xfrm>
+          <a:prstGeom prst="rect">
+            <a:avLst/>
+          </a:prstGeom>
+          <a:solidFill>
+            <a:schemeClr val="tx2">
+              <a:lumMod val="40000"/>
+              <a:lumOff val="60000"/>
+              <a:alpha val="68000"/>
+            </a:schemeClr>
+          </a:solidFill>
+          <a:ln w="0">
+            <a:noFill/>
+          </a:ln>
+        </p:spPr>
+        <p:style>
+          <a:lnRef idx="2">
+            <a:schemeClr val="accent1">
+              <a:shade val="50000"/>
+            </a:schemeClr>
+          </a:lnRef>
+          <a:fillRef idx="1">
+            <a:schemeClr val="accent1"/>
+          </a:fillRef>
+          <a:effectRef idx="0">
+            <a:schemeClr val="accent1"/>
+          </a:effectRef>
+          <a:fontRef idx="minor">
+            <a:schemeClr val="lt1"/>
+          </a:fontRef>
+        </p:style>
+        <p:txBody>
+          <a:bodyPr rtlCol="0" anchor="ctr"/>
+          <a:lstStyle/>
+          <a:p>
+            <a:pPr algn="ctr"/>
+            <a:endParaRPr lang="es-VE"/>
+          </a:p>
+        </p:txBody>
+      </p:sp>
+      <p:sp>
+        <p:nvSpPr>
+          <p:cNvPr id="2" name="1 Título"/>
+          <p:cNvSpPr>
+            <a:spLocks noGrp="1"/>
+          </p:cNvSpPr>
+          <p:nvPr>
+            <p:ph type="title"/>
+          </p:nvPr>
+        </p:nvSpPr>
+        <p:spPr/>
+        <p:txBody>
+          <a:bodyPr>
+            <a:normAutofit/>
+          </a:bodyPr>
+          <a:lstStyle/>
+          <a:p>
+            <a:r>
+              <a:rPr lang="es-VE" dirty="0" smtClean="0"/>
+              <a:t>Plataforma de pruebas</a:t>
+            </a:r>
+            <a:endParaRPr lang="es-VE" dirty="0"/>
+          </a:p>
+        </p:txBody>
+      </p:sp>
+      <p:sp>
+        <p:nvSpPr>
+          <p:cNvPr id="3" name="2 Marcador de contenido"/>
+          <p:cNvSpPr>
+            <a:spLocks noGrp="1"/>
+          </p:cNvSpPr>
+          <p:nvPr>
+            <p:ph idx="1"/>
+          </p:nvPr>
+        </p:nvSpPr>
+        <p:spPr>
+          <a:xfrm>
+            <a:off x="457200" y="1600201"/>
+            <a:ext cx="8229600" cy="4419600"/>
+          </a:xfrm>
+        </p:spPr>
+        <p:txBody>
+          <a:bodyPr/>
+          <a:lstStyle/>
+          <a:p>
+            <a:r>
+              <a:rPr lang="es-VE" dirty="0" smtClean="0"/>
+              <a:t>Scripts </a:t>
+            </a:r>
+            <a:r>
+              <a:rPr lang="es-VE" dirty="0" smtClean="0"/>
+              <a:t>de MATLAB para análisis en el dominio de la frecuencia.</a:t>
+            </a:r>
+            <a:endParaRPr lang="es-VE" dirty="0"/>
+          </a:p>
+        </p:txBody>
+      </p:sp>
+      <p:pic>
+        <p:nvPicPr>
+          <p:cNvPr id="4" name="Picture 2" descr="http://runrun.es/wp-content/uploads/2013/03/logo-ucab.jpg"/>
+          <p:cNvPicPr>
+            <a:picLocks noChangeAspect="1" noChangeArrowheads="1"/>
+          </p:cNvPicPr>
+          <p:nvPr/>
+        </p:nvPicPr>
+        <p:blipFill>
+          <a:blip r:embed="rId2" cstate="print"/>
+          <a:srcRect/>
+          <a:stretch>
+            <a:fillRect/>
+          </a:stretch>
+        </p:blipFill>
+        <p:spPr bwMode="auto">
+          <a:xfrm>
+            <a:off x="7249885" y="6481673"/>
+            <a:ext cx="1817915" cy="376327"/>
+          </a:xfrm>
+          <a:prstGeom prst="rect">
+            <a:avLst/>
+          </a:prstGeom>
+          <a:noFill/>
+        </p:spPr>
+      </p:pic>
+      <p:sp>
+        <p:nvSpPr>
+          <p:cNvPr id="5" name="4 CuadroTexto"/>
+          <p:cNvSpPr txBox="1"/>
+          <p:nvPr/>
+        </p:nvSpPr>
+        <p:spPr>
+          <a:xfrm>
+            <a:off x="0" y="6488668"/>
+            <a:ext cx="1577676" cy="369332"/>
+          </a:xfrm>
+          <a:prstGeom prst="rect">
+            <a:avLst/>
+          </a:prstGeom>
+          <a:noFill/>
+        </p:spPr>
+        <p:txBody>
+          <a:bodyPr wrap="none" rtlCol="0">
+            <a:spAutoFit/>
+          </a:bodyPr>
+          <a:lstStyle/>
+          <a:p>
+            <a:r>
+              <a:rPr lang="es-VE" sz="900" dirty="0" smtClean="0"/>
+              <a:t>Luis Felipe </a:t>
+            </a:r>
+            <a:r>
+              <a:rPr lang="es-VE" sz="900" dirty="0" err="1" smtClean="0"/>
+              <a:t>Vicens</a:t>
+            </a:r>
+            <a:r>
+              <a:rPr lang="es-VE" sz="900" dirty="0" smtClean="0"/>
+              <a:t> </a:t>
+            </a:r>
+            <a:r>
+              <a:rPr lang="es-VE" sz="900" dirty="0" err="1" smtClean="0"/>
+              <a:t>Gonzalez</a:t>
+            </a:r>
+            <a:endParaRPr lang="es-VE" sz="900" dirty="0" smtClean="0"/>
+          </a:p>
+          <a:p>
+            <a:r>
+              <a:rPr lang="es-VE" sz="900" dirty="0" err="1" smtClean="0"/>
+              <a:t>Yoshua</a:t>
+            </a:r>
+            <a:r>
+              <a:rPr lang="es-VE" sz="900" dirty="0" smtClean="0"/>
+              <a:t> Alfredo Nava </a:t>
+            </a:r>
+            <a:r>
+              <a:rPr lang="es-VE" sz="900" dirty="0" err="1" smtClean="0"/>
+              <a:t>Chocrón</a:t>
+            </a:r>
+            <a:endParaRPr lang="es-VE" sz="900" dirty="0"/>
+          </a:p>
+        </p:txBody>
+      </p:sp>
+      <p:pic>
+        <p:nvPicPr>
+          <p:cNvPr id="4098" name="Picture 2"/>
+          <p:cNvPicPr>
+            <a:picLocks noChangeAspect="1" noChangeArrowheads="1"/>
+          </p:cNvPicPr>
+          <p:nvPr/>
+        </p:nvPicPr>
+        <p:blipFill>
+          <a:blip r:embed="rId3" cstate="print"/>
+          <a:srcRect l="28865" t="58609" r="29345" b="40202"/>
+          <a:stretch>
+            <a:fillRect/>
+          </a:stretch>
+        </p:blipFill>
+        <p:spPr bwMode="auto">
+          <a:xfrm>
+            <a:off x="1" y="6248400"/>
+            <a:ext cx="9144000" cy="146304"/>
+          </a:xfrm>
+          <a:prstGeom prst="rect">
+            <a:avLst/>
+          </a:prstGeom>
+          <a:noFill/>
+          <a:ln w="9525">
+            <a:noFill/>
+            <a:miter lim="800000"/>
+            <a:headEnd/>
+            <a:tailEnd/>
+          </a:ln>
+        </p:spPr>
+      </p:pic>
+      <p:sp>
+        <p:nvSpPr>
+          <p:cNvPr id="9" name="8 Rectángulo"/>
+          <p:cNvSpPr/>
+          <p:nvPr/>
+        </p:nvSpPr>
+        <p:spPr>
+          <a:xfrm>
+            <a:off x="1981200" y="6627168"/>
+            <a:ext cx="4572000" cy="230832"/>
+          </a:xfrm>
+          <a:prstGeom prst="rect">
+            <a:avLst/>
+          </a:prstGeom>
+        </p:spPr>
+        <p:txBody>
+          <a:bodyPr anchor="b" anchorCtr="1">
+            <a:spAutoFit/>
+          </a:bodyPr>
+          <a:lstStyle/>
+          <a:p>
+            <a:pPr algn="ctr"/>
+            <a:r>
+              <a:rPr lang="es-VE" sz="900" dirty="0" smtClean="0"/>
+              <a:t>Estabilización de un cuadricóptero mediante un algoritmo Proporcional-Integral-Derivativo</a:t>
+            </a:r>
+            <a:endParaRPr lang="es-VE" sz="900" dirty="0"/>
+          </a:p>
+        </p:txBody>
+      </p:sp>
+    </p:spTree>
+  </p:cSld>
+  <p:clrMapOvr>
+    <a:masterClrMapping/>
+  </p:clrMapOvr>
+</p:sld>
+</file>
+
+<file path=ppt/slides/slide15.xml><?xml version="1.0" encoding="utf-8"?>
+<p:sld xmlns:a="http://schemas.openxmlformats.org/drawingml/2006/main" xmlns:r="http://schemas.openxmlformats.org/officeDocument/2006/relationships" xmlns:p="http://schemas.openxmlformats.org/presentationml/2006/main">
+  <p:cSld>
+    <p:spTree>
+      <p:nvGrpSpPr>
+        <p:cNvPr id="1" name=""/>
+        <p:cNvGrpSpPr/>
+        <p:nvPr/>
+      </p:nvGrpSpPr>
+      <p:grpSpPr>
+        <a:xfrm>
+          <a:off x="0" y="0"/>
+          <a:ext cx="0" cy="0"/>
+          <a:chOff x="0" y="0"/>
+          <a:chExt cx="0" cy="0"/>
+        </a:xfrm>
+      </p:grpSpPr>
+      <p:sp>
+        <p:nvSpPr>
+          <p:cNvPr id="6" name="5 Rectángulo"/>
+          <p:cNvSpPr/>
+          <p:nvPr/>
+        </p:nvSpPr>
+        <p:spPr>
+          <a:xfrm>
+            <a:off x="0" y="228600"/>
+            <a:ext cx="9144000" cy="1219200"/>
+          </a:xfrm>
+          <a:prstGeom prst="rect">
+            <a:avLst/>
+          </a:prstGeom>
+          <a:solidFill>
+            <a:schemeClr val="tx2">
+              <a:lumMod val="40000"/>
+              <a:lumOff val="60000"/>
+              <a:alpha val="68000"/>
+            </a:schemeClr>
+          </a:solidFill>
+          <a:ln w="0">
+            <a:noFill/>
+          </a:ln>
+        </p:spPr>
+        <p:style>
+          <a:lnRef idx="2">
+            <a:schemeClr val="accent1">
+              <a:shade val="50000"/>
+            </a:schemeClr>
+          </a:lnRef>
+          <a:fillRef idx="1">
+            <a:schemeClr val="accent1"/>
+          </a:fillRef>
+          <a:effectRef idx="0">
+            <a:schemeClr val="accent1"/>
+          </a:effectRef>
+          <a:fontRef idx="minor">
+            <a:schemeClr val="lt1"/>
+          </a:fontRef>
+        </p:style>
+        <p:txBody>
+          <a:bodyPr rtlCol="0" anchor="ctr"/>
+          <a:lstStyle/>
+          <a:p>
+            <a:pPr algn="ctr"/>
+            <a:endParaRPr lang="es-VE"/>
+          </a:p>
+        </p:txBody>
+      </p:sp>
+      <p:sp>
+        <p:nvSpPr>
+          <p:cNvPr id="2" name="1 Título"/>
+          <p:cNvSpPr>
+            <a:spLocks noGrp="1"/>
+          </p:cNvSpPr>
+          <p:nvPr>
+            <p:ph type="title"/>
+          </p:nvPr>
+        </p:nvSpPr>
+        <p:spPr/>
+        <p:txBody>
+          <a:bodyPr>
+            <a:normAutofit/>
+          </a:bodyPr>
+          <a:lstStyle/>
+          <a:p>
+            <a:r>
+              <a:rPr lang="es-VE" dirty="0" smtClean="0"/>
+              <a:t>Plataforma de pruebas</a:t>
+            </a:r>
+            <a:endParaRPr lang="es-VE" dirty="0"/>
+          </a:p>
+        </p:txBody>
+      </p:sp>
+      <p:sp>
+        <p:nvSpPr>
+          <p:cNvPr id="3" name="2 Marcador de contenido"/>
+          <p:cNvSpPr>
+            <a:spLocks noGrp="1"/>
+          </p:cNvSpPr>
+          <p:nvPr>
+            <p:ph idx="1"/>
+          </p:nvPr>
+        </p:nvSpPr>
+        <p:spPr>
+          <a:xfrm>
+            <a:off x="457200" y="1600201"/>
+            <a:ext cx="8229600" cy="4419600"/>
+          </a:xfrm>
+        </p:spPr>
+        <p:txBody>
+          <a:bodyPr/>
+          <a:lstStyle/>
+          <a:p>
+            <a:r>
+              <a:rPr lang="es-VE" dirty="0" smtClean="0"/>
+              <a:t>Estrategias </a:t>
+            </a:r>
+            <a:r>
+              <a:rPr lang="es-VE" dirty="0" smtClean="0"/>
+              <a:t>de prueba. (En la base, con la cuerda, y vuelo libre).</a:t>
+            </a:r>
+            <a:endParaRPr lang="es-VE" dirty="0"/>
+          </a:p>
+        </p:txBody>
+      </p:sp>
+      <p:pic>
+        <p:nvPicPr>
+          <p:cNvPr id="4" name="Picture 2" descr="http://runrun.es/wp-content/uploads/2013/03/logo-ucab.jpg"/>
+          <p:cNvPicPr>
+            <a:picLocks noChangeAspect="1" noChangeArrowheads="1"/>
+          </p:cNvPicPr>
+          <p:nvPr/>
+        </p:nvPicPr>
+        <p:blipFill>
+          <a:blip r:embed="rId2" cstate="print"/>
+          <a:srcRect/>
+          <a:stretch>
+            <a:fillRect/>
+          </a:stretch>
+        </p:blipFill>
+        <p:spPr bwMode="auto">
+          <a:xfrm>
+            <a:off x="7249885" y="6481673"/>
+            <a:ext cx="1817915" cy="376327"/>
+          </a:xfrm>
+          <a:prstGeom prst="rect">
+            <a:avLst/>
+          </a:prstGeom>
+          <a:noFill/>
+        </p:spPr>
+      </p:pic>
+      <p:sp>
+        <p:nvSpPr>
+          <p:cNvPr id="5" name="4 CuadroTexto"/>
+          <p:cNvSpPr txBox="1"/>
+          <p:nvPr/>
+        </p:nvSpPr>
+        <p:spPr>
+          <a:xfrm>
+            <a:off x="0" y="6488668"/>
+            <a:ext cx="1577676" cy="369332"/>
+          </a:xfrm>
+          <a:prstGeom prst="rect">
+            <a:avLst/>
+          </a:prstGeom>
+          <a:noFill/>
+        </p:spPr>
+        <p:txBody>
+          <a:bodyPr wrap="none" rtlCol="0">
+            <a:spAutoFit/>
+          </a:bodyPr>
+          <a:lstStyle/>
+          <a:p>
+            <a:r>
+              <a:rPr lang="es-VE" sz="900" dirty="0" smtClean="0"/>
+              <a:t>Luis Felipe </a:t>
+            </a:r>
+            <a:r>
+              <a:rPr lang="es-VE" sz="900" dirty="0" err="1" smtClean="0"/>
+              <a:t>Vicens</a:t>
+            </a:r>
+            <a:r>
+              <a:rPr lang="es-VE" sz="900" dirty="0" smtClean="0"/>
+              <a:t> </a:t>
+            </a:r>
+            <a:r>
+              <a:rPr lang="es-VE" sz="900" dirty="0" err="1" smtClean="0"/>
+              <a:t>Gonzalez</a:t>
+            </a:r>
+            <a:endParaRPr lang="es-VE" sz="900" dirty="0" smtClean="0"/>
+          </a:p>
+          <a:p>
+            <a:r>
+              <a:rPr lang="es-VE" sz="900" dirty="0" err="1" smtClean="0"/>
+              <a:t>Yoshua</a:t>
+            </a:r>
+            <a:r>
+              <a:rPr lang="es-VE" sz="900" dirty="0" smtClean="0"/>
+              <a:t> Alfredo Nava </a:t>
+            </a:r>
+            <a:r>
+              <a:rPr lang="es-VE" sz="900" dirty="0" err="1" smtClean="0"/>
+              <a:t>Chocrón</a:t>
+            </a:r>
+            <a:endParaRPr lang="es-VE" sz="900" dirty="0"/>
+          </a:p>
+        </p:txBody>
+      </p:sp>
+      <p:pic>
+        <p:nvPicPr>
+          <p:cNvPr id="4098" name="Picture 2"/>
+          <p:cNvPicPr>
+            <a:picLocks noChangeAspect="1" noChangeArrowheads="1"/>
+          </p:cNvPicPr>
+          <p:nvPr/>
+        </p:nvPicPr>
+        <p:blipFill>
+          <a:blip r:embed="rId3" cstate="print"/>
+          <a:srcRect l="28865" t="58609" r="29345" b="40202"/>
+          <a:stretch>
+            <a:fillRect/>
+          </a:stretch>
+        </p:blipFill>
+        <p:spPr bwMode="auto">
+          <a:xfrm>
+            <a:off x="1" y="6248400"/>
+            <a:ext cx="9144000" cy="146304"/>
+          </a:xfrm>
+          <a:prstGeom prst="rect">
+            <a:avLst/>
+          </a:prstGeom>
+          <a:noFill/>
+          <a:ln w="9525">
+            <a:noFill/>
+            <a:miter lim="800000"/>
+            <a:headEnd/>
+            <a:tailEnd/>
+          </a:ln>
+        </p:spPr>
+      </p:pic>
+      <p:sp>
+        <p:nvSpPr>
+          <p:cNvPr id="9" name="8 Rectángulo"/>
+          <p:cNvSpPr/>
+          <p:nvPr/>
+        </p:nvSpPr>
+        <p:spPr>
+          <a:xfrm>
+            <a:off x="1981200" y="6627168"/>
+            <a:ext cx="4572000" cy="230832"/>
+          </a:xfrm>
+          <a:prstGeom prst="rect">
+            <a:avLst/>
+          </a:prstGeom>
+        </p:spPr>
+        <p:txBody>
+          <a:bodyPr anchor="b" anchorCtr="1">
+            <a:spAutoFit/>
+          </a:bodyPr>
+          <a:lstStyle/>
+          <a:p>
+            <a:pPr algn="ctr"/>
+            <a:r>
+              <a:rPr lang="es-VE" sz="900" dirty="0" smtClean="0"/>
+              <a:t>Estabilización de un cuadricóptero mediante un algoritmo Proporcional-Integral-Derivativo</a:t>
+            </a:r>
+            <a:endParaRPr lang="es-VE" sz="900" dirty="0"/>
+          </a:p>
+        </p:txBody>
+      </p:sp>
+    </p:spTree>
+  </p:cSld>
+  <p:clrMapOvr>
+    <a:masterClrMapping/>
+  </p:clrMapOvr>
+</p:sld>
+</file>
+
+<file path=ppt/slides/slide16.xml><?xml version="1.0" encoding="utf-8"?>
+<p:sld xmlns:a="http://schemas.openxmlformats.org/drawingml/2006/main" xmlns:r="http://schemas.openxmlformats.org/officeDocument/2006/relationships" xmlns:p="http://schemas.openxmlformats.org/presentationml/2006/main">
+  <p:cSld>
+    <p:spTree>
+      <p:nvGrpSpPr>
+        <p:cNvPr id="1" name=""/>
+        <p:cNvGrpSpPr/>
+        <p:nvPr/>
+      </p:nvGrpSpPr>
+      <p:grpSpPr>
+        <a:xfrm>
+          <a:off x="0" y="0"/>
+          <a:ext cx="0" cy="0"/>
+          <a:chOff x="0" y="0"/>
+          <a:chExt cx="0" cy="0"/>
+        </a:xfrm>
+      </p:grpSpPr>
+      <p:sp>
+        <p:nvSpPr>
+          <p:cNvPr id="6" name="5 Rectángulo"/>
+          <p:cNvSpPr/>
+          <p:nvPr/>
+        </p:nvSpPr>
+        <p:spPr>
+          <a:xfrm>
+            <a:off x="0" y="228600"/>
+            <a:ext cx="9144000" cy="1219200"/>
+          </a:xfrm>
+          <a:prstGeom prst="rect">
+            <a:avLst/>
+          </a:prstGeom>
+          <a:solidFill>
+            <a:schemeClr val="tx2">
+              <a:lumMod val="40000"/>
+              <a:lumOff val="60000"/>
+              <a:alpha val="68000"/>
+            </a:schemeClr>
+          </a:solidFill>
+          <a:ln w="0">
+            <a:noFill/>
+          </a:ln>
+        </p:spPr>
+        <p:style>
+          <a:lnRef idx="2">
+            <a:schemeClr val="accent1">
+              <a:shade val="50000"/>
+            </a:schemeClr>
+          </a:lnRef>
+          <a:fillRef idx="1">
+            <a:schemeClr val="accent1"/>
+          </a:fillRef>
+          <a:effectRef idx="0">
+            <a:schemeClr val="accent1"/>
+          </a:effectRef>
+          <a:fontRef idx="minor">
+            <a:schemeClr val="lt1"/>
+          </a:fontRef>
+        </p:style>
+        <p:txBody>
+          <a:bodyPr rtlCol="0" anchor="ctr"/>
+          <a:lstStyle/>
+          <a:p>
+            <a:pPr algn="ctr"/>
+            <a:endParaRPr lang="es-VE"/>
+          </a:p>
+        </p:txBody>
+      </p:sp>
+      <p:sp>
+        <p:nvSpPr>
+          <p:cNvPr id="2" name="1 Título"/>
+          <p:cNvSpPr>
+            <a:spLocks noGrp="1"/>
+          </p:cNvSpPr>
+          <p:nvPr>
+            <p:ph type="title"/>
+          </p:nvPr>
+        </p:nvSpPr>
+        <p:spPr/>
+        <p:txBody>
+          <a:bodyPr>
+            <a:normAutofit fontScale="90000"/>
+          </a:bodyPr>
+          <a:lstStyle/>
+          <a:p>
+            <a:r>
+              <a:rPr lang="es-VE" dirty="0" smtClean="0"/>
+              <a:t>Resultados </a:t>
+            </a:r>
+            <a:r>
+              <a:rPr lang="es-VE" dirty="0" smtClean="0"/>
+              <a:t>de pruebas de los sistemas de control en el </a:t>
+            </a:r>
+            <a:r>
+              <a:rPr lang="es-VE" dirty="0" smtClean="0"/>
+              <a:t>cuadricóptero</a:t>
+            </a:r>
+            <a:endParaRPr lang="es-VE" dirty="0"/>
+          </a:p>
+        </p:txBody>
+      </p:sp>
+      <p:sp>
+        <p:nvSpPr>
+          <p:cNvPr id="3" name="2 Marcador de contenido"/>
+          <p:cNvSpPr>
+            <a:spLocks noGrp="1"/>
+          </p:cNvSpPr>
+          <p:nvPr>
+            <p:ph idx="1"/>
+          </p:nvPr>
+        </p:nvSpPr>
+        <p:spPr>
+          <a:xfrm>
+            <a:off x="457200" y="1600201"/>
+            <a:ext cx="8229600" cy="4419600"/>
+          </a:xfrm>
+        </p:spPr>
+        <p:txBody>
+          <a:bodyPr/>
+          <a:lstStyle/>
+          <a:p>
+            <a:r>
+              <a:rPr lang="es-VE" dirty="0" smtClean="0"/>
+              <a:t>Resultados </a:t>
+            </a:r>
+            <a:r>
+              <a:rPr lang="es-VE" dirty="0" smtClean="0"/>
+              <a:t>de </a:t>
+            </a:r>
+            <a:r>
+              <a:rPr lang="es-VE" dirty="0" smtClean="0"/>
+              <a:t>pruebas</a:t>
+            </a:r>
+          </a:p>
+          <a:p>
+            <a:r>
+              <a:rPr lang="es-VE" dirty="0" smtClean="0"/>
+              <a:t>modificaciones realizadas sobre la arquitectura de control </a:t>
+            </a:r>
+            <a:r>
+              <a:rPr lang="es-VE" dirty="0" smtClean="0"/>
+              <a:t>propuesta</a:t>
+            </a:r>
+            <a:endParaRPr lang="es-VE" dirty="0"/>
+          </a:p>
+        </p:txBody>
+      </p:sp>
+      <p:pic>
+        <p:nvPicPr>
+          <p:cNvPr id="4" name="Picture 2" descr="http://runrun.es/wp-content/uploads/2013/03/logo-ucab.jpg"/>
+          <p:cNvPicPr>
+            <a:picLocks noChangeAspect="1" noChangeArrowheads="1"/>
+          </p:cNvPicPr>
+          <p:nvPr/>
+        </p:nvPicPr>
+        <p:blipFill>
+          <a:blip r:embed="rId2" cstate="print"/>
+          <a:srcRect/>
+          <a:stretch>
+            <a:fillRect/>
+          </a:stretch>
+        </p:blipFill>
+        <p:spPr bwMode="auto">
+          <a:xfrm>
+            <a:off x="7249885" y="6481673"/>
+            <a:ext cx="1817915" cy="376327"/>
+          </a:xfrm>
+          <a:prstGeom prst="rect">
+            <a:avLst/>
+          </a:prstGeom>
+          <a:noFill/>
+        </p:spPr>
+      </p:pic>
+      <p:sp>
+        <p:nvSpPr>
+          <p:cNvPr id="5" name="4 CuadroTexto"/>
+          <p:cNvSpPr txBox="1"/>
+          <p:nvPr/>
+        </p:nvSpPr>
+        <p:spPr>
+          <a:xfrm>
+            <a:off x="0" y="6488668"/>
+            <a:ext cx="1577676" cy="369332"/>
+          </a:xfrm>
+          <a:prstGeom prst="rect">
+            <a:avLst/>
+          </a:prstGeom>
+          <a:noFill/>
+        </p:spPr>
+        <p:txBody>
+          <a:bodyPr wrap="none" rtlCol="0">
+            <a:spAutoFit/>
+          </a:bodyPr>
+          <a:lstStyle/>
+          <a:p>
+            <a:r>
+              <a:rPr lang="es-VE" sz="900" dirty="0" smtClean="0"/>
+              <a:t>Luis Felipe </a:t>
+            </a:r>
+            <a:r>
+              <a:rPr lang="es-VE" sz="900" dirty="0" err="1" smtClean="0"/>
+              <a:t>Vicens</a:t>
+            </a:r>
+            <a:r>
+              <a:rPr lang="es-VE" sz="900" dirty="0" smtClean="0"/>
+              <a:t> </a:t>
+            </a:r>
+            <a:r>
+              <a:rPr lang="es-VE" sz="900" dirty="0" err="1" smtClean="0"/>
+              <a:t>Gonzalez</a:t>
+            </a:r>
+            <a:endParaRPr lang="es-VE" sz="900" dirty="0" smtClean="0"/>
+          </a:p>
+          <a:p>
+            <a:r>
+              <a:rPr lang="es-VE" sz="900" dirty="0" err="1" smtClean="0"/>
+              <a:t>Yoshua</a:t>
+            </a:r>
+            <a:r>
+              <a:rPr lang="es-VE" sz="900" dirty="0" smtClean="0"/>
+              <a:t> Alfredo Nava </a:t>
+            </a:r>
+            <a:r>
+              <a:rPr lang="es-VE" sz="900" dirty="0" err="1" smtClean="0"/>
+              <a:t>Chocrón</a:t>
+            </a:r>
+            <a:endParaRPr lang="es-VE" sz="900" dirty="0"/>
+          </a:p>
+        </p:txBody>
+      </p:sp>
+      <p:pic>
+        <p:nvPicPr>
+          <p:cNvPr id="4098" name="Picture 2"/>
+          <p:cNvPicPr>
+            <a:picLocks noChangeAspect="1" noChangeArrowheads="1"/>
+          </p:cNvPicPr>
+          <p:nvPr/>
+        </p:nvPicPr>
+        <p:blipFill>
+          <a:blip r:embed="rId3" cstate="print"/>
+          <a:srcRect l="28865" t="58609" r="29345" b="40202"/>
+          <a:stretch>
+            <a:fillRect/>
+          </a:stretch>
+        </p:blipFill>
+        <p:spPr bwMode="auto">
+          <a:xfrm>
+            <a:off x="1" y="6248400"/>
+            <a:ext cx="9144000" cy="146304"/>
+          </a:xfrm>
+          <a:prstGeom prst="rect">
+            <a:avLst/>
+          </a:prstGeom>
+          <a:noFill/>
+          <a:ln w="9525">
+            <a:noFill/>
+            <a:miter lim="800000"/>
+            <a:headEnd/>
+            <a:tailEnd/>
+          </a:ln>
+        </p:spPr>
+      </p:pic>
+      <p:sp>
+        <p:nvSpPr>
+          <p:cNvPr id="9" name="8 Rectángulo"/>
+          <p:cNvSpPr/>
+          <p:nvPr/>
+        </p:nvSpPr>
+        <p:spPr>
+          <a:xfrm>
+            <a:off x="1981200" y="6627168"/>
+            <a:ext cx="4572000" cy="230832"/>
+          </a:xfrm>
+          <a:prstGeom prst="rect">
+            <a:avLst/>
+          </a:prstGeom>
+        </p:spPr>
+        <p:txBody>
+          <a:bodyPr anchor="b" anchorCtr="1">
+            <a:spAutoFit/>
+          </a:bodyPr>
+          <a:lstStyle/>
+          <a:p>
+            <a:pPr algn="ctr"/>
+            <a:r>
+              <a:rPr lang="es-VE" sz="900" dirty="0" smtClean="0"/>
+              <a:t>Estabilización de un cuadricóptero mediante un algoritmo Proporcional-Integral-Derivativo</a:t>
+            </a:r>
+            <a:endParaRPr lang="es-VE" sz="900" dirty="0"/>
+          </a:p>
+        </p:txBody>
+      </p:sp>
+    </p:spTree>
+  </p:cSld>
+  <p:clrMapOvr>
+    <a:masterClrMapping/>
+  </p:clrMapOvr>
+</p:sld>
+</file>
+
+<file path=ppt/slides/slide17.xml><?xml version="1.0" encoding="utf-8"?>
+<p:sld xmlns:a="http://schemas.openxmlformats.org/drawingml/2006/main" xmlns:r="http://schemas.openxmlformats.org/officeDocument/2006/relationships" xmlns:p="http://schemas.openxmlformats.org/presentationml/2006/main">
+  <p:cSld>
+    <p:spTree>
+      <p:nvGrpSpPr>
+        <p:cNvPr id="1" name=""/>
+        <p:cNvGrpSpPr/>
+        <p:nvPr/>
+      </p:nvGrpSpPr>
+      <p:grpSpPr>
+        <a:xfrm>
+          <a:off x="0" y="0"/>
+          <a:ext cx="0" cy="0"/>
+          <a:chOff x="0" y="0"/>
+          <a:chExt cx="0" cy="0"/>
+        </a:xfrm>
+      </p:grpSpPr>
+      <p:sp>
+        <p:nvSpPr>
+          <p:cNvPr id="6" name="5 Rectángulo"/>
+          <p:cNvSpPr/>
+          <p:nvPr/>
+        </p:nvSpPr>
+        <p:spPr>
+          <a:xfrm>
+            <a:off x="0" y="228600"/>
+            <a:ext cx="9144000" cy="1219200"/>
+          </a:xfrm>
+          <a:prstGeom prst="rect">
+            <a:avLst/>
+          </a:prstGeom>
+          <a:solidFill>
+            <a:schemeClr val="tx2">
+              <a:lumMod val="40000"/>
+              <a:lumOff val="60000"/>
+              <a:alpha val="68000"/>
+            </a:schemeClr>
+          </a:solidFill>
+          <a:ln w="0">
+            <a:noFill/>
+          </a:ln>
+        </p:spPr>
+        <p:style>
+          <a:lnRef idx="2">
+            <a:schemeClr val="accent1">
+              <a:shade val="50000"/>
+            </a:schemeClr>
+          </a:lnRef>
+          <a:fillRef idx="1">
+            <a:schemeClr val="accent1"/>
+          </a:fillRef>
+          <a:effectRef idx="0">
+            <a:schemeClr val="accent1"/>
+          </a:effectRef>
+          <a:fontRef idx="minor">
+            <a:schemeClr val="lt1"/>
+          </a:fontRef>
+        </p:style>
+        <p:txBody>
+          <a:bodyPr rtlCol="0" anchor="ctr"/>
+          <a:lstStyle/>
+          <a:p>
+            <a:pPr algn="ctr"/>
+            <a:endParaRPr lang="es-VE"/>
+          </a:p>
+        </p:txBody>
+      </p:sp>
+      <p:sp>
+        <p:nvSpPr>
+          <p:cNvPr id="2" name="1 Título"/>
+          <p:cNvSpPr>
+            <a:spLocks noGrp="1"/>
+          </p:cNvSpPr>
+          <p:nvPr>
+            <p:ph type="title"/>
+          </p:nvPr>
+        </p:nvSpPr>
+        <p:spPr/>
+        <p:txBody>
+          <a:bodyPr>
+            <a:normAutofit/>
+          </a:bodyPr>
+          <a:lstStyle/>
+          <a:p>
+            <a:r>
+              <a:rPr lang="es-VE" dirty="0" smtClean="0"/>
+              <a:t>Conclusiones y recomendaciones</a:t>
+            </a:r>
+            <a:endParaRPr lang="es-VE" dirty="0"/>
+          </a:p>
+        </p:txBody>
+      </p:sp>
+      <p:sp>
+        <p:nvSpPr>
+          <p:cNvPr id="3" name="2 Marcador de contenido"/>
+          <p:cNvSpPr>
+            <a:spLocks noGrp="1"/>
+          </p:cNvSpPr>
+          <p:nvPr>
+            <p:ph idx="1"/>
+          </p:nvPr>
+        </p:nvSpPr>
+        <p:spPr>
+          <a:xfrm>
+            <a:off x="457200" y="1600201"/>
+            <a:ext cx="8229600" cy="4419600"/>
+          </a:xfrm>
+        </p:spPr>
+        <p:txBody>
+          <a:bodyPr/>
+          <a:lstStyle/>
+          <a:p>
+            <a:endParaRPr lang="es-VE" dirty="0"/>
+          </a:p>
+        </p:txBody>
+      </p:sp>
+      <p:pic>
+        <p:nvPicPr>
+          <p:cNvPr id="4" name="Picture 2" descr="http://runrun.es/wp-content/uploads/2013/03/logo-ucab.jpg"/>
+          <p:cNvPicPr>
+            <a:picLocks noChangeAspect="1" noChangeArrowheads="1"/>
+          </p:cNvPicPr>
+          <p:nvPr/>
+        </p:nvPicPr>
+        <p:blipFill>
+          <a:blip r:embed="rId2" cstate="print"/>
+          <a:srcRect/>
+          <a:stretch>
+            <a:fillRect/>
+          </a:stretch>
+        </p:blipFill>
+        <p:spPr bwMode="auto">
+          <a:xfrm>
+            <a:off x="7249885" y="6481673"/>
+            <a:ext cx="1817915" cy="376327"/>
+          </a:xfrm>
+          <a:prstGeom prst="rect">
+            <a:avLst/>
+          </a:prstGeom>
+          <a:noFill/>
+        </p:spPr>
+      </p:pic>
+      <p:sp>
+        <p:nvSpPr>
+          <p:cNvPr id="5" name="4 CuadroTexto"/>
+          <p:cNvSpPr txBox="1"/>
+          <p:nvPr/>
+        </p:nvSpPr>
+        <p:spPr>
+          <a:xfrm>
+            <a:off x="0" y="6488668"/>
+            <a:ext cx="1577676" cy="369332"/>
+          </a:xfrm>
+          <a:prstGeom prst="rect">
+            <a:avLst/>
+          </a:prstGeom>
+          <a:noFill/>
+        </p:spPr>
+        <p:txBody>
+          <a:bodyPr wrap="none" rtlCol="0">
+            <a:spAutoFit/>
+          </a:bodyPr>
+          <a:lstStyle/>
+          <a:p>
+            <a:r>
+              <a:rPr lang="es-VE" sz="900" dirty="0" smtClean="0"/>
+              <a:t>Luis Felipe </a:t>
+            </a:r>
+            <a:r>
+              <a:rPr lang="es-VE" sz="900" dirty="0" err="1" smtClean="0"/>
+              <a:t>Vicens</a:t>
+            </a:r>
+            <a:r>
+              <a:rPr lang="es-VE" sz="900" dirty="0" smtClean="0"/>
+              <a:t> </a:t>
+            </a:r>
+            <a:r>
+              <a:rPr lang="es-VE" sz="900" dirty="0" err="1" smtClean="0"/>
+              <a:t>Gonzalez</a:t>
+            </a:r>
+            <a:endParaRPr lang="es-VE" sz="900" dirty="0" smtClean="0"/>
+          </a:p>
+          <a:p>
+            <a:r>
+              <a:rPr lang="es-VE" sz="900" dirty="0" err="1" smtClean="0"/>
+              <a:t>Yoshua</a:t>
+            </a:r>
+            <a:r>
+              <a:rPr lang="es-VE" sz="900" dirty="0" smtClean="0"/>
+              <a:t> Alfredo Nava </a:t>
+            </a:r>
+            <a:r>
+              <a:rPr lang="es-VE" sz="900" dirty="0" err="1" smtClean="0"/>
+              <a:t>Chocrón</a:t>
+            </a:r>
+            <a:endParaRPr lang="es-VE" sz="900" dirty="0"/>
+          </a:p>
+        </p:txBody>
+      </p:sp>
+      <p:pic>
+        <p:nvPicPr>
+          <p:cNvPr id="4098" name="Picture 2"/>
+          <p:cNvPicPr>
+            <a:picLocks noChangeAspect="1" noChangeArrowheads="1"/>
+          </p:cNvPicPr>
+          <p:nvPr/>
+        </p:nvPicPr>
+        <p:blipFill>
+          <a:blip r:embed="rId3" cstate="print"/>
+          <a:srcRect l="28865" t="58609" r="29345" b="40202"/>
+          <a:stretch>
+            <a:fillRect/>
+          </a:stretch>
+        </p:blipFill>
+        <p:spPr bwMode="auto">
+          <a:xfrm>
+            <a:off x="1" y="6248400"/>
+            <a:ext cx="9144000" cy="146304"/>
+          </a:xfrm>
+          <a:prstGeom prst="rect">
+            <a:avLst/>
+          </a:prstGeom>
+          <a:noFill/>
+          <a:ln w="9525">
+            <a:noFill/>
+            <a:miter lim="800000"/>
+            <a:headEnd/>
+            <a:tailEnd/>
+          </a:ln>
+        </p:spPr>
+      </p:pic>
+      <p:sp>
+        <p:nvSpPr>
+          <p:cNvPr id="9" name="8 Rectángulo"/>
+          <p:cNvSpPr/>
+          <p:nvPr/>
+        </p:nvSpPr>
+        <p:spPr>
+          <a:xfrm>
+            <a:off x="1981200" y="6627168"/>
+            <a:ext cx="4572000" cy="230832"/>
+          </a:xfrm>
+          <a:prstGeom prst="rect">
+            <a:avLst/>
+          </a:prstGeom>
+        </p:spPr>
+        <p:txBody>
+          <a:bodyPr anchor="b" anchorCtr="1">
+            <a:spAutoFit/>
+          </a:bodyPr>
+          <a:lstStyle/>
+          <a:p>
+            <a:pPr algn="ctr"/>
+            <a:r>
+              <a:rPr lang="es-VE" sz="900" dirty="0" smtClean="0"/>
+              <a:t>Estabilización de un cuadricóptero mediante un algoritmo Proporcional-Integral-Derivativo</a:t>
+            </a:r>
+            <a:endParaRPr lang="es-VE" sz="900" dirty="0"/>
+          </a:p>
+        </p:txBody>
+      </p:sp>
+    </p:spTree>
+  </p:cSld>
+  <p:clrMapOvr>
+    <a:masterClrMapping/>
+  </p:clrMapOvr>
+</p:sld>
+</file>
+
+<file path=ppt/slides/slide18.xml><?xml version="1.0" encoding="utf-8"?>
+<p:sld xmlns:a="http://schemas.openxmlformats.org/drawingml/2006/main" xmlns:r="http://schemas.openxmlformats.org/officeDocument/2006/relationships" xmlns:p="http://schemas.openxmlformats.org/presentationml/2006/main">
+  <p:cSld>
+    <p:spTree>
+      <p:nvGrpSpPr>
+        <p:cNvPr id="1" name=""/>
+        <p:cNvGrpSpPr/>
+        <p:nvPr/>
+      </p:nvGrpSpPr>
+      <p:grpSpPr>
+        <a:xfrm>
+          <a:off x="0" y="0"/>
+          <a:ext cx="0" cy="0"/>
+          <a:chOff x="0" y="0"/>
+          <a:chExt cx="0" cy="0"/>
+        </a:xfrm>
+      </p:grpSpPr>
+      <p:sp>
+        <p:nvSpPr>
+          <p:cNvPr id="6" name="5 Rectángulo"/>
+          <p:cNvSpPr/>
+          <p:nvPr/>
+        </p:nvSpPr>
+        <p:spPr>
+          <a:xfrm>
+            <a:off x="0" y="2590800"/>
+            <a:ext cx="9144000" cy="1219200"/>
+          </a:xfrm>
+          <a:prstGeom prst="rect">
+            <a:avLst/>
+          </a:prstGeom>
+          <a:solidFill>
+            <a:schemeClr val="tx2">
+              <a:lumMod val="40000"/>
+              <a:lumOff val="60000"/>
+              <a:alpha val="68000"/>
+            </a:schemeClr>
+          </a:solidFill>
+          <a:ln w="0">
+            <a:noFill/>
+          </a:ln>
+        </p:spPr>
+        <p:style>
+          <a:lnRef idx="2">
+            <a:schemeClr val="accent1">
+              <a:shade val="50000"/>
+            </a:schemeClr>
+          </a:lnRef>
+          <a:fillRef idx="1">
+            <a:schemeClr val="accent1"/>
+          </a:fillRef>
+          <a:effectRef idx="0">
+            <a:schemeClr val="accent1"/>
+          </a:effectRef>
+          <a:fontRef idx="minor">
+            <a:schemeClr val="lt1"/>
+          </a:fontRef>
+        </p:style>
+        <p:txBody>
+          <a:bodyPr rtlCol="0" anchor="ctr"/>
+          <a:lstStyle/>
+          <a:p>
+            <a:pPr algn="ctr"/>
+            <a:endParaRPr lang="es-VE"/>
+          </a:p>
+        </p:txBody>
+      </p:sp>
+      <p:sp>
+        <p:nvSpPr>
+          <p:cNvPr id="2" name="1 Título"/>
+          <p:cNvSpPr>
+            <a:spLocks noGrp="1"/>
+          </p:cNvSpPr>
+          <p:nvPr>
+            <p:ph type="title"/>
+          </p:nvPr>
+        </p:nvSpPr>
+        <p:spPr>
+          <a:xfrm>
+            <a:off x="457200" y="2590800"/>
+            <a:ext cx="8229600" cy="1143000"/>
+          </a:xfrm>
+        </p:spPr>
+        <p:txBody>
+          <a:bodyPr>
+            <a:normAutofit/>
+          </a:bodyPr>
+          <a:lstStyle/>
+          <a:p>
+            <a:r>
+              <a:rPr lang="es-VE" dirty="0" smtClean="0"/>
+              <a:t>Demostración</a:t>
+            </a:r>
+            <a:endParaRPr lang="es-VE" dirty="0"/>
+          </a:p>
+        </p:txBody>
+      </p:sp>
+      <p:pic>
+        <p:nvPicPr>
+          <p:cNvPr id="4" name="Picture 2" descr="http://runrun.es/wp-content/uploads/2013/03/logo-ucab.jpg"/>
+          <p:cNvPicPr>
+            <a:picLocks noChangeAspect="1" noChangeArrowheads="1"/>
+          </p:cNvPicPr>
+          <p:nvPr/>
+        </p:nvPicPr>
+        <p:blipFill>
+          <a:blip r:embed="rId2" cstate="print"/>
+          <a:srcRect/>
+          <a:stretch>
+            <a:fillRect/>
+          </a:stretch>
+        </p:blipFill>
+        <p:spPr bwMode="auto">
+          <a:xfrm>
+            <a:off x="7249885" y="6481673"/>
+            <a:ext cx="1817915" cy="376327"/>
+          </a:xfrm>
+          <a:prstGeom prst="rect">
+            <a:avLst/>
+          </a:prstGeom>
+          <a:noFill/>
+        </p:spPr>
+      </p:pic>
+      <p:sp>
+        <p:nvSpPr>
+          <p:cNvPr id="5" name="4 CuadroTexto"/>
+          <p:cNvSpPr txBox="1"/>
+          <p:nvPr/>
+        </p:nvSpPr>
+        <p:spPr>
+          <a:xfrm>
+            <a:off x="0" y="6488668"/>
+            <a:ext cx="1577676" cy="369332"/>
+          </a:xfrm>
+          <a:prstGeom prst="rect">
+            <a:avLst/>
+          </a:prstGeom>
+          <a:noFill/>
+        </p:spPr>
+        <p:txBody>
+          <a:bodyPr wrap="none" rtlCol="0">
+            <a:spAutoFit/>
+          </a:bodyPr>
+          <a:lstStyle/>
+          <a:p>
+            <a:r>
+              <a:rPr lang="es-VE" sz="900" dirty="0" smtClean="0"/>
+              <a:t>Luis Felipe </a:t>
+            </a:r>
+            <a:r>
+              <a:rPr lang="es-VE" sz="900" dirty="0" err="1" smtClean="0"/>
+              <a:t>Vicens</a:t>
+            </a:r>
+            <a:r>
+              <a:rPr lang="es-VE" sz="900" dirty="0" smtClean="0"/>
+              <a:t> </a:t>
+            </a:r>
+            <a:r>
+              <a:rPr lang="es-VE" sz="900" dirty="0" err="1" smtClean="0"/>
+              <a:t>Gonzalez</a:t>
+            </a:r>
+            <a:endParaRPr lang="es-VE" sz="900" dirty="0" smtClean="0"/>
+          </a:p>
+          <a:p>
+            <a:r>
+              <a:rPr lang="es-VE" sz="900" dirty="0" err="1" smtClean="0"/>
+              <a:t>Yoshua</a:t>
+            </a:r>
+            <a:r>
+              <a:rPr lang="es-VE" sz="900" dirty="0" smtClean="0"/>
+              <a:t> Alfredo Nava </a:t>
+            </a:r>
+            <a:r>
+              <a:rPr lang="es-VE" sz="900" dirty="0" err="1" smtClean="0"/>
+              <a:t>Chocrón</a:t>
+            </a:r>
+            <a:endParaRPr lang="es-VE" sz="900" dirty="0"/>
+          </a:p>
+        </p:txBody>
+      </p:sp>
+      <p:pic>
+        <p:nvPicPr>
+          <p:cNvPr id="4098" name="Picture 2"/>
+          <p:cNvPicPr>
+            <a:picLocks noChangeAspect="1" noChangeArrowheads="1"/>
+          </p:cNvPicPr>
+          <p:nvPr/>
+        </p:nvPicPr>
+        <p:blipFill>
+          <a:blip r:embed="rId3" cstate="print"/>
+          <a:srcRect l="28865" t="58609" r="29345" b="40202"/>
+          <a:stretch>
+            <a:fillRect/>
+          </a:stretch>
+        </p:blipFill>
+        <p:spPr bwMode="auto">
+          <a:xfrm>
+            <a:off x="1" y="6248400"/>
+            <a:ext cx="9144000" cy="146304"/>
+          </a:xfrm>
+          <a:prstGeom prst="rect">
+            <a:avLst/>
+          </a:prstGeom>
+          <a:noFill/>
+          <a:ln w="9525">
+            <a:noFill/>
+            <a:miter lim="800000"/>
+            <a:headEnd/>
+            <a:tailEnd/>
+          </a:ln>
+        </p:spPr>
+      </p:pic>
+      <p:sp>
+        <p:nvSpPr>
+          <p:cNvPr id="9" name="8 Rectángulo"/>
+          <p:cNvSpPr/>
+          <p:nvPr/>
+        </p:nvSpPr>
+        <p:spPr>
+          <a:xfrm>
+            <a:off x="1981200" y="6627168"/>
+            <a:ext cx="4572000" cy="230832"/>
+          </a:xfrm>
+          <a:prstGeom prst="rect">
+            <a:avLst/>
+          </a:prstGeom>
+        </p:spPr>
+        <p:txBody>
+          <a:bodyPr anchor="b" anchorCtr="1">
+            <a:spAutoFit/>
+          </a:bodyPr>
+          <a:lstStyle/>
+          <a:p>
+            <a:pPr algn="ctr"/>
+            <a:r>
+              <a:rPr lang="es-VE" sz="900" dirty="0" smtClean="0"/>
+              <a:t>Estabilización de un cuadricóptero mediante un algoritmo Proporcional-Integral-Derivativo</a:t>
+            </a:r>
+            <a:endParaRPr lang="es-VE" sz="900" dirty="0"/>
+          </a:p>
+        </p:txBody>
+      </p:sp>
+    </p:spTree>
+  </p:cSld>
+  <p:clrMapOvr>
+    <a:masterClrMapping/>
+  </p:clrMapOvr>
+</p:sld>
+</file>
+
+<file path=ppt/slides/slide19.xml><?xml version="1.0" encoding="utf-8"?>
+<p:sld xmlns:a="http://schemas.openxmlformats.org/drawingml/2006/main" xmlns:r="http://schemas.openxmlformats.org/officeDocument/2006/relationships" xmlns:p="http://schemas.openxmlformats.org/presentationml/2006/main">
+  <p:cSld>
+    <p:spTree>
+      <p:nvGrpSpPr>
+        <p:cNvPr id="1" name=""/>
+        <p:cNvGrpSpPr/>
+        <p:nvPr/>
+      </p:nvGrpSpPr>
+      <p:grpSpPr>
+        <a:xfrm>
+          <a:off x="0" y="0"/>
+          <a:ext cx="0" cy="0"/>
+          <a:chOff x="0" y="0"/>
+          <a:chExt cx="0" cy="0"/>
+        </a:xfrm>
+      </p:grpSpPr>
+      <p:sp>
+        <p:nvSpPr>
+          <p:cNvPr id="6" name="5 Rectángulo"/>
+          <p:cNvSpPr/>
+          <p:nvPr/>
+        </p:nvSpPr>
+        <p:spPr>
+          <a:xfrm>
+            <a:off x="0" y="2590800"/>
+            <a:ext cx="9144000" cy="1219200"/>
+          </a:xfrm>
+          <a:prstGeom prst="rect">
+            <a:avLst/>
+          </a:prstGeom>
+          <a:solidFill>
+            <a:schemeClr val="tx2">
+              <a:lumMod val="40000"/>
+              <a:lumOff val="60000"/>
+              <a:alpha val="68000"/>
+            </a:schemeClr>
+          </a:solidFill>
+          <a:ln w="0">
+            <a:noFill/>
+          </a:ln>
+        </p:spPr>
+        <p:style>
+          <a:lnRef idx="2">
+            <a:schemeClr val="accent1">
+              <a:shade val="50000"/>
+            </a:schemeClr>
+          </a:lnRef>
+          <a:fillRef idx="1">
+            <a:schemeClr val="accent1"/>
+          </a:fillRef>
+          <a:effectRef idx="0">
+            <a:schemeClr val="accent1"/>
+          </a:effectRef>
+          <a:fontRef idx="minor">
+            <a:schemeClr val="lt1"/>
+          </a:fontRef>
+        </p:style>
+        <p:txBody>
+          <a:bodyPr rtlCol="0" anchor="ctr"/>
+          <a:lstStyle/>
+          <a:p>
+            <a:pPr algn="ctr"/>
+            <a:endParaRPr lang="es-VE"/>
+          </a:p>
+        </p:txBody>
+      </p:sp>
+      <p:sp>
+        <p:nvSpPr>
+          <p:cNvPr id="2" name="1 Título"/>
+          <p:cNvSpPr>
+            <a:spLocks noGrp="1"/>
+          </p:cNvSpPr>
+          <p:nvPr>
+            <p:ph type="title"/>
+          </p:nvPr>
+        </p:nvSpPr>
+        <p:spPr>
+          <a:xfrm>
+            <a:off x="457200" y="2590800"/>
+            <a:ext cx="8229600" cy="1143000"/>
+          </a:xfrm>
+        </p:spPr>
+        <p:txBody>
+          <a:bodyPr>
+            <a:normAutofit/>
+          </a:bodyPr>
+          <a:lstStyle/>
+          <a:p>
+            <a:r>
+              <a:rPr lang="es-VE" dirty="0" smtClean="0"/>
+              <a:t>Dudas y preguntas</a:t>
+            </a:r>
+            <a:endParaRPr lang="es-VE" dirty="0"/>
+          </a:p>
+        </p:txBody>
+      </p:sp>
+      <p:pic>
+        <p:nvPicPr>
+          <p:cNvPr id="4" name="Picture 2" descr="http://runrun.es/wp-content/uploads/2013/03/logo-ucab.jpg"/>
+          <p:cNvPicPr>
+            <a:picLocks noChangeAspect="1" noChangeArrowheads="1"/>
+          </p:cNvPicPr>
+          <p:nvPr/>
+        </p:nvPicPr>
+        <p:blipFill>
+          <a:blip r:embed="rId2" cstate="print"/>
+          <a:srcRect/>
+          <a:stretch>
+            <a:fillRect/>
+          </a:stretch>
+        </p:blipFill>
+        <p:spPr bwMode="auto">
+          <a:xfrm>
+            <a:off x="7249885" y="6481673"/>
+            <a:ext cx="1817915" cy="376327"/>
+          </a:xfrm>
+          <a:prstGeom prst="rect">
+            <a:avLst/>
+          </a:prstGeom>
+          <a:noFill/>
+        </p:spPr>
+      </p:pic>
+      <p:sp>
+        <p:nvSpPr>
+          <p:cNvPr id="5" name="4 CuadroTexto"/>
+          <p:cNvSpPr txBox="1"/>
+          <p:nvPr/>
+        </p:nvSpPr>
+        <p:spPr>
+          <a:xfrm>
+            <a:off x="0" y="6488668"/>
+            <a:ext cx="1577676" cy="369332"/>
+          </a:xfrm>
+          <a:prstGeom prst="rect">
+            <a:avLst/>
+          </a:prstGeom>
+          <a:noFill/>
+        </p:spPr>
+        <p:txBody>
+          <a:bodyPr wrap="none" rtlCol="0">
+            <a:spAutoFit/>
+          </a:bodyPr>
+          <a:lstStyle/>
+          <a:p>
+            <a:r>
+              <a:rPr lang="es-VE" sz="900" dirty="0" smtClean="0"/>
+              <a:t>Luis Felipe </a:t>
+            </a:r>
+            <a:r>
+              <a:rPr lang="es-VE" sz="900" dirty="0" err="1" smtClean="0"/>
+              <a:t>Vicens</a:t>
+            </a:r>
+            <a:r>
+              <a:rPr lang="es-VE" sz="900" dirty="0" smtClean="0"/>
+              <a:t> </a:t>
+            </a:r>
+            <a:r>
+              <a:rPr lang="es-VE" sz="900" dirty="0" err="1" smtClean="0"/>
+              <a:t>Gonzalez</a:t>
+            </a:r>
+            <a:endParaRPr lang="es-VE" sz="900" dirty="0" smtClean="0"/>
+          </a:p>
+          <a:p>
+            <a:r>
+              <a:rPr lang="es-VE" sz="900" dirty="0" err="1" smtClean="0"/>
+              <a:t>Yoshua</a:t>
+            </a:r>
+            <a:r>
+              <a:rPr lang="es-VE" sz="900" dirty="0" smtClean="0"/>
+              <a:t> Alfredo Nava </a:t>
+            </a:r>
+            <a:r>
+              <a:rPr lang="es-VE" sz="900" dirty="0" err="1" smtClean="0"/>
+              <a:t>Chocrón</a:t>
+            </a:r>
+            <a:endParaRPr lang="es-VE" sz="900" dirty="0"/>
+          </a:p>
+        </p:txBody>
+      </p:sp>
+      <p:pic>
+        <p:nvPicPr>
+          <p:cNvPr id="4098" name="Picture 2"/>
+          <p:cNvPicPr>
+            <a:picLocks noChangeAspect="1" noChangeArrowheads="1"/>
+          </p:cNvPicPr>
+          <p:nvPr/>
+        </p:nvPicPr>
+        <p:blipFill>
+          <a:blip r:embed="rId3" cstate="print"/>
+          <a:srcRect l="28865" t="58609" r="29345" b="40202"/>
+          <a:stretch>
+            <a:fillRect/>
+          </a:stretch>
+        </p:blipFill>
+        <p:spPr bwMode="auto">
+          <a:xfrm>
+            <a:off x="1" y="6248400"/>
+            <a:ext cx="9144000" cy="146304"/>
+          </a:xfrm>
+          <a:prstGeom prst="rect">
+            <a:avLst/>
+          </a:prstGeom>
+          <a:noFill/>
+          <a:ln w="9525">
+            <a:noFill/>
+            <a:miter lim="800000"/>
+            <a:headEnd/>
+            <a:tailEnd/>
+          </a:ln>
+        </p:spPr>
+      </p:pic>
+      <p:sp>
+        <p:nvSpPr>
+          <p:cNvPr id="9" name="8 Rectángulo"/>
+          <p:cNvSpPr/>
+          <p:nvPr/>
+        </p:nvSpPr>
+        <p:spPr>
+          <a:xfrm>
+            <a:off x="1981200" y="6627168"/>
+            <a:ext cx="4572000" cy="230832"/>
+          </a:xfrm>
+          <a:prstGeom prst="rect">
+            <a:avLst/>
+          </a:prstGeom>
+        </p:spPr>
+        <p:txBody>
+          <a:bodyPr anchor="b" anchorCtr="1">
+            <a:spAutoFit/>
+          </a:bodyPr>
+          <a:lstStyle/>
+          <a:p>
+            <a:pPr algn="ctr"/>
+            <a:r>
+              <a:rPr lang="es-VE" sz="900" dirty="0" smtClean="0"/>
+              <a:t>Estabilización de un cuadricóptero mediante un algoritmo Proporcional-Integral-Derivativo</a:t>
+            </a:r>
+            <a:endParaRPr lang="es-VE" sz="900" dirty="0"/>
           </a:p>
         </p:txBody>
       </p:sp>
@@ -3367,9 +6697,15 @@
         </p:nvSpPr>
         <p:spPr/>
         <p:txBody>
-          <a:bodyPr/>
-          <a:lstStyle/>
-          <a:p>
+          <a:bodyPr>
+            <a:normAutofit/>
+          </a:bodyPr>
+          <a:lstStyle/>
+          <a:p>
+            <a:r>
+              <a:rPr lang="es-VE" dirty="0" smtClean="0"/>
+              <a:t>Introducción</a:t>
+            </a:r>
             <a:endParaRPr lang="es-VE" dirty="0"/>
           </a:p>
         </p:txBody>
@@ -3393,6 +6729,1937 @@
         <p:txBody>
           <a:bodyPr/>
           <a:lstStyle/>
+          <a:p>
+            <a:endParaRPr lang="es-VE" dirty="0"/>
+          </a:p>
+        </p:txBody>
+      </p:sp>
+      <p:pic>
+        <p:nvPicPr>
+          <p:cNvPr id="4" name="Picture 2" descr="http://runrun.es/wp-content/uploads/2013/03/logo-ucab.jpg"/>
+          <p:cNvPicPr>
+            <a:picLocks noChangeAspect="1" noChangeArrowheads="1"/>
+          </p:cNvPicPr>
+          <p:nvPr/>
+        </p:nvPicPr>
+        <p:blipFill>
+          <a:blip r:embed="rId2" cstate="print"/>
+          <a:srcRect/>
+          <a:stretch>
+            <a:fillRect/>
+          </a:stretch>
+        </p:blipFill>
+        <p:spPr bwMode="auto">
+          <a:xfrm>
+            <a:off x="7249885" y="6481673"/>
+            <a:ext cx="1817915" cy="376327"/>
+          </a:xfrm>
+          <a:prstGeom prst="rect">
+            <a:avLst/>
+          </a:prstGeom>
+          <a:noFill/>
+        </p:spPr>
+      </p:pic>
+      <p:sp>
+        <p:nvSpPr>
+          <p:cNvPr id="5" name="4 CuadroTexto"/>
+          <p:cNvSpPr txBox="1"/>
+          <p:nvPr/>
+        </p:nvSpPr>
+        <p:spPr>
+          <a:xfrm>
+            <a:off x="0" y="6488668"/>
+            <a:ext cx="1577676" cy="369332"/>
+          </a:xfrm>
+          <a:prstGeom prst="rect">
+            <a:avLst/>
+          </a:prstGeom>
+          <a:noFill/>
+        </p:spPr>
+        <p:txBody>
+          <a:bodyPr wrap="none" rtlCol="0">
+            <a:spAutoFit/>
+          </a:bodyPr>
+          <a:lstStyle/>
+          <a:p>
+            <a:r>
+              <a:rPr lang="es-VE" sz="900" dirty="0" smtClean="0"/>
+              <a:t>Luis Felipe </a:t>
+            </a:r>
+            <a:r>
+              <a:rPr lang="es-VE" sz="900" dirty="0" err="1" smtClean="0"/>
+              <a:t>Vicens</a:t>
+            </a:r>
+            <a:r>
+              <a:rPr lang="es-VE" sz="900" dirty="0" smtClean="0"/>
+              <a:t> </a:t>
+            </a:r>
+            <a:r>
+              <a:rPr lang="es-VE" sz="900" dirty="0" err="1" smtClean="0"/>
+              <a:t>Gonzalez</a:t>
+            </a:r>
+            <a:endParaRPr lang="es-VE" sz="900" dirty="0" smtClean="0"/>
+          </a:p>
+          <a:p>
+            <a:r>
+              <a:rPr lang="es-VE" sz="900" dirty="0" err="1" smtClean="0"/>
+              <a:t>Yoshua</a:t>
+            </a:r>
+            <a:r>
+              <a:rPr lang="es-VE" sz="900" dirty="0" smtClean="0"/>
+              <a:t> Alfredo Nava </a:t>
+            </a:r>
+            <a:r>
+              <a:rPr lang="es-VE" sz="900" dirty="0" err="1" smtClean="0"/>
+              <a:t>Chocrón</a:t>
+            </a:r>
+            <a:endParaRPr lang="es-VE" sz="900" dirty="0"/>
+          </a:p>
+        </p:txBody>
+      </p:sp>
+      <p:pic>
+        <p:nvPicPr>
+          <p:cNvPr id="4098" name="Picture 2"/>
+          <p:cNvPicPr>
+            <a:picLocks noChangeAspect="1" noChangeArrowheads="1"/>
+          </p:cNvPicPr>
+          <p:nvPr/>
+        </p:nvPicPr>
+        <p:blipFill>
+          <a:blip r:embed="rId3" cstate="print"/>
+          <a:srcRect l="28865" t="58609" r="29345" b="40202"/>
+          <a:stretch>
+            <a:fillRect/>
+          </a:stretch>
+        </p:blipFill>
+        <p:spPr bwMode="auto">
+          <a:xfrm>
+            <a:off x="1" y="6248400"/>
+            <a:ext cx="9144000" cy="146304"/>
+          </a:xfrm>
+          <a:prstGeom prst="rect">
+            <a:avLst/>
+          </a:prstGeom>
+          <a:noFill/>
+          <a:ln w="9525">
+            <a:noFill/>
+            <a:miter lim="800000"/>
+            <a:headEnd/>
+            <a:tailEnd/>
+          </a:ln>
+        </p:spPr>
+      </p:pic>
+      <p:sp>
+        <p:nvSpPr>
+          <p:cNvPr id="9" name="8 Rectángulo"/>
+          <p:cNvSpPr/>
+          <p:nvPr/>
+        </p:nvSpPr>
+        <p:spPr>
+          <a:xfrm>
+            <a:off x="1981200" y="6627168"/>
+            <a:ext cx="4572000" cy="230832"/>
+          </a:xfrm>
+          <a:prstGeom prst="rect">
+            <a:avLst/>
+          </a:prstGeom>
+        </p:spPr>
+        <p:txBody>
+          <a:bodyPr anchor="b" anchorCtr="1">
+            <a:spAutoFit/>
+          </a:bodyPr>
+          <a:lstStyle/>
+          <a:p>
+            <a:pPr algn="ctr"/>
+            <a:r>
+              <a:rPr lang="es-VE" sz="900" dirty="0" smtClean="0"/>
+              <a:t>Estabilización de un cuadricóptero mediante un algoritmo Proporcional-Integral-Derivativo</a:t>
+            </a:r>
+            <a:endParaRPr lang="es-VE" sz="900" dirty="0"/>
+          </a:p>
+        </p:txBody>
+      </p:sp>
+    </p:spTree>
+  </p:cSld>
+  <p:clrMapOvr>
+    <a:masterClrMapping/>
+  </p:clrMapOvr>
+</p:sld>
+</file>
+
+<file path=ppt/slides/slide3.xml><?xml version="1.0" encoding="utf-8"?>
+<p:sld xmlns:a="http://schemas.openxmlformats.org/drawingml/2006/main" xmlns:r="http://schemas.openxmlformats.org/officeDocument/2006/relationships" xmlns:p="http://schemas.openxmlformats.org/presentationml/2006/main">
+  <p:cSld>
+    <p:spTree>
+      <p:nvGrpSpPr>
+        <p:cNvPr id="1" name=""/>
+        <p:cNvGrpSpPr/>
+        <p:nvPr/>
+      </p:nvGrpSpPr>
+      <p:grpSpPr>
+        <a:xfrm>
+          <a:off x="0" y="0"/>
+          <a:ext cx="0" cy="0"/>
+          <a:chOff x="0" y="0"/>
+          <a:chExt cx="0" cy="0"/>
+        </a:xfrm>
+      </p:grpSpPr>
+      <p:sp>
+        <p:nvSpPr>
+          <p:cNvPr id="6" name="5 Rectángulo"/>
+          <p:cNvSpPr/>
+          <p:nvPr/>
+        </p:nvSpPr>
+        <p:spPr>
+          <a:xfrm>
+            <a:off x="0" y="228600"/>
+            <a:ext cx="9144000" cy="1219200"/>
+          </a:xfrm>
+          <a:prstGeom prst="rect">
+            <a:avLst/>
+          </a:prstGeom>
+          <a:solidFill>
+            <a:schemeClr val="tx2">
+              <a:lumMod val="40000"/>
+              <a:lumOff val="60000"/>
+              <a:alpha val="68000"/>
+            </a:schemeClr>
+          </a:solidFill>
+          <a:ln w="0">
+            <a:noFill/>
+          </a:ln>
+        </p:spPr>
+        <p:style>
+          <a:lnRef idx="2">
+            <a:schemeClr val="accent1">
+              <a:shade val="50000"/>
+            </a:schemeClr>
+          </a:lnRef>
+          <a:fillRef idx="1">
+            <a:schemeClr val="accent1"/>
+          </a:fillRef>
+          <a:effectRef idx="0">
+            <a:schemeClr val="accent1"/>
+          </a:effectRef>
+          <a:fontRef idx="minor">
+            <a:schemeClr val="lt1"/>
+          </a:fontRef>
+        </p:style>
+        <p:txBody>
+          <a:bodyPr rtlCol="0" anchor="ctr"/>
+          <a:lstStyle/>
+          <a:p>
+            <a:pPr algn="ctr"/>
+            <a:endParaRPr lang="es-VE"/>
+          </a:p>
+        </p:txBody>
+      </p:sp>
+      <p:sp>
+        <p:nvSpPr>
+          <p:cNvPr id="2" name="1 Título"/>
+          <p:cNvSpPr>
+            <a:spLocks noGrp="1"/>
+          </p:cNvSpPr>
+          <p:nvPr>
+            <p:ph type="title"/>
+          </p:nvPr>
+        </p:nvSpPr>
+        <p:spPr/>
+        <p:txBody>
+          <a:bodyPr>
+            <a:normAutofit/>
+          </a:bodyPr>
+          <a:lstStyle/>
+          <a:p>
+            <a:r>
+              <a:rPr lang="es-VE" dirty="0" smtClean="0"/>
+              <a:t>Planteamiento del problema</a:t>
+            </a:r>
+            <a:endParaRPr lang="es-VE" dirty="0"/>
+          </a:p>
+        </p:txBody>
+      </p:sp>
+      <p:sp>
+        <p:nvSpPr>
+          <p:cNvPr id="3" name="2 Marcador de contenido"/>
+          <p:cNvSpPr>
+            <a:spLocks noGrp="1"/>
+          </p:cNvSpPr>
+          <p:nvPr>
+            <p:ph idx="1"/>
+          </p:nvPr>
+        </p:nvSpPr>
+        <p:spPr>
+          <a:xfrm>
+            <a:off x="457200" y="1600201"/>
+            <a:ext cx="8229600" cy="4419600"/>
+          </a:xfrm>
+        </p:spPr>
+        <p:txBody>
+          <a:bodyPr/>
+          <a:lstStyle/>
+          <a:p>
+            <a:endParaRPr lang="es-VE" dirty="0"/>
+          </a:p>
+        </p:txBody>
+      </p:sp>
+      <p:pic>
+        <p:nvPicPr>
+          <p:cNvPr id="4" name="Picture 2" descr="http://runrun.es/wp-content/uploads/2013/03/logo-ucab.jpg"/>
+          <p:cNvPicPr>
+            <a:picLocks noChangeAspect="1" noChangeArrowheads="1"/>
+          </p:cNvPicPr>
+          <p:nvPr/>
+        </p:nvPicPr>
+        <p:blipFill>
+          <a:blip r:embed="rId2" cstate="print"/>
+          <a:srcRect/>
+          <a:stretch>
+            <a:fillRect/>
+          </a:stretch>
+        </p:blipFill>
+        <p:spPr bwMode="auto">
+          <a:xfrm>
+            <a:off x="7249885" y="6481673"/>
+            <a:ext cx="1817915" cy="376327"/>
+          </a:xfrm>
+          <a:prstGeom prst="rect">
+            <a:avLst/>
+          </a:prstGeom>
+          <a:noFill/>
+        </p:spPr>
+      </p:pic>
+      <p:sp>
+        <p:nvSpPr>
+          <p:cNvPr id="5" name="4 CuadroTexto"/>
+          <p:cNvSpPr txBox="1"/>
+          <p:nvPr/>
+        </p:nvSpPr>
+        <p:spPr>
+          <a:xfrm>
+            <a:off x="0" y="6488668"/>
+            <a:ext cx="1577676" cy="369332"/>
+          </a:xfrm>
+          <a:prstGeom prst="rect">
+            <a:avLst/>
+          </a:prstGeom>
+          <a:noFill/>
+        </p:spPr>
+        <p:txBody>
+          <a:bodyPr wrap="none" rtlCol="0">
+            <a:spAutoFit/>
+          </a:bodyPr>
+          <a:lstStyle/>
+          <a:p>
+            <a:r>
+              <a:rPr lang="es-VE" sz="900" dirty="0" smtClean="0"/>
+              <a:t>Luis Felipe </a:t>
+            </a:r>
+            <a:r>
+              <a:rPr lang="es-VE" sz="900" dirty="0" err="1" smtClean="0"/>
+              <a:t>Vicens</a:t>
+            </a:r>
+            <a:r>
+              <a:rPr lang="es-VE" sz="900" dirty="0" smtClean="0"/>
+              <a:t> </a:t>
+            </a:r>
+            <a:r>
+              <a:rPr lang="es-VE" sz="900" dirty="0" err="1" smtClean="0"/>
+              <a:t>Gonzalez</a:t>
+            </a:r>
+            <a:endParaRPr lang="es-VE" sz="900" dirty="0" smtClean="0"/>
+          </a:p>
+          <a:p>
+            <a:r>
+              <a:rPr lang="es-VE" sz="900" dirty="0" err="1" smtClean="0"/>
+              <a:t>Yoshua</a:t>
+            </a:r>
+            <a:r>
+              <a:rPr lang="es-VE" sz="900" dirty="0" smtClean="0"/>
+              <a:t> Alfredo Nava </a:t>
+            </a:r>
+            <a:r>
+              <a:rPr lang="es-VE" sz="900" dirty="0" err="1" smtClean="0"/>
+              <a:t>Chocrón</a:t>
+            </a:r>
+            <a:endParaRPr lang="es-VE" sz="900" dirty="0"/>
+          </a:p>
+        </p:txBody>
+      </p:sp>
+      <p:pic>
+        <p:nvPicPr>
+          <p:cNvPr id="4098" name="Picture 2"/>
+          <p:cNvPicPr>
+            <a:picLocks noChangeAspect="1" noChangeArrowheads="1"/>
+          </p:cNvPicPr>
+          <p:nvPr/>
+        </p:nvPicPr>
+        <p:blipFill>
+          <a:blip r:embed="rId3" cstate="print"/>
+          <a:srcRect l="28865" t="58609" r="29345" b="40202"/>
+          <a:stretch>
+            <a:fillRect/>
+          </a:stretch>
+        </p:blipFill>
+        <p:spPr bwMode="auto">
+          <a:xfrm>
+            <a:off x="1" y="6248400"/>
+            <a:ext cx="9144000" cy="146304"/>
+          </a:xfrm>
+          <a:prstGeom prst="rect">
+            <a:avLst/>
+          </a:prstGeom>
+          <a:noFill/>
+          <a:ln w="9525">
+            <a:noFill/>
+            <a:miter lim="800000"/>
+            <a:headEnd/>
+            <a:tailEnd/>
+          </a:ln>
+        </p:spPr>
+      </p:pic>
+      <p:sp>
+        <p:nvSpPr>
+          <p:cNvPr id="9" name="8 Rectángulo"/>
+          <p:cNvSpPr/>
+          <p:nvPr/>
+        </p:nvSpPr>
+        <p:spPr>
+          <a:xfrm>
+            <a:off x="1981200" y="6627168"/>
+            <a:ext cx="4572000" cy="230832"/>
+          </a:xfrm>
+          <a:prstGeom prst="rect">
+            <a:avLst/>
+          </a:prstGeom>
+        </p:spPr>
+        <p:txBody>
+          <a:bodyPr anchor="b" anchorCtr="1">
+            <a:spAutoFit/>
+          </a:bodyPr>
+          <a:lstStyle/>
+          <a:p>
+            <a:pPr algn="ctr"/>
+            <a:r>
+              <a:rPr lang="es-VE" sz="900" dirty="0" smtClean="0"/>
+              <a:t>Estabilización de un cuadricóptero mediante un algoritmo Proporcional-Integral-Derivativo</a:t>
+            </a:r>
+            <a:endParaRPr lang="es-VE" sz="900" dirty="0"/>
+          </a:p>
+        </p:txBody>
+      </p:sp>
+    </p:spTree>
+  </p:cSld>
+  <p:clrMapOvr>
+    <a:masterClrMapping/>
+  </p:clrMapOvr>
+</p:sld>
+</file>
+
+<file path=ppt/slides/slide4.xml><?xml version="1.0" encoding="utf-8"?>
+<p:sld xmlns:a="http://schemas.openxmlformats.org/drawingml/2006/main" xmlns:r="http://schemas.openxmlformats.org/officeDocument/2006/relationships" xmlns:p="http://schemas.openxmlformats.org/presentationml/2006/main">
+  <p:cSld>
+    <p:spTree>
+      <p:nvGrpSpPr>
+        <p:cNvPr id="1" name=""/>
+        <p:cNvGrpSpPr/>
+        <p:nvPr/>
+      </p:nvGrpSpPr>
+      <p:grpSpPr>
+        <a:xfrm>
+          <a:off x="0" y="0"/>
+          <a:ext cx="0" cy="0"/>
+          <a:chOff x="0" y="0"/>
+          <a:chExt cx="0" cy="0"/>
+        </a:xfrm>
+      </p:grpSpPr>
+      <p:sp>
+        <p:nvSpPr>
+          <p:cNvPr id="6" name="5 Rectángulo"/>
+          <p:cNvSpPr/>
+          <p:nvPr/>
+        </p:nvSpPr>
+        <p:spPr>
+          <a:xfrm>
+            <a:off x="0" y="228600"/>
+            <a:ext cx="9144000" cy="1219200"/>
+          </a:xfrm>
+          <a:prstGeom prst="rect">
+            <a:avLst/>
+          </a:prstGeom>
+          <a:solidFill>
+            <a:schemeClr val="tx2">
+              <a:lumMod val="40000"/>
+              <a:lumOff val="60000"/>
+              <a:alpha val="68000"/>
+            </a:schemeClr>
+          </a:solidFill>
+          <a:ln w="0">
+            <a:noFill/>
+          </a:ln>
+        </p:spPr>
+        <p:style>
+          <a:lnRef idx="2">
+            <a:schemeClr val="accent1">
+              <a:shade val="50000"/>
+            </a:schemeClr>
+          </a:lnRef>
+          <a:fillRef idx="1">
+            <a:schemeClr val="accent1"/>
+          </a:fillRef>
+          <a:effectRef idx="0">
+            <a:schemeClr val="accent1"/>
+          </a:effectRef>
+          <a:fontRef idx="minor">
+            <a:schemeClr val="lt1"/>
+          </a:fontRef>
+        </p:style>
+        <p:txBody>
+          <a:bodyPr rtlCol="0" anchor="ctr"/>
+          <a:lstStyle/>
+          <a:p>
+            <a:pPr algn="ctr"/>
+            <a:endParaRPr lang="es-VE"/>
+          </a:p>
+        </p:txBody>
+      </p:sp>
+      <p:sp>
+        <p:nvSpPr>
+          <p:cNvPr id="2" name="1 Título"/>
+          <p:cNvSpPr>
+            <a:spLocks noGrp="1"/>
+          </p:cNvSpPr>
+          <p:nvPr>
+            <p:ph type="title"/>
+          </p:nvPr>
+        </p:nvSpPr>
+        <p:spPr/>
+        <p:txBody>
+          <a:bodyPr>
+            <a:normAutofit/>
+          </a:bodyPr>
+          <a:lstStyle/>
+          <a:p>
+            <a:r>
+              <a:rPr lang="es-VE" dirty="0" smtClean="0"/>
+              <a:t>Objetivos</a:t>
+            </a:r>
+            <a:endParaRPr lang="es-VE" dirty="0"/>
+          </a:p>
+        </p:txBody>
+      </p:sp>
+      <p:sp>
+        <p:nvSpPr>
+          <p:cNvPr id="3" name="2 Marcador de contenido"/>
+          <p:cNvSpPr>
+            <a:spLocks noGrp="1"/>
+          </p:cNvSpPr>
+          <p:nvPr>
+            <p:ph idx="1"/>
+          </p:nvPr>
+        </p:nvSpPr>
+        <p:spPr>
+          <a:xfrm>
+            <a:off x="457200" y="1600201"/>
+            <a:ext cx="8229600" cy="4419600"/>
+          </a:xfrm>
+        </p:spPr>
+        <p:txBody>
+          <a:bodyPr/>
+          <a:lstStyle/>
+          <a:p>
+            <a:endParaRPr lang="es-VE" dirty="0"/>
+          </a:p>
+        </p:txBody>
+      </p:sp>
+      <p:pic>
+        <p:nvPicPr>
+          <p:cNvPr id="4" name="Picture 2" descr="http://runrun.es/wp-content/uploads/2013/03/logo-ucab.jpg"/>
+          <p:cNvPicPr>
+            <a:picLocks noChangeAspect="1" noChangeArrowheads="1"/>
+          </p:cNvPicPr>
+          <p:nvPr/>
+        </p:nvPicPr>
+        <p:blipFill>
+          <a:blip r:embed="rId2" cstate="print"/>
+          <a:srcRect/>
+          <a:stretch>
+            <a:fillRect/>
+          </a:stretch>
+        </p:blipFill>
+        <p:spPr bwMode="auto">
+          <a:xfrm>
+            <a:off x="7249885" y="6481673"/>
+            <a:ext cx="1817915" cy="376327"/>
+          </a:xfrm>
+          <a:prstGeom prst="rect">
+            <a:avLst/>
+          </a:prstGeom>
+          <a:noFill/>
+        </p:spPr>
+      </p:pic>
+      <p:sp>
+        <p:nvSpPr>
+          <p:cNvPr id="5" name="4 CuadroTexto"/>
+          <p:cNvSpPr txBox="1"/>
+          <p:nvPr/>
+        </p:nvSpPr>
+        <p:spPr>
+          <a:xfrm>
+            <a:off x="0" y="6488668"/>
+            <a:ext cx="1577676" cy="369332"/>
+          </a:xfrm>
+          <a:prstGeom prst="rect">
+            <a:avLst/>
+          </a:prstGeom>
+          <a:noFill/>
+        </p:spPr>
+        <p:txBody>
+          <a:bodyPr wrap="none" rtlCol="0">
+            <a:spAutoFit/>
+          </a:bodyPr>
+          <a:lstStyle/>
+          <a:p>
+            <a:r>
+              <a:rPr lang="es-VE" sz="900" dirty="0" smtClean="0"/>
+              <a:t>Luis Felipe </a:t>
+            </a:r>
+            <a:r>
+              <a:rPr lang="es-VE" sz="900" dirty="0" err="1" smtClean="0"/>
+              <a:t>Vicens</a:t>
+            </a:r>
+            <a:r>
+              <a:rPr lang="es-VE" sz="900" dirty="0" smtClean="0"/>
+              <a:t> </a:t>
+            </a:r>
+            <a:r>
+              <a:rPr lang="es-VE" sz="900" dirty="0" err="1" smtClean="0"/>
+              <a:t>Gonzalez</a:t>
+            </a:r>
+            <a:endParaRPr lang="es-VE" sz="900" dirty="0" smtClean="0"/>
+          </a:p>
+          <a:p>
+            <a:r>
+              <a:rPr lang="es-VE" sz="900" dirty="0" err="1" smtClean="0"/>
+              <a:t>Yoshua</a:t>
+            </a:r>
+            <a:r>
+              <a:rPr lang="es-VE" sz="900" dirty="0" smtClean="0"/>
+              <a:t> Alfredo Nava </a:t>
+            </a:r>
+            <a:r>
+              <a:rPr lang="es-VE" sz="900" dirty="0" err="1" smtClean="0"/>
+              <a:t>Chocrón</a:t>
+            </a:r>
+            <a:endParaRPr lang="es-VE" sz="900" dirty="0"/>
+          </a:p>
+        </p:txBody>
+      </p:sp>
+      <p:pic>
+        <p:nvPicPr>
+          <p:cNvPr id="4098" name="Picture 2"/>
+          <p:cNvPicPr>
+            <a:picLocks noChangeAspect="1" noChangeArrowheads="1"/>
+          </p:cNvPicPr>
+          <p:nvPr/>
+        </p:nvPicPr>
+        <p:blipFill>
+          <a:blip r:embed="rId3" cstate="print"/>
+          <a:srcRect l="28865" t="58609" r="29345" b="40202"/>
+          <a:stretch>
+            <a:fillRect/>
+          </a:stretch>
+        </p:blipFill>
+        <p:spPr bwMode="auto">
+          <a:xfrm>
+            <a:off x="1" y="6248400"/>
+            <a:ext cx="9144000" cy="146304"/>
+          </a:xfrm>
+          <a:prstGeom prst="rect">
+            <a:avLst/>
+          </a:prstGeom>
+          <a:noFill/>
+          <a:ln w="9525">
+            <a:noFill/>
+            <a:miter lim="800000"/>
+            <a:headEnd/>
+            <a:tailEnd/>
+          </a:ln>
+        </p:spPr>
+      </p:pic>
+      <p:sp>
+        <p:nvSpPr>
+          <p:cNvPr id="9" name="8 Rectángulo"/>
+          <p:cNvSpPr/>
+          <p:nvPr/>
+        </p:nvSpPr>
+        <p:spPr>
+          <a:xfrm>
+            <a:off x="1981200" y="6627168"/>
+            <a:ext cx="4572000" cy="230832"/>
+          </a:xfrm>
+          <a:prstGeom prst="rect">
+            <a:avLst/>
+          </a:prstGeom>
+        </p:spPr>
+        <p:txBody>
+          <a:bodyPr anchor="b" anchorCtr="1">
+            <a:spAutoFit/>
+          </a:bodyPr>
+          <a:lstStyle/>
+          <a:p>
+            <a:pPr algn="ctr"/>
+            <a:r>
+              <a:rPr lang="es-VE" sz="900" dirty="0" smtClean="0"/>
+              <a:t>Estabilización de un cuadricóptero mediante un algoritmo Proporcional-Integral-Derivativo</a:t>
+            </a:r>
+            <a:endParaRPr lang="es-VE" sz="900" dirty="0"/>
+          </a:p>
+        </p:txBody>
+      </p:sp>
+    </p:spTree>
+  </p:cSld>
+  <p:clrMapOvr>
+    <a:masterClrMapping/>
+  </p:clrMapOvr>
+</p:sld>
+</file>
+
+<file path=ppt/slides/slide5.xml><?xml version="1.0" encoding="utf-8"?>
+<p:sld xmlns:a="http://schemas.openxmlformats.org/drawingml/2006/main" xmlns:r="http://schemas.openxmlformats.org/officeDocument/2006/relationships" xmlns:p="http://schemas.openxmlformats.org/presentationml/2006/main">
+  <p:cSld>
+    <p:spTree>
+      <p:nvGrpSpPr>
+        <p:cNvPr id="1" name=""/>
+        <p:cNvGrpSpPr/>
+        <p:nvPr/>
+      </p:nvGrpSpPr>
+      <p:grpSpPr>
+        <a:xfrm>
+          <a:off x="0" y="0"/>
+          <a:ext cx="0" cy="0"/>
+          <a:chOff x="0" y="0"/>
+          <a:chExt cx="0" cy="0"/>
+        </a:xfrm>
+      </p:grpSpPr>
+      <p:sp>
+        <p:nvSpPr>
+          <p:cNvPr id="6" name="5 Rectángulo"/>
+          <p:cNvSpPr/>
+          <p:nvPr/>
+        </p:nvSpPr>
+        <p:spPr>
+          <a:xfrm>
+            <a:off x="0" y="228600"/>
+            <a:ext cx="9144000" cy="1219200"/>
+          </a:xfrm>
+          <a:prstGeom prst="rect">
+            <a:avLst/>
+          </a:prstGeom>
+          <a:solidFill>
+            <a:schemeClr val="tx2">
+              <a:lumMod val="40000"/>
+              <a:lumOff val="60000"/>
+              <a:alpha val="68000"/>
+            </a:schemeClr>
+          </a:solidFill>
+          <a:ln w="0">
+            <a:noFill/>
+          </a:ln>
+        </p:spPr>
+        <p:style>
+          <a:lnRef idx="2">
+            <a:schemeClr val="accent1">
+              <a:shade val="50000"/>
+            </a:schemeClr>
+          </a:lnRef>
+          <a:fillRef idx="1">
+            <a:schemeClr val="accent1"/>
+          </a:fillRef>
+          <a:effectRef idx="0">
+            <a:schemeClr val="accent1"/>
+          </a:effectRef>
+          <a:fontRef idx="minor">
+            <a:schemeClr val="lt1"/>
+          </a:fontRef>
+        </p:style>
+        <p:txBody>
+          <a:bodyPr rtlCol="0" anchor="ctr"/>
+          <a:lstStyle/>
+          <a:p>
+            <a:pPr algn="ctr"/>
+            <a:endParaRPr lang="es-VE"/>
+          </a:p>
+        </p:txBody>
+      </p:sp>
+      <p:sp>
+        <p:nvSpPr>
+          <p:cNvPr id="2" name="1 Título"/>
+          <p:cNvSpPr>
+            <a:spLocks noGrp="1"/>
+          </p:cNvSpPr>
+          <p:nvPr>
+            <p:ph type="title"/>
+          </p:nvPr>
+        </p:nvSpPr>
+        <p:spPr/>
+        <p:txBody>
+          <a:bodyPr>
+            <a:normAutofit/>
+          </a:bodyPr>
+          <a:lstStyle/>
+          <a:p>
+            <a:r>
+              <a:rPr lang="es-VE" dirty="0" smtClean="0"/>
+              <a:t>Modelo </a:t>
+            </a:r>
+            <a:r>
+              <a:rPr lang="es-VE" dirty="0" err="1" smtClean="0"/>
+              <a:t>Fisico</a:t>
+            </a:r>
+            <a:endParaRPr lang="es-VE" dirty="0"/>
+          </a:p>
+        </p:txBody>
+      </p:sp>
+      <p:sp>
+        <p:nvSpPr>
+          <p:cNvPr id="3" name="2 Marcador de contenido"/>
+          <p:cNvSpPr>
+            <a:spLocks noGrp="1"/>
+          </p:cNvSpPr>
+          <p:nvPr>
+            <p:ph idx="1"/>
+          </p:nvPr>
+        </p:nvSpPr>
+        <p:spPr>
+          <a:xfrm>
+            <a:off x="457200" y="1600201"/>
+            <a:ext cx="8229600" cy="4419600"/>
+          </a:xfrm>
+        </p:spPr>
+        <p:txBody>
+          <a:bodyPr/>
+          <a:lstStyle/>
+          <a:p>
+            <a:endParaRPr lang="es-VE" dirty="0"/>
+          </a:p>
+        </p:txBody>
+      </p:sp>
+      <p:pic>
+        <p:nvPicPr>
+          <p:cNvPr id="4" name="Picture 2" descr="http://runrun.es/wp-content/uploads/2013/03/logo-ucab.jpg"/>
+          <p:cNvPicPr>
+            <a:picLocks noChangeAspect="1" noChangeArrowheads="1"/>
+          </p:cNvPicPr>
+          <p:nvPr/>
+        </p:nvPicPr>
+        <p:blipFill>
+          <a:blip r:embed="rId2" cstate="print"/>
+          <a:srcRect/>
+          <a:stretch>
+            <a:fillRect/>
+          </a:stretch>
+        </p:blipFill>
+        <p:spPr bwMode="auto">
+          <a:xfrm>
+            <a:off x="7249885" y="6481673"/>
+            <a:ext cx="1817915" cy="376327"/>
+          </a:xfrm>
+          <a:prstGeom prst="rect">
+            <a:avLst/>
+          </a:prstGeom>
+          <a:noFill/>
+        </p:spPr>
+      </p:pic>
+      <p:sp>
+        <p:nvSpPr>
+          <p:cNvPr id="5" name="4 CuadroTexto"/>
+          <p:cNvSpPr txBox="1"/>
+          <p:nvPr/>
+        </p:nvSpPr>
+        <p:spPr>
+          <a:xfrm>
+            <a:off x="0" y="6488668"/>
+            <a:ext cx="1577676" cy="369332"/>
+          </a:xfrm>
+          <a:prstGeom prst="rect">
+            <a:avLst/>
+          </a:prstGeom>
+          <a:noFill/>
+        </p:spPr>
+        <p:txBody>
+          <a:bodyPr wrap="none" rtlCol="0">
+            <a:spAutoFit/>
+          </a:bodyPr>
+          <a:lstStyle/>
+          <a:p>
+            <a:r>
+              <a:rPr lang="es-VE" sz="900" dirty="0" smtClean="0"/>
+              <a:t>Luis Felipe </a:t>
+            </a:r>
+            <a:r>
+              <a:rPr lang="es-VE" sz="900" dirty="0" err="1" smtClean="0"/>
+              <a:t>Vicens</a:t>
+            </a:r>
+            <a:r>
+              <a:rPr lang="es-VE" sz="900" dirty="0" smtClean="0"/>
+              <a:t> </a:t>
+            </a:r>
+            <a:r>
+              <a:rPr lang="es-VE" sz="900" dirty="0" err="1" smtClean="0"/>
+              <a:t>Gonzalez</a:t>
+            </a:r>
+            <a:endParaRPr lang="es-VE" sz="900" dirty="0" smtClean="0"/>
+          </a:p>
+          <a:p>
+            <a:r>
+              <a:rPr lang="es-VE" sz="900" dirty="0" err="1" smtClean="0"/>
+              <a:t>Yoshua</a:t>
+            </a:r>
+            <a:r>
+              <a:rPr lang="es-VE" sz="900" dirty="0" smtClean="0"/>
+              <a:t> Alfredo Nava </a:t>
+            </a:r>
+            <a:r>
+              <a:rPr lang="es-VE" sz="900" dirty="0" err="1" smtClean="0"/>
+              <a:t>Chocrón</a:t>
+            </a:r>
+            <a:endParaRPr lang="es-VE" sz="900" dirty="0"/>
+          </a:p>
+        </p:txBody>
+      </p:sp>
+      <p:pic>
+        <p:nvPicPr>
+          <p:cNvPr id="4098" name="Picture 2"/>
+          <p:cNvPicPr>
+            <a:picLocks noChangeAspect="1" noChangeArrowheads="1"/>
+          </p:cNvPicPr>
+          <p:nvPr/>
+        </p:nvPicPr>
+        <p:blipFill>
+          <a:blip r:embed="rId3" cstate="print"/>
+          <a:srcRect l="28865" t="58609" r="29345" b="40202"/>
+          <a:stretch>
+            <a:fillRect/>
+          </a:stretch>
+        </p:blipFill>
+        <p:spPr bwMode="auto">
+          <a:xfrm>
+            <a:off x="1" y="6248400"/>
+            <a:ext cx="9144000" cy="146304"/>
+          </a:xfrm>
+          <a:prstGeom prst="rect">
+            <a:avLst/>
+          </a:prstGeom>
+          <a:noFill/>
+          <a:ln w="9525">
+            <a:noFill/>
+            <a:miter lim="800000"/>
+            <a:headEnd/>
+            <a:tailEnd/>
+          </a:ln>
+        </p:spPr>
+      </p:pic>
+      <p:sp>
+        <p:nvSpPr>
+          <p:cNvPr id="9" name="8 Rectángulo"/>
+          <p:cNvSpPr/>
+          <p:nvPr/>
+        </p:nvSpPr>
+        <p:spPr>
+          <a:xfrm>
+            <a:off x="1981200" y="6627168"/>
+            <a:ext cx="4572000" cy="230832"/>
+          </a:xfrm>
+          <a:prstGeom prst="rect">
+            <a:avLst/>
+          </a:prstGeom>
+        </p:spPr>
+        <p:txBody>
+          <a:bodyPr anchor="b" anchorCtr="1">
+            <a:spAutoFit/>
+          </a:bodyPr>
+          <a:lstStyle/>
+          <a:p>
+            <a:pPr algn="ctr"/>
+            <a:r>
+              <a:rPr lang="es-VE" sz="900" dirty="0" smtClean="0"/>
+              <a:t>Estabilización de un cuadricóptero mediante un algoritmo Proporcional-Integral-Derivativo</a:t>
+            </a:r>
+            <a:endParaRPr lang="es-VE" sz="900" dirty="0"/>
+          </a:p>
+        </p:txBody>
+      </p:sp>
+    </p:spTree>
+  </p:cSld>
+  <p:clrMapOvr>
+    <a:masterClrMapping/>
+  </p:clrMapOvr>
+</p:sld>
+</file>
+
+<file path=ppt/slides/slide6.xml><?xml version="1.0" encoding="utf-8"?>
+<p:sld xmlns:a="http://schemas.openxmlformats.org/drawingml/2006/main" xmlns:r="http://schemas.openxmlformats.org/officeDocument/2006/relationships" xmlns:p="http://schemas.openxmlformats.org/presentationml/2006/main">
+  <p:cSld>
+    <p:spTree>
+      <p:nvGrpSpPr>
+        <p:cNvPr id="1" name=""/>
+        <p:cNvGrpSpPr/>
+        <p:nvPr/>
+      </p:nvGrpSpPr>
+      <p:grpSpPr>
+        <a:xfrm>
+          <a:off x="0" y="0"/>
+          <a:ext cx="0" cy="0"/>
+          <a:chOff x="0" y="0"/>
+          <a:chExt cx="0" cy="0"/>
+        </a:xfrm>
+      </p:grpSpPr>
+      <p:sp>
+        <p:nvSpPr>
+          <p:cNvPr id="6" name="5 Rectángulo"/>
+          <p:cNvSpPr/>
+          <p:nvPr/>
+        </p:nvSpPr>
+        <p:spPr>
+          <a:xfrm>
+            <a:off x="0" y="228600"/>
+            <a:ext cx="9144000" cy="1219200"/>
+          </a:xfrm>
+          <a:prstGeom prst="rect">
+            <a:avLst/>
+          </a:prstGeom>
+          <a:solidFill>
+            <a:schemeClr val="tx2">
+              <a:lumMod val="40000"/>
+              <a:lumOff val="60000"/>
+              <a:alpha val="68000"/>
+            </a:schemeClr>
+          </a:solidFill>
+          <a:ln w="0">
+            <a:noFill/>
+          </a:ln>
+        </p:spPr>
+        <p:style>
+          <a:lnRef idx="2">
+            <a:schemeClr val="accent1">
+              <a:shade val="50000"/>
+            </a:schemeClr>
+          </a:lnRef>
+          <a:fillRef idx="1">
+            <a:schemeClr val="accent1"/>
+          </a:fillRef>
+          <a:effectRef idx="0">
+            <a:schemeClr val="accent1"/>
+          </a:effectRef>
+          <a:fontRef idx="minor">
+            <a:schemeClr val="lt1"/>
+          </a:fontRef>
+        </p:style>
+        <p:txBody>
+          <a:bodyPr rtlCol="0" anchor="ctr"/>
+          <a:lstStyle/>
+          <a:p>
+            <a:pPr algn="ctr"/>
+            <a:endParaRPr lang="es-VE"/>
+          </a:p>
+        </p:txBody>
+      </p:sp>
+      <p:sp>
+        <p:nvSpPr>
+          <p:cNvPr id="2" name="1 Título"/>
+          <p:cNvSpPr>
+            <a:spLocks noGrp="1"/>
+          </p:cNvSpPr>
+          <p:nvPr>
+            <p:ph type="title"/>
+          </p:nvPr>
+        </p:nvSpPr>
+        <p:spPr/>
+        <p:txBody>
+          <a:bodyPr>
+            <a:normAutofit/>
+          </a:bodyPr>
+          <a:lstStyle/>
+          <a:p>
+            <a:r>
+              <a:rPr lang="es-VE" dirty="0" err="1" smtClean="0"/>
+              <a:t>Analisis</a:t>
+            </a:r>
+            <a:r>
+              <a:rPr lang="es-VE" dirty="0" smtClean="0"/>
+              <a:t> de estabilidad</a:t>
+            </a:r>
+            <a:endParaRPr lang="es-VE" dirty="0"/>
+          </a:p>
+        </p:txBody>
+      </p:sp>
+      <p:sp>
+        <p:nvSpPr>
+          <p:cNvPr id="3" name="2 Marcador de contenido"/>
+          <p:cNvSpPr>
+            <a:spLocks noGrp="1"/>
+          </p:cNvSpPr>
+          <p:nvPr>
+            <p:ph idx="1"/>
+          </p:nvPr>
+        </p:nvSpPr>
+        <p:spPr>
+          <a:xfrm>
+            <a:off x="457200" y="1600201"/>
+            <a:ext cx="8229600" cy="4419600"/>
+          </a:xfrm>
+        </p:spPr>
+        <p:txBody>
+          <a:bodyPr/>
+          <a:lstStyle/>
+          <a:p>
+            <a:endParaRPr lang="es-VE" dirty="0"/>
+          </a:p>
+        </p:txBody>
+      </p:sp>
+      <p:pic>
+        <p:nvPicPr>
+          <p:cNvPr id="4" name="Picture 2" descr="http://runrun.es/wp-content/uploads/2013/03/logo-ucab.jpg"/>
+          <p:cNvPicPr>
+            <a:picLocks noChangeAspect="1" noChangeArrowheads="1"/>
+          </p:cNvPicPr>
+          <p:nvPr/>
+        </p:nvPicPr>
+        <p:blipFill>
+          <a:blip r:embed="rId2" cstate="print"/>
+          <a:srcRect/>
+          <a:stretch>
+            <a:fillRect/>
+          </a:stretch>
+        </p:blipFill>
+        <p:spPr bwMode="auto">
+          <a:xfrm>
+            <a:off x="7249885" y="6481673"/>
+            <a:ext cx="1817915" cy="376327"/>
+          </a:xfrm>
+          <a:prstGeom prst="rect">
+            <a:avLst/>
+          </a:prstGeom>
+          <a:noFill/>
+        </p:spPr>
+      </p:pic>
+      <p:sp>
+        <p:nvSpPr>
+          <p:cNvPr id="5" name="4 CuadroTexto"/>
+          <p:cNvSpPr txBox="1"/>
+          <p:nvPr/>
+        </p:nvSpPr>
+        <p:spPr>
+          <a:xfrm>
+            <a:off x="0" y="6488668"/>
+            <a:ext cx="1577676" cy="369332"/>
+          </a:xfrm>
+          <a:prstGeom prst="rect">
+            <a:avLst/>
+          </a:prstGeom>
+          <a:noFill/>
+        </p:spPr>
+        <p:txBody>
+          <a:bodyPr wrap="none" rtlCol="0">
+            <a:spAutoFit/>
+          </a:bodyPr>
+          <a:lstStyle/>
+          <a:p>
+            <a:r>
+              <a:rPr lang="es-VE" sz="900" dirty="0" smtClean="0"/>
+              <a:t>Luis Felipe </a:t>
+            </a:r>
+            <a:r>
+              <a:rPr lang="es-VE" sz="900" dirty="0" err="1" smtClean="0"/>
+              <a:t>Vicens</a:t>
+            </a:r>
+            <a:r>
+              <a:rPr lang="es-VE" sz="900" dirty="0" smtClean="0"/>
+              <a:t> </a:t>
+            </a:r>
+            <a:r>
+              <a:rPr lang="es-VE" sz="900" dirty="0" err="1" smtClean="0"/>
+              <a:t>Gonzalez</a:t>
+            </a:r>
+            <a:endParaRPr lang="es-VE" sz="900" dirty="0" smtClean="0"/>
+          </a:p>
+          <a:p>
+            <a:r>
+              <a:rPr lang="es-VE" sz="900" dirty="0" err="1" smtClean="0"/>
+              <a:t>Yoshua</a:t>
+            </a:r>
+            <a:r>
+              <a:rPr lang="es-VE" sz="900" dirty="0" smtClean="0"/>
+              <a:t> Alfredo Nava </a:t>
+            </a:r>
+            <a:r>
+              <a:rPr lang="es-VE" sz="900" dirty="0" err="1" smtClean="0"/>
+              <a:t>Chocrón</a:t>
+            </a:r>
+            <a:endParaRPr lang="es-VE" sz="900" dirty="0"/>
+          </a:p>
+        </p:txBody>
+      </p:sp>
+      <p:pic>
+        <p:nvPicPr>
+          <p:cNvPr id="4098" name="Picture 2"/>
+          <p:cNvPicPr>
+            <a:picLocks noChangeAspect="1" noChangeArrowheads="1"/>
+          </p:cNvPicPr>
+          <p:nvPr/>
+        </p:nvPicPr>
+        <p:blipFill>
+          <a:blip r:embed="rId3" cstate="print"/>
+          <a:srcRect l="28865" t="58609" r="29345" b="40202"/>
+          <a:stretch>
+            <a:fillRect/>
+          </a:stretch>
+        </p:blipFill>
+        <p:spPr bwMode="auto">
+          <a:xfrm>
+            <a:off x="1" y="6248400"/>
+            <a:ext cx="9144000" cy="146304"/>
+          </a:xfrm>
+          <a:prstGeom prst="rect">
+            <a:avLst/>
+          </a:prstGeom>
+          <a:noFill/>
+          <a:ln w="9525">
+            <a:noFill/>
+            <a:miter lim="800000"/>
+            <a:headEnd/>
+            <a:tailEnd/>
+          </a:ln>
+        </p:spPr>
+      </p:pic>
+      <p:sp>
+        <p:nvSpPr>
+          <p:cNvPr id="9" name="8 Rectángulo"/>
+          <p:cNvSpPr/>
+          <p:nvPr/>
+        </p:nvSpPr>
+        <p:spPr>
+          <a:xfrm>
+            <a:off x="1981200" y="6627168"/>
+            <a:ext cx="4572000" cy="230832"/>
+          </a:xfrm>
+          <a:prstGeom prst="rect">
+            <a:avLst/>
+          </a:prstGeom>
+        </p:spPr>
+        <p:txBody>
+          <a:bodyPr anchor="b" anchorCtr="1">
+            <a:spAutoFit/>
+          </a:bodyPr>
+          <a:lstStyle/>
+          <a:p>
+            <a:pPr algn="ctr"/>
+            <a:r>
+              <a:rPr lang="es-VE" sz="900" dirty="0" smtClean="0"/>
+              <a:t>Estabilización de un cuadricóptero mediante un algoritmo Proporcional-Integral-Derivativo</a:t>
+            </a:r>
+            <a:endParaRPr lang="es-VE" sz="900" dirty="0"/>
+          </a:p>
+        </p:txBody>
+      </p:sp>
+    </p:spTree>
+  </p:cSld>
+  <p:clrMapOvr>
+    <a:masterClrMapping/>
+  </p:clrMapOvr>
+</p:sld>
+</file>
+
+<file path=ppt/slides/slide7.xml><?xml version="1.0" encoding="utf-8"?>
+<p:sld xmlns:a="http://schemas.openxmlformats.org/drawingml/2006/main" xmlns:r="http://schemas.openxmlformats.org/officeDocument/2006/relationships" xmlns:p="http://schemas.openxmlformats.org/presentationml/2006/main">
+  <p:cSld>
+    <p:spTree>
+      <p:nvGrpSpPr>
+        <p:cNvPr id="1" name=""/>
+        <p:cNvGrpSpPr/>
+        <p:nvPr/>
+      </p:nvGrpSpPr>
+      <p:grpSpPr>
+        <a:xfrm>
+          <a:off x="0" y="0"/>
+          <a:ext cx="0" cy="0"/>
+          <a:chOff x="0" y="0"/>
+          <a:chExt cx="0" cy="0"/>
+        </a:xfrm>
+      </p:grpSpPr>
+      <p:sp>
+        <p:nvSpPr>
+          <p:cNvPr id="6" name="5 Rectángulo"/>
+          <p:cNvSpPr/>
+          <p:nvPr/>
+        </p:nvSpPr>
+        <p:spPr>
+          <a:xfrm>
+            <a:off x="0" y="228600"/>
+            <a:ext cx="9144000" cy="1219200"/>
+          </a:xfrm>
+          <a:prstGeom prst="rect">
+            <a:avLst/>
+          </a:prstGeom>
+          <a:solidFill>
+            <a:schemeClr val="tx2">
+              <a:lumMod val="40000"/>
+              <a:lumOff val="60000"/>
+              <a:alpha val="68000"/>
+            </a:schemeClr>
+          </a:solidFill>
+          <a:ln w="0">
+            <a:noFill/>
+          </a:ln>
+        </p:spPr>
+        <p:style>
+          <a:lnRef idx="2">
+            <a:schemeClr val="accent1">
+              <a:shade val="50000"/>
+            </a:schemeClr>
+          </a:lnRef>
+          <a:fillRef idx="1">
+            <a:schemeClr val="accent1"/>
+          </a:fillRef>
+          <a:effectRef idx="0">
+            <a:schemeClr val="accent1"/>
+          </a:effectRef>
+          <a:fontRef idx="minor">
+            <a:schemeClr val="lt1"/>
+          </a:fontRef>
+        </p:style>
+        <p:txBody>
+          <a:bodyPr rtlCol="0" anchor="ctr"/>
+          <a:lstStyle/>
+          <a:p>
+            <a:pPr algn="ctr"/>
+            <a:endParaRPr lang="es-VE"/>
+          </a:p>
+        </p:txBody>
+      </p:sp>
+      <p:sp>
+        <p:nvSpPr>
+          <p:cNvPr id="2" name="1 Título"/>
+          <p:cNvSpPr>
+            <a:spLocks noGrp="1"/>
+          </p:cNvSpPr>
+          <p:nvPr>
+            <p:ph type="title"/>
+          </p:nvPr>
+        </p:nvSpPr>
+        <p:spPr/>
+        <p:txBody>
+          <a:bodyPr>
+            <a:normAutofit/>
+          </a:bodyPr>
+          <a:lstStyle/>
+          <a:p>
+            <a:r>
+              <a:rPr lang="es-VE" dirty="0" smtClean="0"/>
+              <a:t>Arquitectura de control propuesta</a:t>
+            </a:r>
+            <a:endParaRPr lang="es-VE" dirty="0"/>
+          </a:p>
+        </p:txBody>
+      </p:sp>
+      <p:sp>
+        <p:nvSpPr>
+          <p:cNvPr id="3" name="2 Marcador de contenido"/>
+          <p:cNvSpPr>
+            <a:spLocks noGrp="1"/>
+          </p:cNvSpPr>
+          <p:nvPr>
+            <p:ph idx="1"/>
+          </p:nvPr>
+        </p:nvSpPr>
+        <p:spPr>
+          <a:xfrm>
+            <a:off x="457200" y="1600201"/>
+            <a:ext cx="8229600" cy="4419600"/>
+          </a:xfrm>
+        </p:spPr>
+        <p:txBody>
+          <a:bodyPr/>
+          <a:lstStyle/>
+          <a:p>
+            <a:endParaRPr lang="es-VE" dirty="0"/>
+          </a:p>
+        </p:txBody>
+      </p:sp>
+      <p:pic>
+        <p:nvPicPr>
+          <p:cNvPr id="4" name="Picture 2" descr="http://runrun.es/wp-content/uploads/2013/03/logo-ucab.jpg"/>
+          <p:cNvPicPr>
+            <a:picLocks noChangeAspect="1" noChangeArrowheads="1"/>
+          </p:cNvPicPr>
+          <p:nvPr/>
+        </p:nvPicPr>
+        <p:blipFill>
+          <a:blip r:embed="rId2" cstate="print"/>
+          <a:srcRect/>
+          <a:stretch>
+            <a:fillRect/>
+          </a:stretch>
+        </p:blipFill>
+        <p:spPr bwMode="auto">
+          <a:xfrm>
+            <a:off x="7249885" y="6481673"/>
+            <a:ext cx="1817915" cy="376327"/>
+          </a:xfrm>
+          <a:prstGeom prst="rect">
+            <a:avLst/>
+          </a:prstGeom>
+          <a:noFill/>
+        </p:spPr>
+      </p:pic>
+      <p:sp>
+        <p:nvSpPr>
+          <p:cNvPr id="5" name="4 CuadroTexto"/>
+          <p:cNvSpPr txBox="1"/>
+          <p:nvPr/>
+        </p:nvSpPr>
+        <p:spPr>
+          <a:xfrm>
+            <a:off x="0" y="6488668"/>
+            <a:ext cx="1577676" cy="369332"/>
+          </a:xfrm>
+          <a:prstGeom prst="rect">
+            <a:avLst/>
+          </a:prstGeom>
+          <a:noFill/>
+        </p:spPr>
+        <p:txBody>
+          <a:bodyPr wrap="none" rtlCol="0">
+            <a:spAutoFit/>
+          </a:bodyPr>
+          <a:lstStyle/>
+          <a:p>
+            <a:r>
+              <a:rPr lang="es-VE" sz="900" dirty="0" smtClean="0"/>
+              <a:t>Luis Felipe </a:t>
+            </a:r>
+            <a:r>
+              <a:rPr lang="es-VE" sz="900" dirty="0" err="1" smtClean="0"/>
+              <a:t>Vicens</a:t>
+            </a:r>
+            <a:r>
+              <a:rPr lang="es-VE" sz="900" dirty="0" smtClean="0"/>
+              <a:t> </a:t>
+            </a:r>
+            <a:r>
+              <a:rPr lang="es-VE" sz="900" dirty="0" err="1" smtClean="0"/>
+              <a:t>Gonzalez</a:t>
+            </a:r>
+            <a:endParaRPr lang="es-VE" sz="900" dirty="0" smtClean="0"/>
+          </a:p>
+          <a:p>
+            <a:r>
+              <a:rPr lang="es-VE" sz="900" dirty="0" err="1" smtClean="0"/>
+              <a:t>Yoshua</a:t>
+            </a:r>
+            <a:r>
+              <a:rPr lang="es-VE" sz="900" dirty="0" smtClean="0"/>
+              <a:t> Alfredo Nava </a:t>
+            </a:r>
+            <a:r>
+              <a:rPr lang="es-VE" sz="900" dirty="0" err="1" smtClean="0"/>
+              <a:t>Chocrón</a:t>
+            </a:r>
+            <a:endParaRPr lang="es-VE" sz="900" dirty="0"/>
+          </a:p>
+        </p:txBody>
+      </p:sp>
+      <p:pic>
+        <p:nvPicPr>
+          <p:cNvPr id="4098" name="Picture 2"/>
+          <p:cNvPicPr>
+            <a:picLocks noChangeAspect="1" noChangeArrowheads="1"/>
+          </p:cNvPicPr>
+          <p:nvPr/>
+        </p:nvPicPr>
+        <p:blipFill>
+          <a:blip r:embed="rId3" cstate="print"/>
+          <a:srcRect l="28865" t="58609" r="29345" b="40202"/>
+          <a:stretch>
+            <a:fillRect/>
+          </a:stretch>
+        </p:blipFill>
+        <p:spPr bwMode="auto">
+          <a:xfrm>
+            <a:off x="1" y="6248400"/>
+            <a:ext cx="9144000" cy="146304"/>
+          </a:xfrm>
+          <a:prstGeom prst="rect">
+            <a:avLst/>
+          </a:prstGeom>
+          <a:noFill/>
+          <a:ln w="9525">
+            <a:noFill/>
+            <a:miter lim="800000"/>
+            <a:headEnd/>
+            <a:tailEnd/>
+          </a:ln>
+        </p:spPr>
+      </p:pic>
+      <p:sp>
+        <p:nvSpPr>
+          <p:cNvPr id="9" name="8 Rectángulo"/>
+          <p:cNvSpPr/>
+          <p:nvPr/>
+        </p:nvSpPr>
+        <p:spPr>
+          <a:xfrm>
+            <a:off x="1981200" y="6627168"/>
+            <a:ext cx="4572000" cy="230832"/>
+          </a:xfrm>
+          <a:prstGeom prst="rect">
+            <a:avLst/>
+          </a:prstGeom>
+        </p:spPr>
+        <p:txBody>
+          <a:bodyPr anchor="b" anchorCtr="1">
+            <a:spAutoFit/>
+          </a:bodyPr>
+          <a:lstStyle/>
+          <a:p>
+            <a:pPr algn="ctr"/>
+            <a:r>
+              <a:rPr lang="es-VE" sz="900" dirty="0" smtClean="0"/>
+              <a:t>Estabilización de un cuadricóptero mediante un algoritmo Proporcional-Integral-Derivativo</a:t>
+            </a:r>
+            <a:endParaRPr lang="es-VE" sz="900" dirty="0"/>
+          </a:p>
+        </p:txBody>
+      </p:sp>
+    </p:spTree>
+  </p:cSld>
+  <p:clrMapOvr>
+    <a:masterClrMapping/>
+  </p:clrMapOvr>
+</p:sld>
+</file>
+
+<file path=ppt/slides/slide8.xml><?xml version="1.0" encoding="utf-8"?>
+<p:sld xmlns:a="http://schemas.openxmlformats.org/drawingml/2006/main" xmlns:r="http://schemas.openxmlformats.org/officeDocument/2006/relationships" xmlns:p="http://schemas.openxmlformats.org/presentationml/2006/main">
+  <p:cSld>
+    <p:spTree>
+      <p:nvGrpSpPr>
+        <p:cNvPr id="1" name=""/>
+        <p:cNvGrpSpPr/>
+        <p:nvPr/>
+      </p:nvGrpSpPr>
+      <p:grpSpPr>
+        <a:xfrm>
+          <a:off x="0" y="0"/>
+          <a:ext cx="0" cy="0"/>
+          <a:chOff x="0" y="0"/>
+          <a:chExt cx="0" cy="0"/>
+        </a:xfrm>
+      </p:grpSpPr>
+      <p:sp>
+        <p:nvSpPr>
+          <p:cNvPr id="6" name="5 Rectángulo"/>
+          <p:cNvSpPr/>
+          <p:nvPr/>
+        </p:nvSpPr>
+        <p:spPr>
+          <a:xfrm>
+            <a:off x="0" y="228600"/>
+            <a:ext cx="9144000" cy="1219200"/>
+          </a:xfrm>
+          <a:prstGeom prst="rect">
+            <a:avLst/>
+          </a:prstGeom>
+          <a:solidFill>
+            <a:schemeClr val="tx2">
+              <a:lumMod val="40000"/>
+              <a:lumOff val="60000"/>
+              <a:alpha val="68000"/>
+            </a:schemeClr>
+          </a:solidFill>
+          <a:ln w="0">
+            <a:noFill/>
+          </a:ln>
+        </p:spPr>
+        <p:style>
+          <a:lnRef idx="2">
+            <a:schemeClr val="accent1">
+              <a:shade val="50000"/>
+            </a:schemeClr>
+          </a:lnRef>
+          <a:fillRef idx="1">
+            <a:schemeClr val="accent1"/>
+          </a:fillRef>
+          <a:effectRef idx="0">
+            <a:schemeClr val="accent1"/>
+          </a:effectRef>
+          <a:fontRef idx="minor">
+            <a:schemeClr val="lt1"/>
+          </a:fontRef>
+        </p:style>
+        <p:txBody>
+          <a:bodyPr rtlCol="0" anchor="ctr"/>
+          <a:lstStyle/>
+          <a:p>
+            <a:pPr algn="ctr"/>
+            <a:endParaRPr lang="es-VE"/>
+          </a:p>
+        </p:txBody>
+      </p:sp>
+      <p:sp>
+        <p:nvSpPr>
+          <p:cNvPr id="2" name="1 Título"/>
+          <p:cNvSpPr>
+            <a:spLocks noGrp="1"/>
+          </p:cNvSpPr>
+          <p:nvPr>
+            <p:ph type="title"/>
+          </p:nvPr>
+        </p:nvSpPr>
+        <p:spPr/>
+        <p:txBody>
+          <a:bodyPr>
+            <a:normAutofit/>
+          </a:bodyPr>
+          <a:lstStyle/>
+          <a:p>
+            <a:r>
+              <a:rPr lang="es-VE" dirty="0" err="1" smtClean="0"/>
+              <a:t>Construccion</a:t>
+            </a:r>
+            <a:r>
+              <a:rPr lang="es-VE" dirty="0" smtClean="0"/>
+              <a:t> del </a:t>
+            </a:r>
+            <a:r>
+              <a:rPr lang="es-VE" dirty="0" err="1" smtClean="0"/>
+              <a:t>cuadricoptero</a:t>
+            </a:r>
+            <a:endParaRPr lang="es-VE" dirty="0"/>
+          </a:p>
+        </p:txBody>
+      </p:sp>
+      <p:sp>
+        <p:nvSpPr>
+          <p:cNvPr id="3" name="2 Marcador de contenido"/>
+          <p:cNvSpPr>
+            <a:spLocks noGrp="1"/>
+          </p:cNvSpPr>
+          <p:nvPr>
+            <p:ph idx="1"/>
+          </p:nvPr>
+        </p:nvSpPr>
+        <p:spPr>
+          <a:xfrm>
+            <a:off x="457200" y="1600201"/>
+            <a:ext cx="8229600" cy="4419600"/>
+          </a:xfrm>
+        </p:spPr>
+        <p:txBody>
+          <a:bodyPr/>
+          <a:lstStyle/>
+          <a:p>
+            <a:r>
+              <a:rPr lang="es-VE" dirty="0" smtClean="0"/>
+              <a:t>Circuito control de motores</a:t>
+            </a:r>
+            <a:endParaRPr lang="es-VE" dirty="0"/>
+          </a:p>
+        </p:txBody>
+      </p:sp>
+      <p:pic>
+        <p:nvPicPr>
+          <p:cNvPr id="4" name="Picture 2" descr="http://runrun.es/wp-content/uploads/2013/03/logo-ucab.jpg"/>
+          <p:cNvPicPr>
+            <a:picLocks noChangeAspect="1" noChangeArrowheads="1"/>
+          </p:cNvPicPr>
+          <p:nvPr/>
+        </p:nvPicPr>
+        <p:blipFill>
+          <a:blip r:embed="rId2" cstate="print"/>
+          <a:srcRect/>
+          <a:stretch>
+            <a:fillRect/>
+          </a:stretch>
+        </p:blipFill>
+        <p:spPr bwMode="auto">
+          <a:xfrm>
+            <a:off x="7249885" y="6481673"/>
+            <a:ext cx="1817915" cy="376327"/>
+          </a:xfrm>
+          <a:prstGeom prst="rect">
+            <a:avLst/>
+          </a:prstGeom>
+          <a:noFill/>
+        </p:spPr>
+      </p:pic>
+      <p:sp>
+        <p:nvSpPr>
+          <p:cNvPr id="5" name="4 CuadroTexto"/>
+          <p:cNvSpPr txBox="1"/>
+          <p:nvPr/>
+        </p:nvSpPr>
+        <p:spPr>
+          <a:xfrm>
+            <a:off x="0" y="6488668"/>
+            <a:ext cx="1577676" cy="369332"/>
+          </a:xfrm>
+          <a:prstGeom prst="rect">
+            <a:avLst/>
+          </a:prstGeom>
+          <a:noFill/>
+        </p:spPr>
+        <p:txBody>
+          <a:bodyPr wrap="none" rtlCol="0">
+            <a:spAutoFit/>
+          </a:bodyPr>
+          <a:lstStyle/>
+          <a:p>
+            <a:r>
+              <a:rPr lang="es-VE" sz="900" dirty="0" smtClean="0"/>
+              <a:t>Luis Felipe </a:t>
+            </a:r>
+            <a:r>
+              <a:rPr lang="es-VE" sz="900" dirty="0" err="1" smtClean="0"/>
+              <a:t>Vicens</a:t>
+            </a:r>
+            <a:r>
+              <a:rPr lang="es-VE" sz="900" dirty="0" smtClean="0"/>
+              <a:t> </a:t>
+            </a:r>
+            <a:r>
+              <a:rPr lang="es-VE" sz="900" dirty="0" err="1" smtClean="0"/>
+              <a:t>Gonzalez</a:t>
+            </a:r>
+            <a:endParaRPr lang="es-VE" sz="900" dirty="0" smtClean="0"/>
+          </a:p>
+          <a:p>
+            <a:r>
+              <a:rPr lang="es-VE" sz="900" dirty="0" err="1" smtClean="0"/>
+              <a:t>Yoshua</a:t>
+            </a:r>
+            <a:r>
+              <a:rPr lang="es-VE" sz="900" dirty="0" smtClean="0"/>
+              <a:t> Alfredo Nava </a:t>
+            </a:r>
+            <a:r>
+              <a:rPr lang="es-VE" sz="900" dirty="0" err="1" smtClean="0"/>
+              <a:t>Chocrón</a:t>
+            </a:r>
+            <a:endParaRPr lang="es-VE" sz="900" dirty="0"/>
+          </a:p>
+        </p:txBody>
+      </p:sp>
+      <p:pic>
+        <p:nvPicPr>
+          <p:cNvPr id="4098" name="Picture 2"/>
+          <p:cNvPicPr>
+            <a:picLocks noChangeAspect="1" noChangeArrowheads="1"/>
+          </p:cNvPicPr>
+          <p:nvPr/>
+        </p:nvPicPr>
+        <p:blipFill>
+          <a:blip r:embed="rId3" cstate="print"/>
+          <a:srcRect l="28865" t="58609" r="29345" b="40202"/>
+          <a:stretch>
+            <a:fillRect/>
+          </a:stretch>
+        </p:blipFill>
+        <p:spPr bwMode="auto">
+          <a:xfrm>
+            <a:off x="1" y="6248400"/>
+            <a:ext cx="9144000" cy="146304"/>
+          </a:xfrm>
+          <a:prstGeom prst="rect">
+            <a:avLst/>
+          </a:prstGeom>
+          <a:noFill/>
+          <a:ln w="9525">
+            <a:noFill/>
+            <a:miter lim="800000"/>
+            <a:headEnd/>
+            <a:tailEnd/>
+          </a:ln>
+        </p:spPr>
+      </p:pic>
+      <p:sp>
+        <p:nvSpPr>
+          <p:cNvPr id="9" name="8 Rectángulo"/>
+          <p:cNvSpPr/>
+          <p:nvPr/>
+        </p:nvSpPr>
+        <p:spPr>
+          <a:xfrm>
+            <a:off x="1981200" y="6627168"/>
+            <a:ext cx="4572000" cy="230832"/>
+          </a:xfrm>
+          <a:prstGeom prst="rect">
+            <a:avLst/>
+          </a:prstGeom>
+        </p:spPr>
+        <p:txBody>
+          <a:bodyPr anchor="b" anchorCtr="1">
+            <a:spAutoFit/>
+          </a:bodyPr>
+          <a:lstStyle/>
+          <a:p>
+            <a:pPr algn="ctr"/>
+            <a:r>
+              <a:rPr lang="es-VE" sz="900" dirty="0" smtClean="0"/>
+              <a:t>Estabilización de un cuadricóptero mediante un algoritmo Proporcional-Integral-Derivativo</a:t>
+            </a:r>
+            <a:endParaRPr lang="es-VE" sz="900" dirty="0"/>
+          </a:p>
+        </p:txBody>
+      </p:sp>
+    </p:spTree>
+  </p:cSld>
+  <p:clrMapOvr>
+    <a:masterClrMapping/>
+  </p:clrMapOvr>
+</p:sld>
+</file>
+
+<file path=ppt/slides/slide9.xml><?xml version="1.0" encoding="utf-8"?>
+<p:sld xmlns:a="http://schemas.openxmlformats.org/drawingml/2006/main" xmlns:r="http://schemas.openxmlformats.org/officeDocument/2006/relationships" xmlns:p="http://schemas.openxmlformats.org/presentationml/2006/main">
+  <p:cSld>
+    <p:spTree>
+      <p:nvGrpSpPr>
+        <p:cNvPr id="1" name=""/>
+        <p:cNvGrpSpPr/>
+        <p:nvPr/>
+      </p:nvGrpSpPr>
+      <p:grpSpPr>
+        <a:xfrm>
+          <a:off x="0" y="0"/>
+          <a:ext cx="0" cy="0"/>
+          <a:chOff x="0" y="0"/>
+          <a:chExt cx="0" cy="0"/>
+        </a:xfrm>
+      </p:grpSpPr>
+      <p:sp>
+        <p:nvSpPr>
+          <p:cNvPr id="6" name="5 Rectángulo"/>
+          <p:cNvSpPr/>
+          <p:nvPr/>
+        </p:nvSpPr>
+        <p:spPr>
+          <a:xfrm>
+            <a:off x="0" y="228600"/>
+            <a:ext cx="9144000" cy="1219200"/>
+          </a:xfrm>
+          <a:prstGeom prst="rect">
+            <a:avLst/>
+          </a:prstGeom>
+          <a:solidFill>
+            <a:schemeClr val="tx2">
+              <a:lumMod val="40000"/>
+              <a:lumOff val="60000"/>
+              <a:alpha val="68000"/>
+            </a:schemeClr>
+          </a:solidFill>
+          <a:ln w="0">
+            <a:noFill/>
+          </a:ln>
+        </p:spPr>
+        <p:style>
+          <a:lnRef idx="2">
+            <a:schemeClr val="accent1">
+              <a:shade val="50000"/>
+            </a:schemeClr>
+          </a:lnRef>
+          <a:fillRef idx="1">
+            <a:schemeClr val="accent1"/>
+          </a:fillRef>
+          <a:effectRef idx="0">
+            <a:schemeClr val="accent1"/>
+          </a:effectRef>
+          <a:fontRef idx="minor">
+            <a:schemeClr val="lt1"/>
+          </a:fontRef>
+        </p:style>
+        <p:txBody>
+          <a:bodyPr rtlCol="0" anchor="ctr"/>
+          <a:lstStyle/>
+          <a:p>
+            <a:pPr algn="ctr"/>
+            <a:endParaRPr lang="es-VE"/>
+          </a:p>
+        </p:txBody>
+      </p:sp>
+      <p:sp>
+        <p:nvSpPr>
+          <p:cNvPr id="2" name="1 Título"/>
+          <p:cNvSpPr>
+            <a:spLocks noGrp="1"/>
+          </p:cNvSpPr>
+          <p:nvPr>
+            <p:ph type="title"/>
+          </p:nvPr>
+        </p:nvSpPr>
+        <p:spPr/>
+        <p:txBody>
+          <a:bodyPr>
+            <a:normAutofit/>
+          </a:bodyPr>
+          <a:lstStyle/>
+          <a:p>
+            <a:r>
+              <a:rPr lang="es-VE" dirty="0" err="1" smtClean="0"/>
+              <a:t>Construccion</a:t>
+            </a:r>
+            <a:r>
+              <a:rPr lang="es-VE" dirty="0" smtClean="0"/>
+              <a:t> del </a:t>
+            </a:r>
+            <a:r>
+              <a:rPr lang="es-VE" dirty="0" err="1" smtClean="0"/>
+              <a:t>cuadricoptero</a:t>
+            </a:r>
+            <a:endParaRPr lang="es-VE" dirty="0"/>
+          </a:p>
+        </p:txBody>
+      </p:sp>
+      <p:sp>
+        <p:nvSpPr>
+          <p:cNvPr id="3" name="2 Marcador de contenido"/>
+          <p:cNvSpPr>
+            <a:spLocks noGrp="1"/>
+          </p:cNvSpPr>
+          <p:nvPr>
+            <p:ph idx="1"/>
+          </p:nvPr>
+        </p:nvSpPr>
+        <p:spPr>
+          <a:xfrm>
+            <a:off x="457200" y="1600201"/>
+            <a:ext cx="8229600" cy="4419600"/>
+          </a:xfrm>
+        </p:spPr>
+        <p:txBody>
+          <a:bodyPr/>
+          <a:lstStyle/>
+          <a:p>
+            <a:r>
+              <a:rPr lang="es-VE" dirty="0" smtClean="0"/>
+              <a:t>Circuito </a:t>
+            </a:r>
+            <a:r>
+              <a:rPr lang="es-VE" dirty="0" smtClean="0"/>
+              <a:t>de lógica, sensores y comunicación</a:t>
+            </a:r>
+            <a:r>
+              <a:rPr lang="es-VE" dirty="0" smtClean="0"/>
+              <a:t>.</a:t>
+            </a:r>
+          </a:p>
+          <a:p>
+            <a:r>
+              <a:rPr lang="es-VE" dirty="0" smtClean="0"/>
+              <a:t>Posicionamiento de los sensores sobre el cuadricóptero.</a:t>
+            </a:r>
+          </a:p>
           <a:p>
             <a:endParaRPr lang="es-VE" dirty="0"/>
           </a:p>
@@ -3832,4 +9099,287 @@
   <a:objectDefaults/>
   <a:extraClrSchemeLst/>
 </a:theme>
+</file>
+
+<file path=ppt/theme/theme2.xml><?xml version="1.0" encoding="utf-8"?>
+<a:theme xmlns:a="http://schemas.openxmlformats.org/drawingml/2006/main" name="Tema de Office">
+  <a:themeElements>
+    <a:clrScheme name="Office">
+      <a:dk1>
+        <a:sysClr val="windowText" lastClr="000000"/>
+      </a:dk1>
+      <a:lt1>
+        <a:sysClr val="window" lastClr="FFFFFF"/>
+      </a:lt1>
+      <a:dk2>
+        <a:srgbClr val="1F497D"/>
+      </a:dk2>
+      <a:lt2>
+        <a:srgbClr val="EEECE1"/>
+      </a:lt2>
+      <a:accent1>
+        <a:srgbClr val="4F81BD"/>
+      </a:accent1>
+      <a:accent2>
+        <a:srgbClr val="C0504D"/>
+      </a:accent2>
+      <a:accent3>
+        <a:srgbClr val="9BBB59"/>
+      </a:accent3>
+      <a:accent4>
+        <a:srgbClr val="8064A2"/>
+      </a:accent4>
+      <a:accent5>
+        <a:srgbClr val="4BACC6"/>
+      </a:accent5>
+      <a:accent6>
+        <a:srgbClr val="F79646"/>
+      </a:accent6>
+      <a:hlink>
+        <a:srgbClr val="0000FF"/>
+      </a:hlink>
+      <a:folHlink>
+        <a:srgbClr val="800080"/>
+      </a:folHlink>
+    </a:clrScheme>
+    <a:fontScheme name="Office">
+      <a:majorFont>
+        <a:latin typeface="Calibri"/>
+        <a:ea typeface=""/>
+        <a:cs typeface=""/>
+        <a:font script="Jpan" typeface="ＭＳ Ｐゴシック"/>
+        <a:font script="Hang" typeface="맑은 고딕"/>
+        <a:font script="Hans" typeface="宋体"/>
+        <a:font script="Hant" typeface="新細明體"/>
+        <a:font script="Arab" typeface="Times New Roman"/>
+        <a:font script="Hebr" typeface="Times New Roman"/>
+        <a:font script="Thai" typeface="Angsana New"/>
+        <a:font script="Ethi" typeface="Nyala"/>
+        <a:font script="Beng" typeface="Vrinda"/>
+        <a:font script="Gujr" typeface="Shruti"/>
+        <a:font script="Khmr" typeface="MoolBoran"/>
+        <a:font script="Knda" typeface="Tunga"/>
+        <a:font script="Guru" typeface="Raavi"/>
+        <a:font script="Cans" typeface="Euphemia"/>
+        <a:font script="Cher" typeface="Plantagenet Cherokee"/>
+        <a:font script="Yiii" typeface="Microsoft Yi Baiti"/>
+        <a:font script="Tibt" typeface="Microsoft Himalaya"/>
+        <a:font script="Thaa" typeface="MV Boli"/>
+        <a:font script="Deva" typeface="Mangal"/>
+        <a:font script="Telu" typeface="Gautami"/>
+        <a:font script="Taml" typeface="Latha"/>
+        <a:font script="Syrc" typeface="Estrangelo Edessa"/>
+        <a:font script="Orya" typeface="Kalinga"/>
+        <a:font script="Mlym" typeface="Kartika"/>
+        <a:font script="Laoo" typeface="DokChampa"/>
+        <a:font script="Sinh" typeface="Iskoola Pota"/>
+        <a:font script="Mong" typeface="Mongolian Baiti"/>
+        <a:font script="Viet" typeface="Times New Roman"/>
+        <a:font script="Uigh" typeface="Microsoft Uighur"/>
+      </a:majorFont>
+      <a:minorFont>
+        <a:latin typeface="Calibri"/>
+        <a:ea typeface=""/>
+        <a:cs typeface=""/>
+        <a:font script="Jpan" typeface="ＭＳ Ｐゴシック"/>
+        <a:font script="Hang" typeface="맑은 고딕"/>
+        <a:font script="Hans" typeface="宋体"/>
+        <a:font script="Hant" typeface="新細明體"/>
+        <a:font script="Arab" typeface="Arial"/>
+        <a:font script="Hebr" typeface="Arial"/>
+        <a:font script="Thai" typeface="Cordia New"/>
+        <a:font script="Ethi" typeface="Nyala"/>
+        <a:font script="Beng" typeface="Vrinda"/>
+        <a:font script="Gujr" typeface="Shruti"/>
+        <a:font script="Khmr" typeface="DaunPenh"/>
+        <a:font script="Knda" typeface="Tunga"/>
+        <a:font script="Guru" typeface="Raavi"/>
+        <a:font script="Cans" typeface="Euphemia"/>
+        <a:font script="Cher" typeface="Plantagenet Cherokee"/>
+        <a:font script="Yiii" typeface="Microsoft Yi Baiti"/>
+        <a:font script="Tibt" typeface="Microsoft Himalaya"/>
+        <a:font script="Thaa" typeface="MV Boli"/>
+        <a:font script="Deva" typeface="Mangal"/>
+        <a:font script="Telu" typeface="Gautami"/>
+        <a:font script="Taml" typeface="Latha"/>
+        <a:font script="Syrc" typeface="Estrangelo Edessa"/>
+        <a:font script="Orya" typeface="Kalinga"/>
+        <a:font script="Mlym" typeface="Kartika"/>
+        <a:font script="Laoo" typeface="DokChampa"/>
+        <a:font script="Sinh" typeface="Iskoola Pota"/>
+        <a:font script="Mong" typeface="Mongolian Baiti"/>
+        <a:font script="Viet" typeface="Arial"/>
+        <a:font script="Uigh" typeface="Microsoft Uighur"/>
+      </a:minorFont>
+    </a:fontScheme>
+    <a:fmtScheme name="Office">
+      <a:fillStyleLst>
+        <a:solidFill>
+          <a:schemeClr val="phClr"/>
+        </a:solidFill>
+        <a:gradFill rotWithShape="1">
+          <a:gsLst>
+            <a:gs pos="0">
+              <a:schemeClr val="phClr">
+                <a:tint val="50000"/>
+                <a:satMod val="300000"/>
+              </a:schemeClr>
+            </a:gs>
+            <a:gs pos="35000">
+              <a:schemeClr val="phClr">
+                <a:tint val="37000"/>
+                <a:satMod val="300000"/>
+              </a:schemeClr>
+            </a:gs>
+            <a:gs pos="100000">
+              <a:schemeClr val="phClr">
+                <a:tint val="15000"/>
+                <a:satMod val="350000"/>
+              </a:schemeClr>
+            </a:gs>
+          </a:gsLst>
+          <a:lin ang="16200000" scaled="1"/>
+        </a:gradFill>
+        <a:gradFill rotWithShape="1">
+          <a:gsLst>
+            <a:gs pos="0">
+              <a:schemeClr val="phClr">
+                <a:shade val="51000"/>
+                <a:satMod val="130000"/>
+              </a:schemeClr>
+            </a:gs>
+            <a:gs pos="80000">
+              <a:schemeClr val="phClr">
+                <a:shade val="93000"/>
+                <a:satMod val="130000"/>
+              </a:schemeClr>
+            </a:gs>
+            <a:gs pos="100000">
+              <a:schemeClr val="phClr">
+                <a:shade val="94000"/>
+                <a:satMod val="135000"/>
+              </a:schemeClr>
+            </a:gs>
+          </a:gsLst>
+          <a:lin ang="16200000" scaled="0"/>
+        </a:gradFill>
+      </a:fillStyleLst>
+      <a:lnStyleLst>
+        <a:ln w="9525" cap="flat" cmpd="sng" algn="ctr">
+          <a:solidFill>
+            <a:schemeClr val="phClr">
+              <a:shade val="95000"/>
+              <a:satMod val="105000"/>
+            </a:schemeClr>
+          </a:solidFill>
+          <a:prstDash val="solid"/>
+        </a:ln>
+        <a:ln w="25400" cap="flat" cmpd="sng" algn="ctr">
+          <a:solidFill>
+            <a:schemeClr val="phClr"/>
+          </a:solidFill>
+          <a:prstDash val="solid"/>
+        </a:ln>
+        <a:ln w="38100" cap="flat" cmpd="sng" algn="ctr">
+          <a:solidFill>
+            <a:schemeClr val="phClr"/>
+          </a:solidFill>
+          <a:prstDash val="solid"/>
+        </a:ln>
+      </a:lnStyleLst>
+      <a:effectStyleLst>
+        <a:effectStyle>
+          <a:effectLst>
+            <a:outerShdw blurRad="40000" dist="20000" dir="5400000" rotWithShape="0">
+              <a:srgbClr val="000000">
+                <a:alpha val="38000"/>
+              </a:srgbClr>
+            </a:outerShdw>
+          </a:effectLst>
+        </a:effectStyle>
+        <a:effectStyle>
+          <a:effectLst>
+            <a:outerShdw blurRad="40000" dist="23000" dir="5400000" rotWithShape="0">
+              <a:srgbClr val="000000">
+                <a:alpha val="35000"/>
+              </a:srgbClr>
+            </a:outerShdw>
+          </a:effectLst>
+        </a:effectStyle>
+        <a:effectStyle>
+          <a:effectLst>
+            <a:outerShdw blurRad="40000" dist="23000" dir="5400000" rotWithShape="0">
+              <a:srgbClr val="000000">
+                <a:alpha val="35000"/>
+              </a:srgbClr>
+            </a:outerShdw>
+          </a:effectLst>
+          <a:scene3d>
+            <a:camera prst="orthographicFront">
+              <a:rot lat="0" lon="0" rev="0"/>
+            </a:camera>
+            <a:lightRig rig="threePt" dir="t">
+              <a:rot lat="0" lon="0" rev="1200000"/>
+            </a:lightRig>
+          </a:scene3d>
+          <a:sp3d>
+            <a:bevelT w="63500" h="25400"/>
+          </a:sp3d>
+        </a:effectStyle>
+      </a:effectStyleLst>
+      <a:bgFillStyleLst>
+        <a:solidFill>
+          <a:schemeClr val="phClr"/>
+        </a:solidFill>
+        <a:gradFill rotWithShape="1">
+          <a:gsLst>
+            <a:gs pos="0">
+              <a:schemeClr val="phClr">
+                <a:tint val="40000"/>
+                <a:satMod val="350000"/>
+              </a:schemeClr>
+            </a:gs>
+            <a:gs pos="40000">
+              <a:schemeClr val="phClr">
+                <a:tint val="45000"/>
+                <a:shade val="99000"/>
+                <a:satMod val="350000"/>
+              </a:schemeClr>
+            </a:gs>
+            <a:gs pos="100000">
+              <a:schemeClr val="phClr">
+                <a:shade val="20000"/>
+                <a:satMod val="255000"/>
+              </a:schemeClr>
+            </a:gs>
+          </a:gsLst>
+          <a:path path="circle">
+            <a:fillToRect l="50000" t="-80000" r="50000" b="180000"/>
+          </a:path>
+        </a:gradFill>
+        <a:gradFill rotWithShape="1">
+          <a:gsLst>
+            <a:gs pos="0">
+              <a:schemeClr val="phClr">
+                <a:tint val="80000"/>
+                <a:satMod val="300000"/>
+              </a:schemeClr>
+            </a:gs>
+            <a:gs pos="100000">
+              <a:schemeClr val="phClr">
+                <a:shade val="30000"/>
+                <a:satMod val="200000"/>
+              </a:schemeClr>
+            </a:gs>
+          </a:gsLst>
+          <a:path path="circle">
+            <a:fillToRect l="50000" t="50000" r="50000" b="50000"/>
+          </a:path>
+        </a:gradFill>
+      </a:bgFillStyleLst>
+    </a:fmtScheme>
+  </a:themeElements>
+  <a:objectDefaults/>
+  <a:extraClrSchemeLst/>
+</a:theme>
 </file>